--- a/assets/img/notice/template.pptx
+++ b/assets/img/notice/template.pptx
@@ -3754,17 +3754,17 @@
                 <a:buChar char="•"/>
               </a:pPr>
               <a:r>
-                <a:rPr lang="en-US" altLang="ko-KR" b="1" dirty="0">
+                <a:rPr lang="en-US" altLang="ko-KR" b="1">
                   <a:solidFill>
                     <a:srgbClr val="A52A2A"/>
                   </a:solidFill>
                   <a:latin typeface="제주고딕" panose="02000300000000000000" pitchFamily="2" charset="-127"/>
                   <a:ea typeface="제주고딕" panose="02000300000000000000" pitchFamily="2" charset="-127"/>
                 </a:rPr>
-                <a:t>ACL 2024</a:t>
+                <a:t>ACL 2025</a:t>
               </a:r>
               <a:r>
-                <a:rPr lang="ko-KR" altLang="en-US" dirty="0">
+                <a:rPr lang="ko-KR" altLang="en-US">
                   <a:latin typeface="제주고딕" panose="02000300000000000000" pitchFamily="2" charset="-127"/>
                   <a:ea typeface="제주고딕" panose="02000300000000000000" pitchFamily="2" charset="-127"/>
                 </a:rPr>
@@ -3814,7 +3814,7 @@
                   <a:latin typeface="제주고딕" panose="02000300000000000000" pitchFamily="2" charset="-127"/>
                   <a:ea typeface="제주고딕" panose="02000300000000000000" pitchFamily="2" charset="-127"/>
                 </a:rPr>
-                <a:t>(BK Plus Computer Science IF=3)</a:t>
+                <a:t>(BK Plus Computer Science IF=4)</a:t>
               </a:r>
               <a:r>
                 <a:rPr lang="en-US" altLang="ko-KR" dirty="0">

--- a/assets/img/notice/template.pptx
+++ b/assets/img/notice/template.pptx
@@ -7254,10 +7254,10 @@
       </p:grpSpPr>
       <p:grpSp>
         <p:nvGrpSpPr>
-          <p:cNvPr id="43" name="그룹 42">
+          <p:cNvPr id="26" name="그룹 25">
             <a:extLst>
               <a:ext uri="{FF2B5EF4-FFF2-40B4-BE49-F238E27FC236}">
-                <a16:creationId xmlns:a16="http://schemas.microsoft.com/office/drawing/2014/main" id="{E5DAFE3B-813E-9368-8CB7-1904815F8AB8}"/>
+                <a16:creationId xmlns:a16="http://schemas.microsoft.com/office/drawing/2014/main" id="{5979CA8F-FE66-5F93-EC16-5EEFF9D2CEF3}"/>
               </a:ext>
             </a:extLst>
           </p:cNvPr>
@@ -8370,9 +8370,9 @@
           <p:grpSpPr>
             <a:xfrm>
               <a:off x="4532859" y="2062315"/>
-              <a:ext cx="3140971" cy="1749481"/>
+              <a:ext cx="3140971" cy="2162038"/>
               <a:chOff x="5130620" y="2066973"/>
-              <a:chExt cx="3140971" cy="1749481"/>
+              <a:chExt cx="3140971" cy="2162038"/>
             </a:xfrm>
           </p:grpSpPr>
           <p:grpSp>
@@ -8541,7 +8541,7 @@
                       <a:ea typeface="JejuGothic" panose="02000300000000000000" pitchFamily="2" charset="-127"/>
                       <a:cs typeface="Malgun Gothic Semilight" panose="020B0502040204020203" pitchFamily="50" charset="-127"/>
                     </a:rPr>
-                    <a:t>삼성</a:t>
+                    <a:t>삼성전자</a:t>
                   </a:r>
                   <a:r>
                     <a:rPr lang="en-US" altLang="ko-KR" sz="1600" b="1" dirty="0">
@@ -8549,21 +8549,16 @@
                       <a:ea typeface="JejuGothic" panose="02000300000000000000" pitchFamily="2" charset="-127"/>
                       <a:cs typeface="Malgun Gothic Semilight" panose="020B0502040204020203" pitchFamily="50" charset="-127"/>
                     </a:rPr>
-                    <a:t> Research </a:t>
+                    <a:t> </a:t>
                   </a:r>
                   <a:r>
-                    <a:rPr lang="ko-KR" altLang="en-US" sz="1600" b="1" dirty="0" err="1">
+                    <a:rPr lang="ko-KR" altLang="en-US" sz="1600" b="1" dirty="0">
                       <a:latin typeface="JejuGothic" panose="02000300000000000000" pitchFamily="2" charset="-127"/>
                       <a:ea typeface="JejuGothic" panose="02000300000000000000" pitchFamily="2" charset="-127"/>
                       <a:cs typeface="Malgun Gothic Semilight" panose="020B0502040204020203" pitchFamily="50" charset="-127"/>
                     </a:rPr>
-                    <a:t>박지열</a:t>
+                    <a:t>김진영</a:t>
                   </a:r>
-                  <a:endParaRPr lang="ko-KR" altLang="en-US" sz="1600" b="1" dirty="0">
-                    <a:latin typeface="JejuGothic" panose="02000300000000000000" pitchFamily="2" charset="-127"/>
-                    <a:ea typeface="JejuGothic" panose="02000300000000000000" pitchFamily="2" charset="-127"/>
-                    <a:cs typeface="Malgun Gothic Semilight" panose="020B0502040204020203" pitchFamily="50" charset="-127"/>
-                  </a:endParaRPr>
                 </a:p>
               </p:txBody>
             </p:sp>
@@ -8582,7 +8577,7 @@
               <p:spPr>
                 <a:xfrm>
                   <a:off x="9143999" y="3391109"/>
-                  <a:ext cx="1858433" cy="338554"/>
+                  <a:ext cx="2207912" cy="338554"/>
                 </a:xfrm>
                 <a:prstGeom prst="rect">
                   <a:avLst/>
@@ -8596,12 +8591,20 @@
                 <a:lstStyle/>
                 <a:p>
                   <a:r>
+                    <a:rPr lang="ko-KR" altLang="en-US" sz="1600" b="1" dirty="0">
+                      <a:latin typeface="JejuGothic" panose="02000300000000000000" pitchFamily="2" charset="-127"/>
+                      <a:ea typeface="JejuGothic" panose="02000300000000000000" pitchFamily="2" charset="-127"/>
+                      <a:cs typeface="Malgun Gothic Semilight" panose="020B0502040204020203" pitchFamily="50" charset="-127"/>
+                    </a:rPr>
+                    <a:t>삼성</a:t>
+                  </a:r>
+                  <a:r>
                     <a:rPr lang="en-US" altLang="ko-KR" sz="1600" b="1" dirty="0">
                       <a:latin typeface="JejuGothic" panose="02000300000000000000" pitchFamily="2" charset="-127"/>
                       <a:ea typeface="JejuGothic" panose="02000300000000000000" pitchFamily="2" charset="-127"/>
                       <a:cs typeface="Malgun Gothic Semilight" panose="020B0502040204020203" pitchFamily="50" charset="-127"/>
                     </a:rPr>
-                    <a:t>LOTTE </a:t>
+                    <a:t> Research </a:t>
                   </a:r>
                   <a:r>
                     <a:rPr lang="ko-KR" altLang="en-US" sz="1600" b="1" dirty="0" err="1">
@@ -8609,7 +8612,7 @@
                       <a:ea typeface="JejuGothic" panose="02000300000000000000" pitchFamily="2" charset="-127"/>
                       <a:cs typeface="Malgun Gothic Semilight" panose="020B0502040204020203" pitchFamily="50" charset="-127"/>
                     </a:rPr>
-                    <a:t>신승민</a:t>
+                    <a:t>박지열</a:t>
                   </a:r>
                   <a:endParaRPr lang="ko-KR" altLang="en-US" sz="1600" b="1" dirty="0">
                     <a:latin typeface="JejuGothic" panose="02000300000000000000" pitchFamily="2" charset="-127"/>
@@ -8684,7 +8687,7 @@
             </p:blipFill>
             <p:spPr bwMode="auto">
               <a:xfrm>
-                <a:off x="5242099" y="3042646"/>
+                <a:off x="5242099" y="3511162"/>
                 <a:ext cx="758967" cy="252000"/>
               </a:xfrm>
               <a:prstGeom prst="rect">
@@ -8730,7 +8733,7 @@
             </p:blipFill>
             <p:spPr>
               <a:xfrm>
-                <a:off x="5259247" y="3456454"/>
+                <a:off x="5276320" y="3869011"/>
                 <a:ext cx="741819" cy="360000"/>
               </a:xfrm>
               <a:prstGeom prst="rect">
@@ -8769,6 +8772,105 @@
             </p:spPr>
           </p:pic>
         </p:grpSp>
+        <p:sp>
+          <p:nvSpPr>
+            <p:cNvPr id="15" name="TextBox 14">
+              <a:extLst>
+                <a:ext uri="{FF2B5EF4-FFF2-40B4-BE49-F238E27FC236}">
+                  <a16:creationId xmlns:a16="http://schemas.microsoft.com/office/drawing/2014/main" id="{5E929C57-807C-24AC-8457-9E1D780E5AE0}"/>
+                </a:ext>
+              </a:extLst>
+            </p:cNvPr>
+            <p:cNvSpPr txBox="1"/>
+            <p:nvPr/>
+          </p:nvSpPr>
+          <p:spPr>
+            <a:xfrm>
+              <a:off x="5403511" y="3872296"/>
+              <a:ext cx="1858433" cy="338554"/>
+            </a:xfrm>
+            <a:prstGeom prst="rect">
+              <a:avLst/>
+            </a:prstGeom>
+            <a:noFill/>
+          </p:spPr>
+          <p:txBody>
+            <a:bodyPr wrap="square" rtlCol="0">
+              <a:spAutoFit/>
+            </a:bodyPr>
+            <a:lstStyle/>
+            <a:p>
+              <a:r>
+                <a:rPr lang="en-US" altLang="ko-KR" sz="1600" b="1" dirty="0">
+                  <a:latin typeface="JejuGothic" panose="02000300000000000000" pitchFamily="2" charset="-127"/>
+                  <a:ea typeface="JejuGothic" panose="02000300000000000000" pitchFamily="2" charset="-127"/>
+                  <a:cs typeface="Malgun Gothic Semilight" panose="020B0502040204020203" pitchFamily="50" charset="-127"/>
+                </a:rPr>
+                <a:t>LOTTE </a:t>
+              </a:r>
+              <a:r>
+                <a:rPr lang="ko-KR" altLang="en-US" sz="1600" b="1" dirty="0" err="1">
+                  <a:latin typeface="JejuGothic" panose="02000300000000000000" pitchFamily="2" charset="-127"/>
+                  <a:ea typeface="JejuGothic" panose="02000300000000000000" pitchFamily="2" charset="-127"/>
+                  <a:cs typeface="Malgun Gothic Semilight" panose="020B0502040204020203" pitchFamily="50" charset="-127"/>
+                </a:rPr>
+                <a:t>신승민</a:t>
+              </a:r>
+              <a:endParaRPr lang="ko-KR" altLang="en-US" sz="1600" b="1" dirty="0">
+                <a:latin typeface="JejuGothic" panose="02000300000000000000" pitchFamily="2" charset="-127"/>
+                <a:ea typeface="JejuGothic" panose="02000300000000000000" pitchFamily="2" charset="-127"/>
+                <a:cs typeface="Malgun Gothic Semilight" panose="020B0502040204020203" pitchFamily="50" charset="-127"/>
+              </a:endParaRPr>
+            </a:p>
+          </p:txBody>
+        </p:sp>
+        <p:pic>
+          <p:nvPicPr>
+            <p:cNvPr id="21" name="Picture 10">
+              <a:extLst>
+                <a:ext uri="{FF2B5EF4-FFF2-40B4-BE49-F238E27FC236}">
+                  <a16:creationId xmlns:a16="http://schemas.microsoft.com/office/drawing/2014/main" id="{48AC19E2-3353-9EEA-9FE0-E847CDB0AA41}"/>
+                </a:ext>
+              </a:extLst>
+            </p:cNvPr>
+            <p:cNvPicPr>
+              <a:picLocks noChangeAspect="1" noChangeArrowheads="1"/>
+            </p:cNvPicPr>
+            <p:nvPr/>
+          </p:nvPicPr>
+          <p:blipFill>
+            <a:blip r:embed="rId8">
+              <a:extLst>
+                <a:ext uri="{28A0092B-C50C-407E-A947-70E740481C1C}">
+                  <a14:useLocalDpi xmlns:a14="http://schemas.microsoft.com/office/drawing/2010/main" val="0"/>
+                </a:ext>
+              </a:extLst>
+            </a:blip>
+            <a:srcRect/>
+            <a:stretch>
+              <a:fillRect/>
+            </a:stretch>
+          </p:blipFill>
+          <p:spPr bwMode="auto">
+            <a:xfrm>
+              <a:off x="4661411" y="3037711"/>
+              <a:ext cx="758967" cy="252000"/>
+            </a:xfrm>
+            <a:prstGeom prst="rect">
+              <a:avLst/>
+            </a:prstGeom>
+            <a:noFill/>
+            <a:extLst>
+              <a:ext uri="{909E8E84-426E-40DD-AFC4-6F175D3DCCD1}">
+                <a14:hiddenFill xmlns:a14="http://schemas.microsoft.com/office/drawing/2010/main">
+                  <a:solidFill>
+                    <a:srgbClr val="FFFFFF"/>
+                  </a:solidFill>
+                </a14:hiddenFill>
+              </a:ext>
+            </a:extLst>
+          </p:spPr>
+        </p:pic>
       </p:grpSp>
     </p:spTree>
     <p:extLst>

--- a/assets/img/notice/template.pptx
+++ b/assets/img/notice/template.pptx
@@ -274,7 +274,7 @@
           <a:p>
             <a:fld id="{91C883BF-99AE-42FD-96B8-D02942FEBE9A}" type="datetimeFigureOut">
               <a:rPr lang="ko-KR" altLang="en-US" smtClean="0"/>
-              <a:t>2025-07-09</a:t>
+              <a:t>2025-08-26</a:t>
             </a:fld>
             <a:endParaRPr lang="ko-KR" altLang="en-US" dirty="0"/>
           </a:p>
@@ -472,7 +472,7 @@
           <a:p>
             <a:fld id="{91C883BF-99AE-42FD-96B8-D02942FEBE9A}" type="datetimeFigureOut">
               <a:rPr lang="ko-KR" altLang="en-US" smtClean="0"/>
-              <a:t>2025-07-09</a:t>
+              <a:t>2025-08-26</a:t>
             </a:fld>
             <a:endParaRPr lang="ko-KR" altLang="en-US" dirty="0"/>
           </a:p>
@@ -680,7 +680,7 @@
           <a:p>
             <a:fld id="{91C883BF-99AE-42FD-96B8-D02942FEBE9A}" type="datetimeFigureOut">
               <a:rPr lang="ko-KR" altLang="en-US" smtClean="0"/>
-              <a:t>2025-07-09</a:t>
+              <a:t>2025-08-26</a:t>
             </a:fld>
             <a:endParaRPr lang="ko-KR" altLang="en-US" dirty="0"/>
           </a:p>
@@ -878,7 +878,7 @@
           <a:p>
             <a:fld id="{91C883BF-99AE-42FD-96B8-D02942FEBE9A}" type="datetimeFigureOut">
               <a:rPr lang="ko-KR" altLang="en-US" smtClean="0"/>
-              <a:t>2025-07-09</a:t>
+              <a:t>2025-08-26</a:t>
             </a:fld>
             <a:endParaRPr lang="ko-KR" altLang="en-US" dirty="0"/>
           </a:p>
@@ -1153,7 +1153,7 @@
           <a:p>
             <a:fld id="{91C883BF-99AE-42FD-96B8-D02942FEBE9A}" type="datetimeFigureOut">
               <a:rPr lang="ko-KR" altLang="en-US" smtClean="0"/>
-              <a:t>2025-07-09</a:t>
+              <a:t>2025-08-26</a:t>
             </a:fld>
             <a:endParaRPr lang="ko-KR" altLang="en-US" dirty="0"/>
           </a:p>
@@ -1418,7 +1418,7 @@
           <a:p>
             <a:fld id="{91C883BF-99AE-42FD-96B8-D02942FEBE9A}" type="datetimeFigureOut">
               <a:rPr lang="ko-KR" altLang="en-US" smtClean="0"/>
-              <a:t>2025-07-09</a:t>
+              <a:t>2025-08-26</a:t>
             </a:fld>
             <a:endParaRPr lang="ko-KR" altLang="en-US" dirty="0"/>
           </a:p>
@@ -1830,7 +1830,7 @@
           <a:p>
             <a:fld id="{91C883BF-99AE-42FD-96B8-D02942FEBE9A}" type="datetimeFigureOut">
               <a:rPr lang="ko-KR" altLang="en-US" smtClean="0"/>
-              <a:t>2025-07-09</a:t>
+              <a:t>2025-08-26</a:t>
             </a:fld>
             <a:endParaRPr lang="ko-KR" altLang="en-US" dirty="0"/>
           </a:p>
@@ -1971,7 +1971,7 @@
           <a:p>
             <a:fld id="{91C883BF-99AE-42FD-96B8-D02942FEBE9A}" type="datetimeFigureOut">
               <a:rPr lang="ko-KR" altLang="en-US" smtClean="0"/>
-              <a:t>2025-07-09</a:t>
+              <a:t>2025-08-26</a:t>
             </a:fld>
             <a:endParaRPr lang="ko-KR" altLang="en-US" dirty="0"/>
           </a:p>
@@ -2084,7 +2084,7 @@
           <a:p>
             <a:fld id="{91C883BF-99AE-42FD-96B8-D02942FEBE9A}" type="datetimeFigureOut">
               <a:rPr lang="ko-KR" altLang="en-US" smtClean="0"/>
-              <a:t>2025-07-09</a:t>
+              <a:t>2025-08-26</a:t>
             </a:fld>
             <a:endParaRPr lang="ko-KR" altLang="en-US" dirty="0"/>
           </a:p>
@@ -2395,7 +2395,7 @@
           <a:p>
             <a:fld id="{91C883BF-99AE-42FD-96B8-D02942FEBE9A}" type="datetimeFigureOut">
               <a:rPr lang="ko-KR" altLang="en-US" smtClean="0"/>
-              <a:t>2025-07-09</a:t>
+              <a:t>2025-08-26</a:t>
             </a:fld>
             <a:endParaRPr lang="ko-KR" altLang="en-US" dirty="0"/>
           </a:p>
@@ -2683,7 +2683,7 @@
           <a:p>
             <a:fld id="{91C883BF-99AE-42FD-96B8-D02942FEBE9A}" type="datetimeFigureOut">
               <a:rPr lang="ko-KR" altLang="en-US" smtClean="0"/>
-              <a:t>2025-07-09</a:t>
+              <a:t>2025-08-26</a:t>
             </a:fld>
             <a:endParaRPr lang="ko-KR" altLang="en-US" dirty="0"/>
           </a:p>
@@ -2924,7 +2924,7 @@
           <a:p>
             <a:fld id="{91C883BF-99AE-42FD-96B8-D02942FEBE9A}" type="datetimeFigureOut">
               <a:rPr lang="ko-KR" altLang="en-US" smtClean="0"/>
-              <a:t>2025-07-09</a:t>
+              <a:t>2025-08-26</a:t>
             </a:fld>
             <a:endParaRPr lang="ko-KR" altLang="en-US" dirty="0"/>
           </a:p>
@@ -3754,7 +3754,95 @@
                 <a:buChar char="•"/>
               </a:pPr>
               <a:r>
-                <a:rPr lang="en-US" altLang="ko-KR" b="1">
+                <a:rPr lang="en-US" altLang="ko-KR" b="1" dirty="0">
+                  <a:solidFill>
+                    <a:srgbClr val="A52A2A"/>
+                  </a:solidFill>
+                  <a:latin typeface="제주고딕" panose="02000300000000000000" pitchFamily="2" charset="-127"/>
+                  <a:ea typeface="제주고딕" panose="02000300000000000000" pitchFamily="2" charset="-127"/>
+                </a:rPr>
+                <a:t>EMNLP 2025</a:t>
+              </a:r>
+              <a:r>
+                <a:rPr lang="ko-KR" altLang="en-US" dirty="0">
+                  <a:latin typeface="제주고딕" panose="02000300000000000000" pitchFamily="2" charset="-127"/>
+                  <a:ea typeface="제주고딕" panose="02000300000000000000" pitchFamily="2" charset="-127"/>
+                </a:rPr>
+                <a:t>에 </a:t>
+              </a:r>
+              <a:r>
+                <a:rPr lang="en-US" altLang="ko-KR" b="1" dirty="0">
+                  <a:latin typeface="제주고딕" panose="02000300000000000000" pitchFamily="2" charset="-127"/>
+                  <a:ea typeface="제주고딕" panose="02000300000000000000" pitchFamily="2" charset="-127"/>
+                </a:rPr>
+                <a:t>2</a:t>
+              </a:r>
+              <a:r>
+                <a:rPr lang="ko-KR" altLang="en-US" b="1" dirty="0">
+                  <a:latin typeface="제주고딕" panose="02000300000000000000" pitchFamily="2" charset="-127"/>
+                  <a:ea typeface="제주고딕" panose="02000300000000000000" pitchFamily="2" charset="-127"/>
+                </a:rPr>
+                <a:t>편의 논문</a:t>
+              </a:r>
+              <a:r>
+                <a:rPr lang="ko-KR" altLang="en-US" dirty="0">
+                  <a:latin typeface="제주고딕" panose="02000300000000000000" pitchFamily="2" charset="-127"/>
+                  <a:ea typeface="제주고딕" panose="02000300000000000000" pitchFamily="2" charset="-127"/>
+                </a:rPr>
+                <a:t>이 게재 승인되었습니다</a:t>
+              </a:r>
+              <a:r>
+                <a:rPr lang="en-US" altLang="ko-KR" dirty="0">
+                  <a:latin typeface="제주고딕" panose="02000300000000000000" pitchFamily="2" charset="-127"/>
+                  <a:ea typeface="제주고딕" panose="02000300000000000000" pitchFamily="2" charset="-127"/>
+                </a:rPr>
+                <a:t>.</a:t>
+              </a:r>
+              <a:r>
+                <a:rPr lang="ko-KR" altLang="en-US" dirty="0">
+                  <a:latin typeface="제주고딕" panose="02000300000000000000" pitchFamily="2" charset="-127"/>
+                  <a:ea typeface="제주고딕" panose="02000300000000000000" pitchFamily="2" charset="-127"/>
+                </a:rPr>
+                <a:t> </a:t>
+              </a:r>
+              <a:r>
+                <a:rPr lang="en-US" altLang="ko-KR" dirty="0">
+                  <a:solidFill>
+                    <a:srgbClr val="A52A2A"/>
+                  </a:solidFill>
+                  <a:latin typeface="제주고딕" panose="02000300000000000000" pitchFamily="2" charset="-127"/>
+                  <a:ea typeface="제주고딕" panose="02000300000000000000" pitchFamily="2" charset="-127"/>
+                </a:rPr>
+                <a:t>(BK Plus Computer Science IF=3)</a:t>
+              </a:r>
+              <a:r>
+                <a:rPr lang="en-US" altLang="ko-KR" dirty="0">
+                  <a:latin typeface="제주고딕" panose="02000300000000000000" pitchFamily="2" charset="-127"/>
+                  <a:ea typeface="제주고딕" panose="02000300000000000000" pitchFamily="2" charset="-127"/>
+                </a:rPr>
+                <a:t>.</a:t>
+              </a:r>
+              <a:endParaRPr lang="en-US" altLang="ko-KR" b="1" dirty="0">
+                <a:solidFill>
+                  <a:srgbClr val="A52A2A"/>
+                </a:solidFill>
+                <a:latin typeface="제주고딕" panose="02000300000000000000" pitchFamily="2" charset="-127"/>
+                <a:ea typeface="제주고딕" panose="02000300000000000000" pitchFamily="2" charset="-127"/>
+              </a:endParaRPr>
+            </a:p>
+            <a:p>
+              <a:pPr marL="171450" indent="-171450">
+                <a:lnSpc>
+                  <a:spcPct val="150000"/>
+                </a:lnSpc>
+                <a:buClr>
+                  <a:schemeClr val="tx1"/>
+                </a:buClr>
+                <a:buFont typeface="Arial" panose="020B0604020202020204" pitchFamily="34" charset="0"/>
+                <a:buChar char="•"/>
+              </a:pPr>
+              <a:r>
+                <a:rPr lang="en-US" altLang="ko-KR" b="1" dirty="0">
                   <a:solidFill>
                     <a:srgbClr val="A52A2A"/>
                   </a:solidFill>
@@ -3764,7 +3852,7 @@
                 <a:t>ACL 2025</a:t>
               </a:r>
               <a:r>
-                <a:rPr lang="ko-KR" altLang="en-US">
+                <a:rPr lang="ko-KR" altLang="en-US" dirty="0">
                   <a:latin typeface="제주고딕" panose="02000300000000000000" pitchFamily="2" charset="-127"/>
                   <a:ea typeface="제주고딕" panose="02000300000000000000" pitchFamily="2" charset="-127"/>
                 </a:rPr>
@@ -4445,88 +4533,6 @@
                   <a:ea typeface="제주고딕" panose="02000300000000000000" pitchFamily="2" charset="-127"/>
                 </a:rPr>
                 <a:t>(BK Plus Computer Science IF=2)</a:t>
-              </a:r>
-              <a:r>
-                <a:rPr lang="en-US" altLang="ko-KR" dirty="0">
-                  <a:latin typeface="제주고딕" panose="02000300000000000000" pitchFamily="2" charset="-127"/>
-                  <a:ea typeface="제주고딕" panose="02000300000000000000" pitchFamily="2" charset="-127"/>
-                </a:rPr>
-                <a:t>.</a:t>
-              </a:r>
-            </a:p>
-            <a:p>
-              <a:pPr marL="171450" indent="-171450">
-                <a:lnSpc>
-                  <a:spcPct val="150000"/>
-                </a:lnSpc>
-                <a:buClr>
-                  <a:schemeClr val="tx1"/>
-                </a:buClr>
-                <a:buFont typeface="Arial" panose="020B0604020202020204" pitchFamily="34" charset="0"/>
-                <a:buChar char="•"/>
-              </a:pPr>
-              <a:r>
-                <a:rPr lang="en-US" altLang="ko-KR" b="1" dirty="0">
-                  <a:solidFill>
-                    <a:srgbClr val="A52A2A"/>
-                  </a:solidFill>
-                  <a:latin typeface="제주고딕" panose="02000300000000000000" pitchFamily="2" charset="-127"/>
-                  <a:ea typeface="제주고딕" panose="02000300000000000000" pitchFamily="2" charset="-127"/>
-                </a:rPr>
-                <a:t>CIKM 2021</a:t>
-              </a:r>
-              <a:r>
-                <a:rPr lang="ko-KR" altLang="en-US" dirty="0">
-                  <a:latin typeface="제주고딕" panose="02000300000000000000" pitchFamily="2" charset="-127"/>
-                  <a:ea typeface="제주고딕" panose="02000300000000000000" pitchFamily="2" charset="-127"/>
-                </a:rPr>
-                <a:t>에 </a:t>
-              </a:r>
-              <a:r>
-                <a:rPr lang="en-US" altLang="ko-KR" b="1" dirty="0">
-                  <a:latin typeface="제주고딕" panose="02000300000000000000" pitchFamily="2" charset="-127"/>
-                  <a:ea typeface="제주고딕" panose="02000300000000000000" pitchFamily="2" charset="-127"/>
-                </a:rPr>
-                <a:t>4</a:t>
-              </a:r>
-              <a:r>
-                <a:rPr lang="ko-KR" altLang="en-US" b="1" dirty="0">
-                  <a:latin typeface="제주고딕" panose="02000300000000000000" pitchFamily="2" charset="-127"/>
-                  <a:ea typeface="제주고딕" panose="02000300000000000000" pitchFamily="2" charset="-127"/>
-                </a:rPr>
-                <a:t>편의 논문</a:t>
-              </a:r>
-              <a:r>
-                <a:rPr lang="ko-KR" altLang="en-US" dirty="0">
-                  <a:latin typeface="제주고딕" panose="02000300000000000000" pitchFamily="2" charset="-127"/>
-                  <a:ea typeface="제주고딕" panose="02000300000000000000" pitchFamily="2" charset="-127"/>
-                </a:rPr>
-                <a:t>이 게재 승인되었습니다</a:t>
-              </a:r>
-              <a:r>
-                <a:rPr lang="en-US" altLang="ko-KR" dirty="0">
-                  <a:latin typeface="제주고딕" panose="02000300000000000000" pitchFamily="2" charset="-127"/>
-                  <a:ea typeface="제주고딕" panose="02000300000000000000" pitchFamily="2" charset="-127"/>
-                </a:rPr>
-                <a:t>.</a:t>
-              </a:r>
-              <a:r>
-                <a:rPr lang="ko-KR" altLang="en-US" dirty="0">
-                  <a:latin typeface="제주고딕" panose="02000300000000000000" pitchFamily="2" charset="-127"/>
-                  <a:ea typeface="제주고딕" panose="02000300000000000000" pitchFamily="2" charset="-127"/>
-                </a:rPr>
-                <a:t> </a:t>
-              </a:r>
-              <a:r>
-                <a:rPr lang="en-US" altLang="ko-KR" i="0" dirty="0">
-                  <a:solidFill>
-                    <a:srgbClr val="A52A2A"/>
-                  </a:solidFill>
-                  <a:effectLst/>
-                  <a:latin typeface="제주고딕" panose="02000300000000000000" pitchFamily="2" charset="-127"/>
-                  <a:ea typeface="제주고딕" panose="02000300000000000000" pitchFamily="2" charset="-127"/>
-                </a:rPr>
-                <a:t>(BK Plus Computer Science IF=3)</a:t>
               </a:r>
               <a:r>
                 <a:rPr lang="en-US" altLang="ko-KR" dirty="0">
@@ -8872,6 +8878,89 @@
           </p:spPr>
         </p:pic>
       </p:grpSp>
+      <p:sp>
+        <p:nvSpPr>
+          <p:cNvPr id="2" name="TextBox 1">
+            <a:extLst>
+              <a:ext uri="{FF2B5EF4-FFF2-40B4-BE49-F238E27FC236}">
+                <a16:creationId xmlns:a16="http://schemas.microsoft.com/office/drawing/2014/main" id="{A5E45358-E311-3DA5-7C46-607BDEC60D90}"/>
+              </a:ext>
+            </a:extLst>
+          </p:cNvPr>
+          <p:cNvSpPr txBox="1"/>
+          <p:nvPr/>
+        </p:nvSpPr>
+        <p:spPr>
+          <a:xfrm>
+            <a:off x="5420378" y="4349516"/>
+            <a:ext cx="1858433" cy="338554"/>
+          </a:xfrm>
+          <a:prstGeom prst="rect">
+            <a:avLst/>
+          </a:prstGeom>
+          <a:noFill/>
+        </p:spPr>
+        <p:txBody>
+          <a:bodyPr wrap="square" rtlCol="0">
+            <a:spAutoFit/>
+          </a:bodyPr>
+          <a:lstStyle/>
+          <a:p>
+            <a:r>
+              <a:rPr lang="en-US" altLang="ko-KR" sz="1600" b="1" dirty="0">
+                <a:latin typeface="JejuGothic" panose="02000300000000000000" pitchFamily="2" charset="-127"/>
+                <a:ea typeface="JejuGothic" panose="02000300000000000000" pitchFamily="2" charset="-127"/>
+                <a:cs typeface="Malgun Gothic Semilight" panose="020B0502040204020203" pitchFamily="50" charset="-127"/>
+              </a:rPr>
+              <a:t>HDC Labs </a:t>
+            </a:r>
+            <a:r>
+              <a:rPr lang="ko-KR" altLang="en-US" sz="1600" b="1" dirty="0">
+                <a:latin typeface="JejuGothic" panose="02000300000000000000" pitchFamily="2" charset="-127"/>
+                <a:ea typeface="JejuGothic" panose="02000300000000000000" pitchFamily="2" charset="-127"/>
+                <a:cs typeface="Malgun Gothic Semilight" panose="020B0502040204020203" pitchFamily="50" charset="-127"/>
+              </a:rPr>
+              <a:t>이하은</a:t>
+            </a:r>
+          </a:p>
+        </p:txBody>
+      </p:sp>
+      <p:pic>
+        <p:nvPicPr>
+          <p:cNvPr id="27" name="그림 26" descr="폰트, 로고, 그래픽, 텍스트이(가) 표시된 사진&#10;&#10;AI 생성 콘텐츠는 정확하지 않을 수 있습니다.">
+            <a:extLst>
+              <a:ext uri="{FF2B5EF4-FFF2-40B4-BE49-F238E27FC236}">
+                <a16:creationId xmlns:a16="http://schemas.microsoft.com/office/drawing/2014/main" id="{7B0F468F-6E66-64F9-8E0E-496307C02A66}"/>
+              </a:ext>
+            </a:extLst>
+          </p:cNvPr>
+          <p:cNvPicPr>
+            <a:picLocks noChangeAspect="1"/>
+          </p:cNvPicPr>
+          <p:nvPr/>
+        </p:nvPicPr>
+        <p:blipFill>
+          <a:blip r:embed="rId11">
+            <a:extLst>
+              <a:ext uri="{28A0092B-C50C-407E-A947-70E740481C1C}">
+                <a14:useLocalDpi xmlns:a14="http://schemas.microsoft.com/office/drawing/2010/main" val="0"/>
+              </a:ext>
+            </a:extLst>
+          </a:blip>
+          <a:stretch>
+            <a:fillRect/>
+          </a:stretch>
+        </p:blipFill>
+        <p:spPr>
+          <a:xfrm>
+            <a:off x="4652559" y="4322058"/>
+            <a:ext cx="793817" cy="417394"/>
+          </a:xfrm>
+          <a:prstGeom prst="rect">
+            <a:avLst/>
+          </a:prstGeom>
+        </p:spPr>
+      </p:pic>
     </p:spTree>
     <p:extLst>
       <p:ext uri="{BB962C8B-B14F-4D97-AF65-F5344CB8AC3E}">

--- a/assets/img/notice/template.pptx
+++ b/assets/img/notice/template.pptx
@@ -274,7 +274,7 @@
           <a:p>
             <a:fld id="{91C883BF-99AE-42FD-96B8-D02942FEBE9A}" type="datetimeFigureOut">
               <a:rPr lang="ko-KR" altLang="en-US" smtClean="0"/>
-              <a:t>2025-08-26</a:t>
+              <a:t>2025-08-27</a:t>
             </a:fld>
             <a:endParaRPr lang="ko-KR" altLang="en-US" dirty="0"/>
           </a:p>
@@ -472,7 +472,7 @@
           <a:p>
             <a:fld id="{91C883BF-99AE-42FD-96B8-D02942FEBE9A}" type="datetimeFigureOut">
               <a:rPr lang="ko-KR" altLang="en-US" smtClean="0"/>
-              <a:t>2025-08-26</a:t>
+              <a:t>2025-08-27</a:t>
             </a:fld>
             <a:endParaRPr lang="ko-KR" altLang="en-US" dirty="0"/>
           </a:p>
@@ -680,7 +680,7 @@
           <a:p>
             <a:fld id="{91C883BF-99AE-42FD-96B8-D02942FEBE9A}" type="datetimeFigureOut">
               <a:rPr lang="ko-KR" altLang="en-US" smtClean="0"/>
-              <a:t>2025-08-26</a:t>
+              <a:t>2025-08-27</a:t>
             </a:fld>
             <a:endParaRPr lang="ko-KR" altLang="en-US" dirty="0"/>
           </a:p>
@@ -878,7 +878,7 @@
           <a:p>
             <a:fld id="{91C883BF-99AE-42FD-96B8-D02942FEBE9A}" type="datetimeFigureOut">
               <a:rPr lang="ko-KR" altLang="en-US" smtClean="0"/>
-              <a:t>2025-08-26</a:t>
+              <a:t>2025-08-27</a:t>
             </a:fld>
             <a:endParaRPr lang="ko-KR" altLang="en-US" dirty="0"/>
           </a:p>
@@ -1153,7 +1153,7 @@
           <a:p>
             <a:fld id="{91C883BF-99AE-42FD-96B8-D02942FEBE9A}" type="datetimeFigureOut">
               <a:rPr lang="ko-KR" altLang="en-US" smtClean="0"/>
-              <a:t>2025-08-26</a:t>
+              <a:t>2025-08-27</a:t>
             </a:fld>
             <a:endParaRPr lang="ko-KR" altLang="en-US" dirty="0"/>
           </a:p>
@@ -1418,7 +1418,7 @@
           <a:p>
             <a:fld id="{91C883BF-99AE-42FD-96B8-D02942FEBE9A}" type="datetimeFigureOut">
               <a:rPr lang="ko-KR" altLang="en-US" smtClean="0"/>
-              <a:t>2025-08-26</a:t>
+              <a:t>2025-08-27</a:t>
             </a:fld>
             <a:endParaRPr lang="ko-KR" altLang="en-US" dirty="0"/>
           </a:p>
@@ -1830,7 +1830,7 @@
           <a:p>
             <a:fld id="{91C883BF-99AE-42FD-96B8-D02942FEBE9A}" type="datetimeFigureOut">
               <a:rPr lang="ko-KR" altLang="en-US" smtClean="0"/>
-              <a:t>2025-08-26</a:t>
+              <a:t>2025-08-27</a:t>
             </a:fld>
             <a:endParaRPr lang="ko-KR" altLang="en-US" dirty="0"/>
           </a:p>
@@ -1971,7 +1971,7 @@
           <a:p>
             <a:fld id="{91C883BF-99AE-42FD-96B8-D02942FEBE9A}" type="datetimeFigureOut">
               <a:rPr lang="ko-KR" altLang="en-US" smtClean="0"/>
-              <a:t>2025-08-26</a:t>
+              <a:t>2025-08-27</a:t>
             </a:fld>
             <a:endParaRPr lang="ko-KR" altLang="en-US" dirty="0"/>
           </a:p>
@@ -2084,7 +2084,7 @@
           <a:p>
             <a:fld id="{91C883BF-99AE-42FD-96B8-D02942FEBE9A}" type="datetimeFigureOut">
               <a:rPr lang="ko-KR" altLang="en-US" smtClean="0"/>
-              <a:t>2025-08-26</a:t>
+              <a:t>2025-08-27</a:t>
             </a:fld>
             <a:endParaRPr lang="ko-KR" altLang="en-US" dirty="0"/>
           </a:p>
@@ -2395,7 +2395,7 @@
           <a:p>
             <a:fld id="{91C883BF-99AE-42FD-96B8-D02942FEBE9A}" type="datetimeFigureOut">
               <a:rPr lang="ko-KR" altLang="en-US" smtClean="0"/>
-              <a:t>2025-08-26</a:t>
+              <a:t>2025-08-27</a:t>
             </a:fld>
             <a:endParaRPr lang="ko-KR" altLang="en-US" dirty="0"/>
           </a:p>
@@ -2683,7 +2683,7 @@
           <a:p>
             <a:fld id="{91C883BF-99AE-42FD-96B8-D02942FEBE9A}" type="datetimeFigureOut">
               <a:rPr lang="ko-KR" altLang="en-US" smtClean="0"/>
-              <a:t>2025-08-26</a:t>
+              <a:t>2025-08-27</a:t>
             </a:fld>
             <a:endParaRPr lang="ko-KR" altLang="en-US" dirty="0"/>
           </a:p>
@@ -2924,7 +2924,7 @@
           <a:p>
             <a:fld id="{91C883BF-99AE-42FD-96B8-D02942FEBE9A}" type="datetimeFigureOut">
               <a:rPr lang="ko-KR" altLang="en-US" smtClean="0"/>
-              <a:t>2025-08-26</a:t>
+              <a:t>2025-08-27</a:t>
             </a:fld>
             <a:endParaRPr lang="ko-KR" altLang="en-US" dirty="0"/>
           </a:p>
@@ -5979,7 +5979,7 @@
                       <a:ea typeface="JejuGothic" panose="02000300000000000000" pitchFamily="2" charset="-127"/>
                       <a:cs typeface="Malgun Gothic Semilight" panose="020B0502040204020203" pitchFamily="50" charset="-127"/>
                     </a:rPr>
-                    <a:t>전자 최대성</a:t>
+                    <a:t>전자 배상준</a:t>
                   </a:r>
                 </a:p>
               </p:txBody>
@@ -6026,7 +6026,7 @@
                       <a:ea typeface="JejuGothic" panose="02000300000000000000" pitchFamily="2" charset="-127"/>
                       <a:cs typeface="Malgun Gothic Semilight" panose="020B0502040204020203" pitchFamily="50" charset="-127"/>
                     </a:rPr>
-                    <a:t>전자 배상준</a:t>
+                    <a:t>전자 최대성</a:t>
                   </a:r>
                 </a:p>
               </p:txBody>
@@ -7260,10 +7260,10 @@
       </p:grpSpPr>
       <p:grpSp>
         <p:nvGrpSpPr>
-          <p:cNvPr id="26" name="그룹 25">
+          <p:cNvPr id="32" name="그룹 31">
             <a:extLst>
               <a:ext uri="{FF2B5EF4-FFF2-40B4-BE49-F238E27FC236}">
-                <a16:creationId xmlns:a16="http://schemas.microsoft.com/office/drawing/2014/main" id="{5979CA8F-FE66-5F93-EC16-5EEFF9D2CEF3}"/>
+                <a16:creationId xmlns:a16="http://schemas.microsoft.com/office/drawing/2014/main" id="{AE0B0E31-4FA2-342C-5CFD-2F23902611A6}"/>
               </a:ext>
             </a:extLst>
           </p:cNvPr>
@@ -7280,10 +7280,10 @@
         </p:grpSpPr>
         <p:grpSp>
           <p:nvGrpSpPr>
-            <p:cNvPr id="10" name="그룹 9">
+            <p:cNvPr id="26" name="그룹 25">
               <a:extLst>
                 <a:ext uri="{FF2B5EF4-FFF2-40B4-BE49-F238E27FC236}">
-                  <a16:creationId xmlns:a16="http://schemas.microsoft.com/office/drawing/2014/main" id="{8B3D05F9-1B31-93C7-4360-0D8EBB7CAECE}"/>
+                  <a16:creationId xmlns:a16="http://schemas.microsoft.com/office/drawing/2014/main" id="{5979CA8F-FE66-5F93-EC16-5EEFF9D2CEF3}"/>
                 </a:ext>
               </a:extLst>
             </p:cNvPr>
@@ -7298,368 +7298,12 @@
               <a:chExt cx="11037419" cy="5861256"/>
             </a:xfrm>
           </p:grpSpPr>
-          <p:sp>
-            <p:nvSpPr>
-              <p:cNvPr id="4" name="직사각형 3">
+          <p:grpSp>
+            <p:nvGrpSpPr>
+              <p:cNvPr id="10" name="그룹 9">
                 <a:extLst>
                   <a:ext uri="{FF2B5EF4-FFF2-40B4-BE49-F238E27FC236}">
-                    <a16:creationId xmlns:a16="http://schemas.microsoft.com/office/drawing/2014/main" id="{2297D6EB-DFBF-E78B-3DE8-59ABD86F42E2}"/>
-                  </a:ext>
-                </a:extLst>
-              </p:cNvPr>
-              <p:cNvSpPr/>
-              <p:nvPr/>
-            </p:nvSpPr>
-            <p:spPr>
-              <a:xfrm>
-                <a:off x="577290" y="498372"/>
-                <a:ext cx="11037419" cy="5861256"/>
-              </a:xfrm>
-              <a:prstGeom prst="rect">
-                <a:avLst/>
-              </a:prstGeom>
-              <a:solidFill>
-                <a:srgbClr val="005000"/>
-              </a:solidFill>
-              <a:ln>
-                <a:noFill/>
-              </a:ln>
-            </p:spPr>
-            <p:style>
-              <a:lnRef idx="2">
-                <a:schemeClr val="accent1">
-                  <a:shade val="50000"/>
-                </a:schemeClr>
-              </a:lnRef>
-              <a:fillRef idx="1">
-                <a:schemeClr val="accent1"/>
-              </a:fillRef>
-              <a:effectRef idx="0">
-                <a:schemeClr val="accent1"/>
-              </a:effectRef>
-              <a:fontRef idx="minor">
-                <a:schemeClr val="lt1"/>
-              </a:fontRef>
-            </p:style>
-            <p:txBody>
-              <a:bodyPr rtlCol="0" anchor="ctr"/>
-              <a:lstStyle>
-                <a:defPPr>
-                  <a:defRPr lang="ko-KR"/>
-                </a:defPPr>
-                <a:lvl1pPr marL="0" algn="l" defTabSz="914400" rtl="0" eaLnBrk="1" latinLnBrk="1" hangingPunct="1">
-                  <a:defRPr sz="1800" kern="1200">
-                    <a:solidFill>
-                      <a:schemeClr val="lt1"/>
-                    </a:solidFill>
-                    <a:latin typeface="+mn-lt"/>
-                    <a:ea typeface="+mn-ea"/>
-                    <a:cs typeface="+mn-cs"/>
-                  </a:defRPr>
-                </a:lvl1pPr>
-                <a:lvl2pPr marL="457200" algn="l" defTabSz="914400" rtl="0" eaLnBrk="1" latinLnBrk="1" hangingPunct="1">
-                  <a:defRPr sz="1800" kern="1200">
-                    <a:solidFill>
-                      <a:schemeClr val="lt1"/>
-                    </a:solidFill>
-                    <a:latin typeface="+mn-lt"/>
-                    <a:ea typeface="+mn-ea"/>
-                    <a:cs typeface="+mn-cs"/>
-                  </a:defRPr>
-                </a:lvl2pPr>
-                <a:lvl3pPr marL="914400" algn="l" defTabSz="914400" rtl="0" eaLnBrk="1" latinLnBrk="1" hangingPunct="1">
-                  <a:defRPr sz="1800" kern="1200">
-                    <a:solidFill>
-                      <a:schemeClr val="lt1"/>
-                    </a:solidFill>
-                    <a:latin typeface="+mn-lt"/>
-                    <a:ea typeface="+mn-ea"/>
-                    <a:cs typeface="+mn-cs"/>
-                  </a:defRPr>
-                </a:lvl3pPr>
-                <a:lvl4pPr marL="1371600" algn="l" defTabSz="914400" rtl="0" eaLnBrk="1" latinLnBrk="1" hangingPunct="1">
-                  <a:defRPr sz="1800" kern="1200">
-                    <a:solidFill>
-                      <a:schemeClr val="lt1"/>
-                    </a:solidFill>
-                    <a:latin typeface="+mn-lt"/>
-                    <a:ea typeface="+mn-ea"/>
-                    <a:cs typeface="+mn-cs"/>
-                  </a:defRPr>
-                </a:lvl4pPr>
-                <a:lvl5pPr marL="1828800" algn="l" defTabSz="914400" rtl="0" eaLnBrk="1" latinLnBrk="1" hangingPunct="1">
-                  <a:defRPr sz="1800" kern="1200">
-                    <a:solidFill>
-                      <a:schemeClr val="lt1"/>
-                    </a:solidFill>
-                    <a:latin typeface="+mn-lt"/>
-                    <a:ea typeface="+mn-ea"/>
-                    <a:cs typeface="+mn-cs"/>
-                  </a:defRPr>
-                </a:lvl5pPr>
-                <a:lvl6pPr marL="2286000" algn="l" defTabSz="914400" rtl="0" eaLnBrk="1" latinLnBrk="1" hangingPunct="1">
-                  <a:defRPr sz="1800" kern="1200">
-                    <a:solidFill>
-                      <a:schemeClr val="lt1"/>
-                    </a:solidFill>
-                    <a:latin typeface="+mn-lt"/>
-                    <a:ea typeface="+mn-ea"/>
-                    <a:cs typeface="+mn-cs"/>
-                  </a:defRPr>
-                </a:lvl6pPr>
-                <a:lvl7pPr marL="2743200" algn="l" defTabSz="914400" rtl="0" eaLnBrk="1" latinLnBrk="1" hangingPunct="1">
-                  <a:defRPr sz="1800" kern="1200">
-                    <a:solidFill>
-                      <a:schemeClr val="lt1"/>
-                    </a:solidFill>
-                    <a:latin typeface="+mn-lt"/>
-                    <a:ea typeface="+mn-ea"/>
-                    <a:cs typeface="+mn-cs"/>
-                  </a:defRPr>
-                </a:lvl7pPr>
-                <a:lvl8pPr marL="3200400" algn="l" defTabSz="914400" rtl="0" eaLnBrk="1" latinLnBrk="1" hangingPunct="1">
-                  <a:defRPr sz="1800" kern="1200">
-                    <a:solidFill>
-                      <a:schemeClr val="lt1"/>
-                    </a:solidFill>
-                    <a:latin typeface="+mn-lt"/>
-                    <a:ea typeface="+mn-ea"/>
-                    <a:cs typeface="+mn-cs"/>
-                  </a:defRPr>
-                </a:lvl8pPr>
-                <a:lvl9pPr marL="3657600" algn="l" defTabSz="914400" rtl="0" eaLnBrk="1" latinLnBrk="1" hangingPunct="1">
-                  <a:defRPr sz="1800" kern="1200">
-                    <a:solidFill>
-                      <a:schemeClr val="lt1"/>
-                    </a:solidFill>
-                    <a:latin typeface="+mn-lt"/>
-                    <a:ea typeface="+mn-ea"/>
-                    <a:cs typeface="+mn-cs"/>
-                  </a:defRPr>
-                </a:lvl9pPr>
-              </a:lstStyle>
-              <a:p>
-                <a:pPr algn="ctr"/>
-                <a:endParaRPr lang="ko-KR" altLang="en-US" sz="1600" b="1" dirty="0">
-                  <a:latin typeface="JejuGothic" panose="02000300000000000000" pitchFamily="2" charset="-127"/>
-                  <a:ea typeface="JejuGothic" panose="02000300000000000000" pitchFamily="2" charset="-127"/>
-                </a:endParaRPr>
-              </a:p>
-            </p:txBody>
-          </p:sp>
-          <p:sp>
-            <p:nvSpPr>
-              <p:cNvPr id="5" name="사각형: 둥근 대각선 방향 모서리 4">
-                <a:extLst>
-                  <a:ext uri="{FF2B5EF4-FFF2-40B4-BE49-F238E27FC236}">
-                    <a16:creationId xmlns:a16="http://schemas.microsoft.com/office/drawing/2014/main" id="{593764AD-1567-2294-23D3-B456CAB10E52}"/>
-                  </a:ext>
-                </a:extLst>
-              </p:cNvPr>
-              <p:cNvSpPr/>
-              <p:nvPr/>
-            </p:nvSpPr>
-            <p:spPr>
-              <a:xfrm>
-                <a:off x="948267" y="787124"/>
-                <a:ext cx="10312400" cy="5275009"/>
-              </a:xfrm>
-              <a:prstGeom prst="round2DiagRect">
-                <a:avLst/>
-              </a:prstGeom>
-              <a:solidFill>
-                <a:schemeClr val="bg1"/>
-              </a:solidFill>
-              <a:ln>
-                <a:noFill/>
-              </a:ln>
-            </p:spPr>
-            <p:style>
-              <a:lnRef idx="2">
-                <a:schemeClr val="accent1">
-                  <a:shade val="50000"/>
-                </a:schemeClr>
-              </a:lnRef>
-              <a:fillRef idx="1">
-                <a:schemeClr val="accent1"/>
-              </a:fillRef>
-              <a:effectRef idx="0">
-                <a:schemeClr val="accent1"/>
-              </a:effectRef>
-              <a:fontRef idx="minor">
-                <a:schemeClr val="lt1"/>
-              </a:fontRef>
-            </p:style>
-            <p:txBody>
-              <a:bodyPr rtlCol="0" anchor="ctr"/>
-              <a:lstStyle/>
-              <a:p>
-                <a:pPr algn="ctr"/>
-                <a:endParaRPr lang="ko-KR" altLang="en-US" sz="1600" b="1">
-                  <a:latin typeface="JejuGothic" panose="02000300000000000000" pitchFamily="2" charset="-127"/>
-                  <a:ea typeface="JejuGothic" panose="02000300000000000000" pitchFamily="2" charset="-127"/>
-                </a:endParaRPr>
-              </a:p>
-            </p:txBody>
-          </p:sp>
-          <p:pic>
-            <p:nvPicPr>
-              <p:cNvPr id="6" name="그림 5" descr="텍스트, 클립아트이(가) 표시된 사진&#10;&#10;자동 생성된 설명">
-                <a:extLst>
-                  <a:ext uri="{FF2B5EF4-FFF2-40B4-BE49-F238E27FC236}">
-                    <a16:creationId xmlns:a16="http://schemas.microsoft.com/office/drawing/2014/main" id="{D369E016-1627-EBD6-FE1B-2F6688821AEA}"/>
-                  </a:ext>
-                </a:extLst>
-              </p:cNvPr>
-              <p:cNvPicPr/>
-              <p:nvPr/>
-            </p:nvPicPr>
-            <p:blipFill rotWithShape="1">
-              <a:blip r:embed="rId2">
-                <a:extLst>
-                  <a:ext uri="{28A0092B-C50C-407E-A947-70E740481C1C}">
-                    <a14:useLocalDpi xmlns:a14="http://schemas.microsoft.com/office/drawing/2010/main" val="0"/>
-                  </a:ext>
-                </a:extLst>
-              </a:blip>
-              <a:srcRect l="2243" t="5155" r="3961" b="2267"/>
-              <a:stretch/>
-            </p:blipFill>
-            <p:spPr>
-              <a:xfrm>
-                <a:off x="10284931" y="912707"/>
-                <a:ext cx="848736" cy="709124"/>
-              </a:xfrm>
-              <a:prstGeom prst="rect">
-                <a:avLst/>
-              </a:prstGeom>
-            </p:spPr>
-          </p:pic>
-          <p:cxnSp>
-            <p:nvCxnSpPr>
-              <p:cNvPr id="7" name="직선 연결선 6">
-                <a:extLst>
-                  <a:ext uri="{FF2B5EF4-FFF2-40B4-BE49-F238E27FC236}">
-                    <a16:creationId xmlns:a16="http://schemas.microsoft.com/office/drawing/2014/main" id="{4960E649-9414-1D4C-451E-4F32C0A8B9DA}"/>
-                  </a:ext>
-                </a:extLst>
-              </p:cNvPr>
-              <p:cNvCxnSpPr>
-                <a:cxnSpLocks/>
-              </p:cNvCxnSpPr>
-              <p:nvPr/>
-            </p:nvCxnSpPr>
-            <p:spPr>
-              <a:xfrm>
-                <a:off x="4493419" y="1621831"/>
-                <a:ext cx="3205162" cy="0"/>
-              </a:xfrm>
-              <a:prstGeom prst="line">
-                <a:avLst/>
-              </a:prstGeom>
-              <a:ln w="19050">
-                <a:solidFill>
-                  <a:schemeClr val="bg1">
-                    <a:lumMod val="65000"/>
-                  </a:schemeClr>
-                </a:solidFill>
-              </a:ln>
-            </p:spPr>
-            <p:style>
-              <a:lnRef idx="1">
-                <a:schemeClr val="accent1"/>
-              </a:lnRef>
-              <a:fillRef idx="0">
-                <a:schemeClr val="accent1"/>
-              </a:fillRef>
-              <a:effectRef idx="0">
-                <a:schemeClr val="accent1"/>
-              </a:effectRef>
-              <a:fontRef idx="minor">
-                <a:schemeClr val="tx1"/>
-              </a:fontRef>
-            </p:style>
-          </p:cxnSp>
-        </p:grpSp>
-        <p:sp>
-          <p:nvSpPr>
-            <p:cNvPr id="9" name="TextBox 8">
-              <a:extLst>
-                <a:ext uri="{FF2B5EF4-FFF2-40B4-BE49-F238E27FC236}">
-                  <a16:creationId xmlns:a16="http://schemas.microsoft.com/office/drawing/2014/main" id="{BD1F53D7-EB4F-9AB0-392D-B83E83F48999}"/>
-                </a:ext>
-              </a:extLst>
-            </p:cNvPr>
-            <p:cNvSpPr txBox="1"/>
-            <p:nvPr/>
-          </p:nvSpPr>
-          <p:spPr>
-            <a:xfrm>
-              <a:off x="3047999" y="1029599"/>
-              <a:ext cx="6096000" cy="584775"/>
-            </a:xfrm>
-            <a:prstGeom prst="rect">
-              <a:avLst/>
-            </a:prstGeom>
-            <a:noFill/>
-          </p:spPr>
-          <p:txBody>
-            <a:bodyPr wrap="square">
-              <a:spAutoFit/>
-            </a:bodyPr>
-            <a:lstStyle/>
-            <a:p>
-              <a:pPr algn="ctr"/>
-              <a:r>
-                <a:rPr lang="ko-KR" altLang="en-US" sz="3200" b="1" dirty="0">
-                  <a:latin typeface="JejuGothic" panose="02000300000000000000" pitchFamily="2" charset="-127"/>
-                  <a:ea typeface="JejuGothic" panose="02000300000000000000" pitchFamily="2" charset="-127"/>
-                  <a:cs typeface="Malgun Gothic Semilight" panose="020B0502040204020203" pitchFamily="50" charset="-127"/>
-                </a:rPr>
-                <a:t>입사를 축하 드립니다</a:t>
-              </a:r>
-              <a:r>
-                <a:rPr lang="en-US" altLang="ko-KR" sz="3200" b="1" dirty="0">
-                  <a:latin typeface="JejuGothic" panose="02000300000000000000" pitchFamily="2" charset="-127"/>
-                  <a:ea typeface="JejuGothic" panose="02000300000000000000" pitchFamily="2" charset="-127"/>
-                  <a:cs typeface="Malgun Gothic Semilight" panose="020B0502040204020203" pitchFamily="50" charset="-127"/>
-                </a:rPr>
-                <a:t>!</a:t>
-              </a:r>
-              <a:endParaRPr lang="ko-KR" altLang="en-US" sz="3200" b="1" dirty="0">
-                <a:latin typeface="JejuGothic" panose="02000300000000000000" pitchFamily="2" charset="-127"/>
-                <a:ea typeface="JejuGothic" panose="02000300000000000000" pitchFamily="2" charset="-127"/>
-                <a:cs typeface="Malgun Gothic Semilight" panose="020B0502040204020203" pitchFamily="50" charset="-127"/>
-              </a:endParaRPr>
-            </a:p>
-          </p:txBody>
-        </p:sp>
-        <p:grpSp>
-          <p:nvGrpSpPr>
-            <p:cNvPr id="20" name="그룹 19">
-              <a:extLst>
-                <a:ext uri="{FF2B5EF4-FFF2-40B4-BE49-F238E27FC236}">
-                  <a16:creationId xmlns:a16="http://schemas.microsoft.com/office/drawing/2014/main" id="{0F924B32-3336-4CE2-15C4-1628B93A44F0}"/>
-                </a:ext>
-              </a:extLst>
-            </p:cNvPr>
-            <p:cNvGrpSpPr/>
-            <p:nvPr/>
-          </p:nvGrpSpPr>
-          <p:grpSpPr>
-            <a:xfrm>
-              <a:off x="1624418" y="2054364"/>
-              <a:ext cx="3353716" cy="3592171"/>
-              <a:chOff x="1624418" y="2054364"/>
-              <a:chExt cx="3353716" cy="3592171"/>
-            </a:xfrm>
-          </p:grpSpPr>
-          <p:grpSp>
-            <p:nvGrpSpPr>
-              <p:cNvPr id="81" name="그룹 80">
-                <a:extLst>
-                  <a:ext uri="{FF2B5EF4-FFF2-40B4-BE49-F238E27FC236}">
-                    <a16:creationId xmlns:a16="http://schemas.microsoft.com/office/drawing/2014/main" id="{EAAD9F51-7A9A-DDEA-F31A-DBD2ABBC982C}"/>
+                    <a16:creationId xmlns:a16="http://schemas.microsoft.com/office/drawing/2014/main" id="{8B3D05F9-1B31-93C7-4360-0D8EBB7CAECE}"/>
                   </a:ext>
                 </a:extLst>
               </p:cNvPr>
@@ -7668,725 +7312,354 @@
             </p:nvGrpSpPr>
             <p:grpSpPr>
               <a:xfrm>
-                <a:off x="2443026" y="2054364"/>
-                <a:ext cx="2535108" cy="3592171"/>
-                <a:chOff x="9141883" y="1996133"/>
-                <a:chExt cx="2075183" cy="3592171"/>
+                <a:off x="577290" y="498372"/>
+                <a:ext cx="11037419" cy="5861256"/>
+                <a:chOff x="577290" y="498372"/>
+                <a:chExt cx="11037419" cy="5861256"/>
               </a:xfrm>
             </p:grpSpPr>
             <p:sp>
               <p:nvSpPr>
-                <p:cNvPr id="82" name="TextBox 81">
+                <p:cNvPr id="4" name="직사각형 3">
                   <a:extLst>
                     <a:ext uri="{FF2B5EF4-FFF2-40B4-BE49-F238E27FC236}">
-                      <a16:creationId xmlns:a16="http://schemas.microsoft.com/office/drawing/2014/main" id="{B276A898-E3FB-0DF2-0DA4-7919332ACA74}"/>
+                      <a16:creationId xmlns:a16="http://schemas.microsoft.com/office/drawing/2014/main" id="{2297D6EB-DFBF-E78B-3DE8-59ABD86F42E2}"/>
                     </a:ext>
                   </a:extLst>
                 </p:cNvPr>
-                <p:cNvSpPr txBox="1"/>
+                <p:cNvSpPr/>
                 <p:nvPr/>
               </p:nvSpPr>
               <p:spPr>
                 <a:xfrm>
-                  <a:off x="9143999" y="1996133"/>
-                  <a:ext cx="1778000" cy="338554"/>
+                  <a:off x="577290" y="498372"/>
+                  <a:ext cx="11037419" cy="5861256"/>
                 </a:xfrm>
                 <a:prstGeom prst="rect">
                   <a:avLst/>
                 </a:prstGeom>
-                <a:noFill/>
+                <a:solidFill>
+                  <a:srgbClr val="005000"/>
+                </a:solidFill>
+                <a:ln>
+                  <a:noFill/>
+                </a:ln>
               </p:spPr>
+              <p:style>
+                <a:lnRef idx="2">
+                  <a:schemeClr val="accent1">
+                    <a:shade val="50000"/>
+                  </a:schemeClr>
+                </a:lnRef>
+                <a:fillRef idx="1">
+                  <a:schemeClr val="accent1"/>
+                </a:fillRef>
+                <a:effectRef idx="0">
+                  <a:schemeClr val="accent1"/>
+                </a:effectRef>
+                <a:fontRef idx="minor">
+                  <a:schemeClr val="lt1"/>
+                </a:fontRef>
+              </p:style>
               <p:txBody>
-                <a:bodyPr wrap="square" rtlCol="0">
-                  <a:spAutoFit/>
-                </a:bodyPr>
-                <a:lstStyle/>
+                <a:bodyPr rtlCol="0" anchor="ctr"/>
+                <a:lstStyle>
+                  <a:defPPr>
+                    <a:defRPr lang="ko-KR"/>
+                  </a:defPPr>
+                  <a:lvl1pPr marL="0" algn="l" defTabSz="914400" rtl="0" eaLnBrk="1" latinLnBrk="1" hangingPunct="1">
+                    <a:defRPr sz="1800" kern="1200">
+                      <a:solidFill>
+                        <a:schemeClr val="lt1"/>
+                      </a:solidFill>
+                      <a:latin typeface="+mn-lt"/>
+                      <a:ea typeface="+mn-ea"/>
+                      <a:cs typeface="+mn-cs"/>
+                    </a:defRPr>
+                  </a:lvl1pPr>
+                  <a:lvl2pPr marL="457200" algn="l" defTabSz="914400" rtl="0" eaLnBrk="1" latinLnBrk="1" hangingPunct="1">
+                    <a:defRPr sz="1800" kern="1200">
+                      <a:solidFill>
+                        <a:schemeClr val="lt1"/>
+                      </a:solidFill>
+                      <a:latin typeface="+mn-lt"/>
+                      <a:ea typeface="+mn-ea"/>
+                      <a:cs typeface="+mn-cs"/>
+                    </a:defRPr>
+                  </a:lvl2pPr>
+                  <a:lvl3pPr marL="914400" algn="l" defTabSz="914400" rtl="0" eaLnBrk="1" latinLnBrk="1" hangingPunct="1">
+                    <a:defRPr sz="1800" kern="1200">
+                      <a:solidFill>
+                        <a:schemeClr val="lt1"/>
+                      </a:solidFill>
+                      <a:latin typeface="+mn-lt"/>
+                      <a:ea typeface="+mn-ea"/>
+                      <a:cs typeface="+mn-cs"/>
+                    </a:defRPr>
+                  </a:lvl3pPr>
+                  <a:lvl4pPr marL="1371600" algn="l" defTabSz="914400" rtl="0" eaLnBrk="1" latinLnBrk="1" hangingPunct="1">
+                    <a:defRPr sz="1800" kern="1200">
+                      <a:solidFill>
+                        <a:schemeClr val="lt1"/>
+                      </a:solidFill>
+                      <a:latin typeface="+mn-lt"/>
+                      <a:ea typeface="+mn-ea"/>
+                      <a:cs typeface="+mn-cs"/>
+                    </a:defRPr>
+                  </a:lvl4pPr>
+                  <a:lvl5pPr marL="1828800" algn="l" defTabSz="914400" rtl="0" eaLnBrk="1" latinLnBrk="1" hangingPunct="1">
+                    <a:defRPr sz="1800" kern="1200">
+                      <a:solidFill>
+                        <a:schemeClr val="lt1"/>
+                      </a:solidFill>
+                      <a:latin typeface="+mn-lt"/>
+                      <a:ea typeface="+mn-ea"/>
+                      <a:cs typeface="+mn-cs"/>
+                    </a:defRPr>
+                  </a:lvl5pPr>
+                  <a:lvl6pPr marL="2286000" algn="l" defTabSz="914400" rtl="0" eaLnBrk="1" latinLnBrk="1" hangingPunct="1">
+                    <a:defRPr sz="1800" kern="1200">
+                      <a:solidFill>
+                        <a:schemeClr val="lt1"/>
+                      </a:solidFill>
+                      <a:latin typeface="+mn-lt"/>
+                      <a:ea typeface="+mn-ea"/>
+                      <a:cs typeface="+mn-cs"/>
+                    </a:defRPr>
+                  </a:lvl6pPr>
+                  <a:lvl7pPr marL="2743200" algn="l" defTabSz="914400" rtl="0" eaLnBrk="1" latinLnBrk="1" hangingPunct="1">
+                    <a:defRPr sz="1800" kern="1200">
+                      <a:solidFill>
+                        <a:schemeClr val="lt1"/>
+                      </a:solidFill>
+                      <a:latin typeface="+mn-lt"/>
+                      <a:ea typeface="+mn-ea"/>
+                      <a:cs typeface="+mn-cs"/>
+                    </a:defRPr>
+                  </a:lvl7pPr>
+                  <a:lvl8pPr marL="3200400" algn="l" defTabSz="914400" rtl="0" eaLnBrk="1" latinLnBrk="1" hangingPunct="1">
+                    <a:defRPr sz="1800" kern="1200">
+                      <a:solidFill>
+                        <a:schemeClr val="lt1"/>
+                      </a:solidFill>
+                      <a:latin typeface="+mn-lt"/>
+                      <a:ea typeface="+mn-ea"/>
+                      <a:cs typeface="+mn-cs"/>
+                    </a:defRPr>
+                  </a:lvl8pPr>
+                  <a:lvl9pPr marL="3657600" algn="l" defTabSz="914400" rtl="0" eaLnBrk="1" latinLnBrk="1" hangingPunct="1">
+                    <a:defRPr sz="1800" kern="1200">
+                      <a:solidFill>
+                        <a:schemeClr val="lt1"/>
+                      </a:solidFill>
+                      <a:latin typeface="+mn-lt"/>
+                      <a:ea typeface="+mn-ea"/>
+                      <a:cs typeface="+mn-cs"/>
+                    </a:defRPr>
+                  </a:lvl9pPr>
+                </a:lstStyle>
                 <a:p>
-                  <a:r>
-                    <a:rPr lang="en-US" altLang="ko-KR" sz="1600" b="1" dirty="0">
-                      <a:latin typeface="JejuGothic" panose="02000300000000000000" pitchFamily="2" charset="-127"/>
-                      <a:ea typeface="JejuGothic" panose="02000300000000000000" pitchFamily="2" charset="-127"/>
-                      <a:cs typeface="Malgun Gothic Semilight" panose="020B0502040204020203" pitchFamily="50" charset="-127"/>
-                    </a:rPr>
-                    <a:t>KT </a:t>
-                  </a:r>
-                  <a:r>
-                    <a:rPr lang="ko-KR" altLang="en-US" sz="1600" b="1" dirty="0">
-                      <a:latin typeface="JejuGothic" panose="02000300000000000000" pitchFamily="2" charset="-127"/>
-                      <a:ea typeface="JejuGothic" panose="02000300000000000000" pitchFamily="2" charset="-127"/>
-                      <a:cs typeface="Malgun Gothic Semilight" panose="020B0502040204020203" pitchFamily="50" charset="-127"/>
-                    </a:rPr>
-                    <a:t>장대식</a:t>
-                  </a:r>
-                </a:p>
-              </p:txBody>
-            </p:sp>
-            <p:sp>
-              <p:nvSpPr>
-                <p:cNvPr id="83" name="TextBox 82">
-                  <a:extLst>
-                    <a:ext uri="{FF2B5EF4-FFF2-40B4-BE49-F238E27FC236}">
-                      <a16:creationId xmlns:a16="http://schemas.microsoft.com/office/drawing/2014/main" id="{B17723B9-8F0E-3CDF-7178-851DC1FB9562}"/>
-                    </a:ext>
-                  </a:extLst>
-                </p:cNvPr>
-                <p:cNvSpPr txBox="1"/>
-                <p:nvPr/>
-              </p:nvSpPr>
-              <p:spPr>
-                <a:xfrm>
-                  <a:off x="9143999" y="2460793"/>
-                  <a:ext cx="1778000" cy="338554"/>
-                </a:xfrm>
-                <a:prstGeom prst="rect">
-                  <a:avLst/>
-                </a:prstGeom>
-                <a:noFill/>
-              </p:spPr>
-              <p:txBody>
-                <a:bodyPr wrap="square" rtlCol="0">
-                  <a:spAutoFit/>
-                </a:bodyPr>
-                <a:lstStyle/>
-                <a:p>
-                  <a:r>
-                    <a:rPr lang="en-US" altLang="ko-KR" sz="1600" b="1" dirty="0">
-                      <a:latin typeface="JejuGothic" panose="02000300000000000000" pitchFamily="2" charset="-127"/>
-                      <a:ea typeface="JejuGothic" panose="02000300000000000000" pitchFamily="2" charset="-127"/>
-                      <a:cs typeface="Malgun Gothic Semilight" panose="020B0502040204020203" pitchFamily="50" charset="-127"/>
-                    </a:rPr>
-                    <a:t>KT </a:t>
-                  </a:r>
-                  <a:r>
-                    <a:rPr lang="ko-KR" altLang="en-US" sz="1600" b="1" dirty="0">
-                      <a:latin typeface="JejuGothic" panose="02000300000000000000" pitchFamily="2" charset="-127"/>
-                      <a:ea typeface="JejuGothic" panose="02000300000000000000" pitchFamily="2" charset="-127"/>
-                      <a:cs typeface="Malgun Gothic Semilight" panose="020B0502040204020203" pitchFamily="50" charset="-127"/>
-                    </a:rPr>
-                    <a:t>조준희</a:t>
-                  </a:r>
-                </a:p>
-              </p:txBody>
-            </p:sp>
-            <p:sp>
-              <p:nvSpPr>
-                <p:cNvPr id="84" name="TextBox 83">
-                  <a:extLst>
-                    <a:ext uri="{FF2B5EF4-FFF2-40B4-BE49-F238E27FC236}">
-                      <a16:creationId xmlns:a16="http://schemas.microsoft.com/office/drawing/2014/main" id="{86BC5D71-E69B-768C-2116-8DBAFA42F489}"/>
-                    </a:ext>
-                  </a:extLst>
-                </p:cNvPr>
-                <p:cNvSpPr txBox="1"/>
-                <p:nvPr/>
-              </p:nvSpPr>
-              <p:spPr>
-                <a:xfrm>
-                  <a:off x="9143999" y="2925453"/>
-                  <a:ext cx="1778000" cy="338554"/>
-                </a:xfrm>
-                <a:prstGeom prst="rect">
-                  <a:avLst/>
-                </a:prstGeom>
-                <a:noFill/>
-              </p:spPr>
-              <p:txBody>
-                <a:bodyPr wrap="square" rtlCol="0">
-                  <a:spAutoFit/>
-                </a:bodyPr>
-                <a:lstStyle/>
-                <a:p>
-                  <a:r>
-                    <a:rPr lang="en-US" altLang="ko-KR" sz="1600" b="1" dirty="0">
-                      <a:latin typeface="JejuGothic" panose="02000300000000000000" pitchFamily="2" charset="-127"/>
-                      <a:ea typeface="JejuGothic" panose="02000300000000000000" pitchFamily="2" charset="-127"/>
-                      <a:cs typeface="Malgun Gothic Semilight" panose="020B0502040204020203" pitchFamily="50" charset="-127"/>
-                    </a:rPr>
-                    <a:t>KT</a:t>
-                  </a:r>
-                  <a:r>
-                    <a:rPr lang="ko-KR" altLang="en-US" sz="1600" b="1" dirty="0">
-                      <a:latin typeface="JejuGothic" panose="02000300000000000000" pitchFamily="2" charset="-127"/>
-                      <a:ea typeface="JejuGothic" panose="02000300000000000000" pitchFamily="2" charset="-127"/>
-                      <a:cs typeface="Malgun Gothic Semilight" panose="020B0502040204020203" pitchFamily="50" charset="-127"/>
-                    </a:rPr>
-                    <a:t> 유하은</a:t>
-                  </a:r>
-                </a:p>
-              </p:txBody>
-            </p:sp>
-            <p:sp>
-              <p:nvSpPr>
-                <p:cNvPr id="85" name="TextBox 84">
-                  <a:extLst>
-                    <a:ext uri="{FF2B5EF4-FFF2-40B4-BE49-F238E27FC236}">
-                      <a16:creationId xmlns:a16="http://schemas.microsoft.com/office/drawing/2014/main" id="{5EEE6422-439E-DC45-EB37-D9DD6EAA5098}"/>
-                    </a:ext>
-                  </a:extLst>
-                </p:cNvPr>
-                <p:cNvSpPr txBox="1"/>
-                <p:nvPr/>
-              </p:nvSpPr>
-              <p:spPr>
-                <a:xfrm>
-                  <a:off x="9143999" y="3391109"/>
-                  <a:ext cx="1858433" cy="338554"/>
-                </a:xfrm>
-                <a:prstGeom prst="rect">
-                  <a:avLst/>
-                </a:prstGeom>
-                <a:noFill/>
-              </p:spPr>
-              <p:txBody>
-                <a:bodyPr wrap="square" rtlCol="0">
-                  <a:spAutoFit/>
-                </a:bodyPr>
-                <a:lstStyle/>
-                <a:p>
-                  <a:r>
-                    <a:rPr lang="en-US" altLang="ko-KR" sz="1600" b="1" dirty="0">
-                      <a:latin typeface="JejuGothic" panose="02000300000000000000" pitchFamily="2" charset="-127"/>
-                      <a:ea typeface="JejuGothic" panose="02000300000000000000" pitchFamily="2" charset="-127"/>
-                      <a:cs typeface="Malgun Gothic Semilight" panose="020B0502040204020203" pitchFamily="50" charset="-127"/>
-                    </a:rPr>
-                    <a:t>NCSOFT </a:t>
-                  </a:r>
-                  <a:r>
-                    <a:rPr lang="ko-KR" altLang="en-US" sz="1600" b="1" dirty="0">
-                      <a:latin typeface="JejuGothic" panose="02000300000000000000" pitchFamily="2" charset="-127"/>
-                      <a:ea typeface="JejuGothic" panose="02000300000000000000" pitchFamily="2" charset="-127"/>
-                      <a:cs typeface="Malgun Gothic Semilight" panose="020B0502040204020203" pitchFamily="50" charset="-127"/>
-                    </a:rPr>
-                    <a:t>박선영</a:t>
-                  </a:r>
-                </a:p>
-              </p:txBody>
-            </p:sp>
-            <p:sp>
-              <p:nvSpPr>
-                <p:cNvPr id="86" name="TextBox 85">
-                  <a:extLst>
-                    <a:ext uri="{FF2B5EF4-FFF2-40B4-BE49-F238E27FC236}">
-                      <a16:creationId xmlns:a16="http://schemas.microsoft.com/office/drawing/2014/main" id="{C7D146C3-1E59-1948-DB38-0E9B040C2239}"/>
-                    </a:ext>
-                  </a:extLst>
-                </p:cNvPr>
-                <p:cNvSpPr txBox="1"/>
-                <p:nvPr/>
-              </p:nvSpPr>
-              <p:spPr>
-                <a:xfrm>
-                  <a:off x="9144000" y="3858826"/>
-                  <a:ext cx="1267884" cy="338554"/>
-                </a:xfrm>
-                <a:prstGeom prst="rect">
-                  <a:avLst/>
-                </a:prstGeom>
-                <a:noFill/>
-              </p:spPr>
-              <p:txBody>
-                <a:bodyPr wrap="square" rtlCol="0">
-                  <a:spAutoFit/>
-                </a:bodyPr>
-                <a:lstStyle/>
-                <a:p>
-                  <a:r>
-                    <a:rPr lang="en-US" altLang="ko-KR" sz="1600" b="1" dirty="0">
-                      <a:latin typeface="JejuGothic" panose="02000300000000000000" pitchFamily="2" charset="-127"/>
-                      <a:ea typeface="JejuGothic" panose="02000300000000000000" pitchFamily="2" charset="-127"/>
-                      <a:cs typeface="Malgun Gothic Semilight" panose="020B0502040204020203" pitchFamily="50" charset="-127"/>
-                    </a:rPr>
-                    <a:t>KT </a:t>
-                  </a:r>
-                  <a:r>
-                    <a:rPr lang="ko-KR" altLang="en-US" sz="1600" b="1" dirty="0" err="1">
-                      <a:latin typeface="JejuGothic" panose="02000300000000000000" pitchFamily="2" charset="-127"/>
-                      <a:ea typeface="JejuGothic" panose="02000300000000000000" pitchFamily="2" charset="-127"/>
-                      <a:cs typeface="Malgun Gothic Semilight" panose="020B0502040204020203" pitchFamily="50" charset="-127"/>
-                    </a:rPr>
-                    <a:t>허태훈</a:t>
-                  </a:r>
+                  <a:pPr algn="ctr"/>
                   <a:endParaRPr lang="ko-KR" altLang="en-US" sz="1600" b="1" dirty="0">
                     <a:latin typeface="JejuGothic" panose="02000300000000000000" pitchFamily="2" charset="-127"/>
                     <a:ea typeface="JejuGothic" panose="02000300000000000000" pitchFamily="2" charset="-127"/>
-                    <a:cs typeface="Malgun Gothic Semilight" panose="020B0502040204020203" pitchFamily="50" charset="-127"/>
                   </a:endParaRPr>
                 </a:p>
               </p:txBody>
             </p:sp>
             <p:sp>
               <p:nvSpPr>
-                <p:cNvPr id="87" name="TextBox 86">
+                <p:cNvPr id="5" name="사각형: 둥근 대각선 방향 모서리 4">
                   <a:extLst>
                     <a:ext uri="{FF2B5EF4-FFF2-40B4-BE49-F238E27FC236}">
-                      <a16:creationId xmlns:a16="http://schemas.microsoft.com/office/drawing/2014/main" id="{E4A99085-EF3F-41C0-16D9-ABD284B4E8C5}"/>
+                      <a16:creationId xmlns:a16="http://schemas.microsoft.com/office/drawing/2014/main" id="{593764AD-1567-2294-23D3-B456CAB10E52}"/>
                     </a:ext>
                   </a:extLst>
                 </p:cNvPr>
-                <p:cNvSpPr txBox="1"/>
+                <p:cNvSpPr/>
                 <p:nvPr/>
               </p:nvSpPr>
               <p:spPr>
                 <a:xfrm>
-                  <a:off x="9143999" y="4326542"/>
-                  <a:ext cx="1778000" cy="338554"/>
+                  <a:off x="948267" y="787124"/>
+                  <a:ext cx="10312400" cy="5275009"/>
+                </a:xfrm>
+                <a:prstGeom prst="round2DiagRect">
+                  <a:avLst/>
+                </a:prstGeom>
+                <a:solidFill>
+                  <a:schemeClr val="bg1"/>
+                </a:solidFill>
+                <a:ln>
+                  <a:noFill/>
+                </a:ln>
+              </p:spPr>
+              <p:style>
+                <a:lnRef idx="2">
+                  <a:schemeClr val="accent1">
+                    <a:shade val="50000"/>
+                  </a:schemeClr>
+                </a:lnRef>
+                <a:fillRef idx="1">
+                  <a:schemeClr val="accent1"/>
+                </a:fillRef>
+                <a:effectRef idx="0">
+                  <a:schemeClr val="accent1"/>
+                </a:effectRef>
+                <a:fontRef idx="minor">
+                  <a:schemeClr val="lt1"/>
+                </a:fontRef>
+              </p:style>
+              <p:txBody>
+                <a:bodyPr rtlCol="0" anchor="ctr"/>
+                <a:lstStyle/>
+                <a:p>
+                  <a:pPr algn="ctr"/>
+                  <a:endParaRPr lang="ko-KR" altLang="en-US" sz="1600" b="1">
+                    <a:latin typeface="JejuGothic" panose="02000300000000000000" pitchFamily="2" charset="-127"/>
+                    <a:ea typeface="JejuGothic" panose="02000300000000000000" pitchFamily="2" charset="-127"/>
+                  </a:endParaRPr>
+                </a:p>
+              </p:txBody>
+            </p:sp>
+            <p:pic>
+              <p:nvPicPr>
+                <p:cNvPr id="6" name="그림 5" descr="텍스트, 클립아트이(가) 표시된 사진&#10;&#10;자동 생성된 설명">
+                  <a:extLst>
+                    <a:ext uri="{FF2B5EF4-FFF2-40B4-BE49-F238E27FC236}">
+                      <a16:creationId xmlns:a16="http://schemas.microsoft.com/office/drawing/2014/main" id="{D369E016-1627-EBD6-FE1B-2F6688821AEA}"/>
+                    </a:ext>
+                  </a:extLst>
+                </p:cNvPr>
+                <p:cNvPicPr/>
+                <p:nvPr/>
+              </p:nvPicPr>
+              <p:blipFill rotWithShape="1">
+                <a:blip r:embed="rId2">
+                  <a:extLst>
+                    <a:ext uri="{28A0092B-C50C-407E-A947-70E740481C1C}">
+                      <a14:useLocalDpi xmlns:a14="http://schemas.microsoft.com/office/drawing/2010/main" val="0"/>
+                    </a:ext>
+                  </a:extLst>
+                </a:blip>
+                <a:srcRect l="2243" t="5155" r="3961" b="2267"/>
+                <a:stretch/>
+              </p:blipFill>
+              <p:spPr>
+                <a:xfrm>
+                  <a:off x="10284931" y="912707"/>
+                  <a:ext cx="848736" cy="709124"/>
                 </a:xfrm>
                 <a:prstGeom prst="rect">
                   <a:avLst/>
                 </a:prstGeom>
-                <a:noFill/>
               </p:spPr>
-              <p:txBody>
-                <a:bodyPr wrap="square" rtlCol="0">
-                  <a:spAutoFit/>
-                </a:bodyPr>
-                <a:lstStyle/>
-                <a:p>
-                  <a:r>
-                    <a:rPr lang="ko-KR" altLang="en-US" sz="1600" b="1" dirty="0" err="1">
-                      <a:latin typeface="JejuGothic" panose="02000300000000000000" pitchFamily="2" charset="-127"/>
-                      <a:ea typeface="JejuGothic" panose="02000300000000000000" pitchFamily="2" charset="-127"/>
-                      <a:cs typeface="Malgun Gothic Semilight" panose="020B0502040204020203" pitchFamily="50" charset="-127"/>
-                    </a:rPr>
-                    <a:t>두나무</a:t>
-                  </a:r>
-                  <a:r>
-                    <a:rPr lang="ko-KR" altLang="en-US" sz="1600" b="1" dirty="0">
-                      <a:latin typeface="JejuGothic" panose="02000300000000000000" pitchFamily="2" charset="-127"/>
-                      <a:ea typeface="JejuGothic" panose="02000300000000000000" pitchFamily="2" charset="-127"/>
-                      <a:cs typeface="Malgun Gothic Semilight" panose="020B0502040204020203" pitchFamily="50" charset="-127"/>
-                    </a:rPr>
-                    <a:t> </a:t>
-                  </a:r>
-                  <a:r>
-                    <a:rPr lang="ko-KR" altLang="en-US" sz="1600" b="1" dirty="0" err="1">
-                      <a:latin typeface="JejuGothic" panose="02000300000000000000" pitchFamily="2" charset="-127"/>
-                      <a:ea typeface="JejuGothic" panose="02000300000000000000" pitchFamily="2" charset="-127"/>
-                      <a:cs typeface="Malgun Gothic Semilight" panose="020B0502040204020203" pitchFamily="50" charset="-127"/>
-                    </a:rPr>
-                    <a:t>박충원</a:t>
-                  </a:r>
-                  <a:endParaRPr lang="ko-KR" altLang="en-US" sz="1600" b="1" dirty="0">
-                    <a:latin typeface="JejuGothic" panose="02000300000000000000" pitchFamily="2" charset="-127"/>
-                    <a:ea typeface="JejuGothic" panose="02000300000000000000" pitchFamily="2" charset="-127"/>
-                    <a:cs typeface="Malgun Gothic Semilight" panose="020B0502040204020203" pitchFamily="50" charset="-127"/>
-                  </a:endParaRPr>
-                </a:p>
-              </p:txBody>
-            </p:sp>
-            <p:sp>
-              <p:nvSpPr>
-                <p:cNvPr id="88" name="TextBox 87">
+            </p:pic>
+            <p:cxnSp>
+              <p:nvCxnSpPr>
+                <p:cNvPr id="7" name="직선 연결선 6">
                   <a:extLst>
                     <a:ext uri="{FF2B5EF4-FFF2-40B4-BE49-F238E27FC236}">
-                      <a16:creationId xmlns:a16="http://schemas.microsoft.com/office/drawing/2014/main" id="{E87BA087-8FBE-08AB-D6C6-041FD8E5A2E2}"/>
+                      <a16:creationId xmlns:a16="http://schemas.microsoft.com/office/drawing/2014/main" id="{4960E649-9414-1D4C-451E-4F32C0A8B9DA}"/>
                     </a:ext>
                   </a:extLst>
                 </p:cNvPr>
-                <p:cNvSpPr txBox="1"/>
+                <p:cNvCxnSpPr>
+                  <a:cxnSpLocks/>
+                </p:cNvCxnSpPr>
                 <p:nvPr/>
-              </p:nvSpPr>
+              </p:nvCxnSpPr>
               <p:spPr>
                 <a:xfrm>
-                  <a:off x="9150348" y="4788146"/>
-                  <a:ext cx="2066718" cy="338554"/>
+                  <a:off x="4493419" y="1621831"/>
+                  <a:ext cx="3205162" cy="0"/>
                 </a:xfrm>
-                <a:prstGeom prst="rect">
+                <a:prstGeom prst="line">
                   <a:avLst/>
                 </a:prstGeom>
-                <a:noFill/>
+                <a:ln w="19050">
+                  <a:solidFill>
+                    <a:schemeClr val="bg1">
+                      <a:lumMod val="65000"/>
+                    </a:schemeClr>
+                  </a:solidFill>
+                </a:ln>
               </p:spPr>
-              <p:txBody>
-                <a:bodyPr wrap="square" rtlCol="0">
-                  <a:spAutoFit/>
-                </a:bodyPr>
-                <a:lstStyle/>
-                <a:p>
-                  <a:r>
-                    <a:rPr lang="en-US" altLang="ko-KR" sz="1600" b="1">
-                      <a:latin typeface="JejuGothic" panose="02000300000000000000" pitchFamily="2" charset="-127"/>
-                      <a:ea typeface="JejuGothic" panose="02000300000000000000" pitchFamily="2" charset="-127"/>
-                      <a:cs typeface="Malgun Gothic Semilight" panose="020B0502040204020203" pitchFamily="50" charset="-127"/>
-                    </a:rPr>
-                    <a:t>POSCO Holdings </a:t>
-                  </a:r>
-                  <a:r>
-                    <a:rPr lang="ko-KR" altLang="en-US" sz="1600" b="1" dirty="0" err="1">
-                      <a:latin typeface="JejuGothic" panose="02000300000000000000" pitchFamily="2" charset="-127"/>
-                      <a:ea typeface="JejuGothic" panose="02000300000000000000" pitchFamily="2" charset="-127"/>
-                      <a:cs typeface="Malgun Gothic Semilight" panose="020B0502040204020203" pitchFamily="50" charset="-127"/>
-                    </a:rPr>
-                    <a:t>최규리</a:t>
-                  </a:r>
-                  <a:endParaRPr lang="ko-KR" altLang="en-US" sz="1600" b="1" dirty="0">
-                    <a:latin typeface="JejuGothic" panose="02000300000000000000" pitchFamily="2" charset="-127"/>
-                    <a:ea typeface="JejuGothic" panose="02000300000000000000" pitchFamily="2" charset="-127"/>
-                    <a:cs typeface="Malgun Gothic Semilight" panose="020B0502040204020203" pitchFamily="50" charset="-127"/>
-                  </a:endParaRPr>
-                </a:p>
-              </p:txBody>
-            </p:sp>
-            <p:sp>
-              <p:nvSpPr>
-                <p:cNvPr id="89" name="TextBox 88">
-                  <a:extLst>
-                    <a:ext uri="{FF2B5EF4-FFF2-40B4-BE49-F238E27FC236}">
-                      <a16:creationId xmlns:a16="http://schemas.microsoft.com/office/drawing/2014/main" id="{C578B6F3-7AA1-6E18-CA3B-AFE90B3240D3}"/>
-                    </a:ext>
-                  </a:extLst>
-                </p:cNvPr>
-                <p:cNvSpPr txBox="1"/>
-                <p:nvPr/>
-              </p:nvSpPr>
-              <p:spPr>
-                <a:xfrm>
-                  <a:off x="9141883" y="5249750"/>
-                  <a:ext cx="1778000" cy="338554"/>
-                </a:xfrm>
-                <a:prstGeom prst="rect">
-                  <a:avLst/>
-                </a:prstGeom>
-                <a:noFill/>
-              </p:spPr>
-              <p:txBody>
-                <a:bodyPr wrap="square" rtlCol="0">
-                  <a:spAutoFit/>
-                </a:bodyPr>
-                <a:lstStyle/>
-                <a:p>
-                  <a:r>
-                    <a:rPr lang="en-US" altLang="ko-KR" sz="1600" b="1" dirty="0">
-                      <a:latin typeface="JejuGothic" panose="02000300000000000000" pitchFamily="2" charset="-127"/>
-                      <a:ea typeface="JejuGothic" panose="02000300000000000000" pitchFamily="2" charset="-127"/>
-                      <a:cs typeface="Malgun Gothic Semilight" panose="020B0502040204020203" pitchFamily="50" charset="-127"/>
-                    </a:rPr>
-                    <a:t>NEXON </a:t>
-                  </a:r>
-                  <a:r>
-                    <a:rPr lang="ko-KR" altLang="en-US" sz="1600" b="1" dirty="0" err="1">
-                      <a:latin typeface="JejuGothic" panose="02000300000000000000" pitchFamily="2" charset="-127"/>
-                      <a:ea typeface="JejuGothic" panose="02000300000000000000" pitchFamily="2" charset="-127"/>
-                      <a:cs typeface="Malgun Gothic Semilight" panose="020B0502040204020203" pitchFamily="50" charset="-127"/>
-                    </a:rPr>
-                    <a:t>장영재</a:t>
-                  </a:r>
-                  <a:endParaRPr lang="ko-KR" altLang="en-US" sz="1600" b="1" dirty="0">
-                    <a:latin typeface="JejuGothic" panose="02000300000000000000" pitchFamily="2" charset="-127"/>
-                    <a:ea typeface="JejuGothic" panose="02000300000000000000" pitchFamily="2" charset="-127"/>
-                    <a:cs typeface="Malgun Gothic Semilight" panose="020B0502040204020203" pitchFamily="50" charset="-127"/>
-                  </a:endParaRPr>
-                </a:p>
-              </p:txBody>
-            </p:sp>
+              <p:style>
+                <a:lnRef idx="1">
+                  <a:schemeClr val="accent1"/>
+                </a:lnRef>
+                <a:fillRef idx="0">
+                  <a:schemeClr val="accent1"/>
+                </a:fillRef>
+                <a:effectRef idx="0">
+                  <a:schemeClr val="accent1"/>
+                </a:effectRef>
+                <a:fontRef idx="minor">
+                  <a:schemeClr val="tx1"/>
+                </a:fontRef>
+              </p:style>
+            </p:cxnSp>
           </p:grpSp>
-          <p:pic>
-            <p:nvPicPr>
-              <p:cNvPr id="3" name="그림 2">
+          <p:sp>
+            <p:nvSpPr>
+              <p:cNvPr id="9" name="TextBox 8">
                 <a:extLst>
                   <a:ext uri="{FF2B5EF4-FFF2-40B4-BE49-F238E27FC236}">
-                    <a16:creationId xmlns:a16="http://schemas.microsoft.com/office/drawing/2014/main" id="{63367B81-F993-09E4-C791-BAD9AA3192CA}"/>
+                    <a16:creationId xmlns:a16="http://schemas.microsoft.com/office/drawing/2014/main" id="{BD1F53D7-EB4F-9AB0-392D-B83E83F48999}"/>
                   </a:ext>
                 </a:extLst>
               </p:cNvPr>
-              <p:cNvPicPr>
-                <a:picLocks noChangeAspect="1"/>
-              </p:cNvPicPr>
+              <p:cNvSpPr txBox="1"/>
               <p:nvPr/>
-            </p:nvPicPr>
-            <p:blipFill rotWithShape="1">
-              <a:blip r:embed="rId3">
-                <a:extLst>
-                  <a:ext uri="{28A0092B-C50C-407E-A947-70E740481C1C}">
-                    <a14:useLocalDpi xmlns:a14="http://schemas.microsoft.com/office/drawing/2010/main" val="0"/>
-                  </a:ext>
-                </a:extLst>
-              </a:blip>
-              <a:srcRect l="13117" t="15493" r="12280" b="11649"/>
-              <a:stretch/>
-            </p:blipFill>
+            </p:nvSpPr>
             <p:spPr>
               <a:xfrm>
-                <a:off x="2173830" y="2094585"/>
-                <a:ext cx="279537" cy="252000"/>
-              </a:xfrm>
-              <a:prstGeom prst="rect">
-                <a:avLst/>
-              </a:prstGeom>
-            </p:spPr>
-          </p:pic>
-          <p:pic>
-            <p:nvPicPr>
-              <p:cNvPr id="8" name="그림 7">
-                <a:extLst>
-                  <a:ext uri="{FF2B5EF4-FFF2-40B4-BE49-F238E27FC236}">
-                    <a16:creationId xmlns:a16="http://schemas.microsoft.com/office/drawing/2014/main" id="{32576362-C869-FBE5-432A-6AF585E0B669}"/>
-                  </a:ext>
-                </a:extLst>
-              </p:cNvPr>
-              <p:cNvPicPr>
-                <a:picLocks noChangeAspect="1"/>
-              </p:cNvPicPr>
-              <p:nvPr/>
-            </p:nvPicPr>
-            <p:blipFill rotWithShape="1">
-              <a:blip r:embed="rId3">
-                <a:extLst>
-                  <a:ext uri="{28A0092B-C50C-407E-A947-70E740481C1C}">
-                    <a14:useLocalDpi xmlns:a14="http://schemas.microsoft.com/office/drawing/2010/main" val="0"/>
-                  </a:ext>
-                </a:extLst>
-              </a:blip>
-              <a:srcRect l="13117" t="15493" r="12280" b="11649"/>
-              <a:stretch/>
-            </p:blipFill>
-            <p:spPr>
-              <a:xfrm>
-                <a:off x="2173830" y="2565159"/>
-                <a:ext cx="279537" cy="252000"/>
-              </a:xfrm>
-              <a:prstGeom prst="rect">
-                <a:avLst/>
-              </a:prstGeom>
-            </p:spPr>
-          </p:pic>
-          <p:pic>
-            <p:nvPicPr>
-              <p:cNvPr id="11" name="그림 10">
-                <a:extLst>
-                  <a:ext uri="{FF2B5EF4-FFF2-40B4-BE49-F238E27FC236}">
-                    <a16:creationId xmlns:a16="http://schemas.microsoft.com/office/drawing/2014/main" id="{935BF3A0-40A3-19F0-50D4-E7FE66E9B181}"/>
-                  </a:ext>
-                </a:extLst>
-              </p:cNvPr>
-              <p:cNvPicPr>
-                <a:picLocks noChangeAspect="1"/>
-              </p:cNvPicPr>
-              <p:nvPr/>
-            </p:nvPicPr>
-            <p:blipFill rotWithShape="1">
-              <a:blip r:embed="rId3">
-                <a:extLst>
-                  <a:ext uri="{28A0092B-C50C-407E-A947-70E740481C1C}">
-                    <a14:useLocalDpi xmlns:a14="http://schemas.microsoft.com/office/drawing/2010/main" val="0"/>
-                  </a:ext>
-                </a:extLst>
-              </a:blip>
-              <a:srcRect l="13117" t="15493" r="12280" b="11649"/>
-              <a:stretch/>
-            </p:blipFill>
-            <p:spPr>
-              <a:xfrm>
-                <a:off x="2163489" y="3031013"/>
-                <a:ext cx="279537" cy="252000"/>
-              </a:xfrm>
-              <a:prstGeom prst="rect">
-                <a:avLst/>
-              </a:prstGeom>
-            </p:spPr>
-          </p:pic>
-          <p:pic>
-            <p:nvPicPr>
-              <p:cNvPr id="12" name="그림 11">
-                <a:extLst>
-                  <a:ext uri="{FF2B5EF4-FFF2-40B4-BE49-F238E27FC236}">
-                    <a16:creationId xmlns:a16="http://schemas.microsoft.com/office/drawing/2014/main" id="{0C6B6611-73DD-D1F3-0153-A63133078AE8}"/>
-                  </a:ext>
-                </a:extLst>
-              </p:cNvPr>
-              <p:cNvPicPr>
-                <a:picLocks noChangeAspect="1"/>
-              </p:cNvPicPr>
-              <p:nvPr/>
-            </p:nvPicPr>
-            <p:blipFill rotWithShape="1">
-              <a:blip r:embed="rId3">
-                <a:extLst>
-                  <a:ext uri="{28A0092B-C50C-407E-A947-70E740481C1C}">
-                    <a14:useLocalDpi xmlns:a14="http://schemas.microsoft.com/office/drawing/2010/main" val="0"/>
-                  </a:ext>
-                </a:extLst>
-              </a:blip>
-              <a:srcRect l="13117" t="15493" r="12280" b="11649"/>
-              <a:stretch/>
-            </p:blipFill>
-            <p:spPr>
-              <a:xfrm>
-                <a:off x="2163488" y="3956722"/>
-                <a:ext cx="279537" cy="252000"/>
-              </a:xfrm>
-              <a:prstGeom prst="rect">
-                <a:avLst/>
-              </a:prstGeom>
-            </p:spPr>
-          </p:pic>
-          <p:pic>
-            <p:nvPicPr>
-              <p:cNvPr id="16" name="그림 15">
-                <a:extLst>
-                  <a:ext uri="{FF2B5EF4-FFF2-40B4-BE49-F238E27FC236}">
-                    <a16:creationId xmlns:a16="http://schemas.microsoft.com/office/drawing/2014/main" id="{40D16107-FFD0-7BEF-388B-585F02EB37D8}"/>
-                  </a:ext>
-                </a:extLst>
-              </p:cNvPr>
-              <p:cNvPicPr>
-                <a:picLocks noChangeAspect="1"/>
-              </p:cNvPicPr>
-              <p:nvPr/>
-            </p:nvPicPr>
-            <p:blipFill>
-              <a:blip r:embed="rId4">
-                <a:extLst>
-                  <a:ext uri="{28A0092B-C50C-407E-A947-70E740481C1C}">
-                    <a14:useLocalDpi xmlns:a14="http://schemas.microsoft.com/office/drawing/2010/main" val="0"/>
-                  </a:ext>
-                </a:extLst>
-              </a:blip>
-              <a:stretch>
-                <a:fillRect/>
-              </a:stretch>
-            </p:blipFill>
-            <p:spPr>
-              <a:xfrm>
-                <a:off x="1990387" y="3491864"/>
-                <a:ext cx="462980" cy="252000"/>
-              </a:xfrm>
-              <a:prstGeom prst="rect">
-                <a:avLst/>
-              </a:prstGeom>
-            </p:spPr>
-          </p:pic>
-          <p:pic>
-            <p:nvPicPr>
-              <p:cNvPr id="17" name="Picture 4" descr="카카오스탁MAP X 두나무투자일임 투자세미나 &lt;8인8색 주식 투자 이야기&gt; - 이벤터스">
-                <a:extLst>
-                  <a:ext uri="{FF2B5EF4-FFF2-40B4-BE49-F238E27FC236}">
-                    <a16:creationId xmlns:a16="http://schemas.microsoft.com/office/drawing/2014/main" id="{A37BCDAE-61BF-BF8B-0FC5-22440C35CD74}"/>
-                  </a:ext>
-                </a:extLst>
-              </p:cNvPr>
-              <p:cNvPicPr>
-                <a:picLocks noChangeAspect="1" noChangeArrowheads="1"/>
-              </p:cNvPicPr>
-              <p:nvPr/>
-            </p:nvPicPr>
-            <p:blipFill rotWithShape="1">
-              <a:blip r:embed="rId5">
-                <a:extLst>
-                  <a:ext uri="{28A0092B-C50C-407E-A947-70E740481C1C}">
-                    <a14:useLocalDpi xmlns:a14="http://schemas.microsoft.com/office/drawing/2010/main" val="0"/>
-                  </a:ext>
-                </a:extLst>
-              </a:blip>
-              <a:srcRect t="20151" b="21117"/>
-              <a:stretch/>
-            </p:blipFill>
-            <p:spPr bwMode="auto">
-              <a:xfrm>
-                <a:off x="1690577" y="4428050"/>
-                <a:ext cx="762790" cy="252000"/>
+                <a:off x="3047999" y="1029599"/>
+                <a:ext cx="6096000" cy="584775"/>
               </a:xfrm>
               <a:prstGeom prst="rect">
                 <a:avLst/>
               </a:prstGeom>
               <a:noFill/>
-              <a:extLst>
-                <a:ext uri="{909E8E84-426E-40DD-AFC4-6F175D3DCCD1}">
-                  <a14:hiddenFill xmlns:a14="http://schemas.microsoft.com/office/drawing/2010/main">
-                    <a:solidFill>
-                      <a:srgbClr val="FFFFFF"/>
-                    </a:solidFill>
-                  </a14:hiddenFill>
-                </a:ext>
-              </a:extLst>
             </p:spPr>
-          </p:pic>
-          <p:pic>
-            <p:nvPicPr>
-              <p:cNvPr id="18" name="그림 17">
+            <p:txBody>
+              <a:bodyPr wrap="square">
+                <a:spAutoFit/>
+              </a:bodyPr>
+              <a:lstStyle/>
+              <a:p>
+                <a:pPr algn="ctr"/>
+                <a:r>
+                  <a:rPr lang="ko-KR" altLang="en-US" sz="3200" b="1" dirty="0">
+                    <a:latin typeface="JejuGothic" panose="02000300000000000000" pitchFamily="2" charset="-127"/>
+                    <a:ea typeface="JejuGothic" panose="02000300000000000000" pitchFamily="2" charset="-127"/>
+                    <a:cs typeface="Malgun Gothic Semilight" panose="020B0502040204020203" pitchFamily="50" charset="-127"/>
+                  </a:rPr>
+                  <a:t>입사를 축하 드립니다</a:t>
+                </a:r>
+                <a:r>
+                  <a:rPr lang="en-US" altLang="ko-KR" sz="3200" b="1" dirty="0">
+                    <a:latin typeface="JejuGothic" panose="02000300000000000000" pitchFamily="2" charset="-127"/>
+                    <a:ea typeface="JejuGothic" panose="02000300000000000000" pitchFamily="2" charset="-127"/>
+                    <a:cs typeface="Malgun Gothic Semilight" panose="020B0502040204020203" pitchFamily="50" charset="-127"/>
+                  </a:rPr>
+                  <a:t>!</a:t>
+                </a:r>
+                <a:endParaRPr lang="ko-KR" altLang="en-US" sz="3200" b="1" dirty="0">
+                  <a:latin typeface="JejuGothic" panose="02000300000000000000" pitchFamily="2" charset="-127"/>
+                  <a:ea typeface="JejuGothic" panose="02000300000000000000" pitchFamily="2" charset="-127"/>
+                  <a:cs typeface="Malgun Gothic Semilight" panose="020B0502040204020203" pitchFamily="50" charset="-127"/>
+                </a:endParaRPr>
+              </a:p>
+            </p:txBody>
+          </p:sp>
+          <p:grpSp>
+            <p:nvGrpSpPr>
+              <p:cNvPr id="20" name="그룹 19">
                 <a:extLst>
                   <a:ext uri="{FF2B5EF4-FFF2-40B4-BE49-F238E27FC236}">
-                    <a16:creationId xmlns:a16="http://schemas.microsoft.com/office/drawing/2014/main" id="{F600F1FC-7A44-59FA-9904-E4E6A34731F0}"/>
-                  </a:ext>
-                </a:extLst>
-              </p:cNvPr>
-              <p:cNvPicPr>
-                <a:picLocks noChangeAspect="1"/>
-              </p:cNvPicPr>
-              <p:nvPr/>
-            </p:nvPicPr>
-            <p:blipFill>
-              <a:blip r:embed="rId6"/>
-              <a:stretch>
-                <a:fillRect/>
-              </a:stretch>
-            </p:blipFill>
-            <p:spPr>
-              <a:xfrm>
-                <a:off x="1823367" y="4892383"/>
-                <a:ext cx="630000" cy="252000"/>
-              </a:xfrm>
-              <a:prstGeom prst="rect">
-                <a:avLst/>
-              </a:prstGeom>
-            </p:spPr>
-          </p:pic>
-          <p:pic>
-            <p:nvPicPr>
-              <p:cNvPr id="19" name="그림 18">
-                <a:extLst>
-                  <a:ext uri="{FF2B5EF4-FFF2-40B4-BE49-F238E27FC236}">
-                    <a16:creationId xmlns:a16="http://schemas.microsoft.com/office/drawing/2014/main" id="{1BCB1882-0177-0AFC-48B0-7BA7D879764D}"/>
-                  </a:ext>
-                </a:extLst>
-              </p:cNvPr>
-              <p:cNvPicPr>
-                <a:picLocks noChangeAspect="1"/>
-              </p:cNvPicPr>
-              <p:nvPr/>
-            </p:nvPicPr>
-            <p:blipFill>
-              <a:blip r:embed="rId7"/>
-              <a:stretch>
-                <a:fillRect/>
-              </a:stretch>
-            </p:blipFill>
-            <p:spPr>
-              <a:xfrm>
-                <a:off x="1624418" y="5356716"/>
-                <a:ext cx="828949" cy="252000"/>
-              </a:xfrm>
-              <a:prstGeom prst="rect">
-                <a:avLst/>
-              </a:prstGeom>
-            </p:spPr>
-          </p:pic>
-        </p:grpSp>
-        <p:grpSp>
-          <p:nvGrpSpPr>
-            <p:cNvPr id="24" name="그룹 23">
-              <a:extLst>
-                <a:ext uri="{FF2B5EF4-FFF2-40B4-BE49-F238E27FC236}">
-                  <a16:creationId xmlns:a16="http://schemas.microsoft.com/office/drawing/2014/main" id="{4345ADF2-05C1-8303-71AC-8BA9B9D735D3}"/>
-                </a:ext>
-              </a:extLst>
-            </p:cNvPr>
-            <p:cNvGrpSpPr/>
-            <p:nvPr/>
-          </p:nvGrpSpPr>
-          <p:grpSpPr>
-            <a:xfrm>
-              <a:off x="4532859" y="2062315"/>
-              <a:ext cx="3140971" cy="2162038"/>
-              <a:chOff x="5130620" y="2066973"/>
-              <a:chExt cx="3140971" cy="2162038"/>
-            </a:xfrm>
-          </p:grpSpPr>
-          <p:grpSp>
-            <p:nvGrpSpPr>
-              <p:cNvPr id="71" name="그룹 70">
-                <a:extLst>
-                  <a:ext uri="{FF2B5EF4-FFF2-40B4-BE49-F238E27FC236}">
-                    <a16:creationId xmlns:a16="http://schemas.microsoft.com/office/drawing/2014/main" id="{9236EDFA-12A2-EBF8-B841-4C5D3F458EDD}"/>
+                    <a16:creationId xmlns:a16="http://schemas.microsoft.com/office/drawing/2014/main" id="{0F924B32-3336-4CE2-15C4-1628B93A44F0}"/>
                   </a:ext>
                 </a:extLst>
               </p:cNvPr>
@@ -8395,281 +7668,1085 @@
             </p:nvGrpSpPr>
             <p:grpSpPr>
               <a:xfrm>
-                <a:off x="6001272" y="2066973"/>
-                <a:ext cx="2270319" cy="1733530"/>
-                <a:chOff x="9143998" y="1996133"/>
-                <a:chExt cx="2270319" cy="1733530"/>
+                <a:off x="1473508" y="2054364"/>
+                <a:ext cx="3242412" cy="3107139"/>
+                <a:chOff x="1473508" y="2054364"/>
+                <a:chExt cx="3242412" cy="3107139"/>
               </a:xfrm>
             </p:grpSpPr>
-            <p:sp>
-              <p:nvSpPr>
-                <p:cNvPr id="63" name="TextBox 62">
+            <p:grpSp>
+              <p:nvGrpSpPr>
+                <p:cNvPr id="81" name="그룹 80">
                   <a:extLst>
                     <a:ext uri="{FF2B5EF4-FFF2-40B4-BE49-F238E27FC236}">
-                      <a16:creationId xmlns:a16="http://schemas.microsoft.com/office/drawing/2014/main" id="{A3AC17F7-4927-30AE-9B92-306FE4AF6429}"/>
+                      <a16:creationId xmlns:a16="http://schemas.microsoft.com/office/drawing/2014/main" id="{EAAD9F51-7A9A-DDEA-F31A-DBD2ABBC982C}"/>
                     </a:ext>
                   </a:extLst>
                 </p:cNvPr>
-                <p:cNvSpPr txBox="1"/>
+                <p:cNvGrpSpPr/>
                 <p:nvPr/>
-              </p:nvSpPr>
+              </p:nvGrpSpPr>
+              <p:grpSpPr>
+                <a:xfrm>
+                  <a:off x="2103504" y="2054364"/>
+                  <a:ext cx="2612416" cy="3107139"/>
+                  <a:chOff x="8863965" y="1996133"/>
+                  <a:chExt cx="2138467" cy="3107139"/>
+                </a:xfrm>
+              </p:grpSpPr>
+              <p:sp>
+                <p:nvSpPr>
+                  <p:cNvPr id="82" name="TextBox 81">
+                    <a:extLst>
+                      <a:ext uri="{FF2B5EF4-FFF2-40B4-BE49-F238E27FC236}">
+                        <a16:creationId xmlns:a16="http://schemas.microsoft.com/office/drawing/2014/main" id="{B276A898-E3FB-0DF2-0DA4-7919332ACA74}"/>
+                      </a:ext>
+                    </a:extLst>
+                  </p:cNvPr>
+                  <p:cNvSpPr txBox="1"/>
+                  <p:nvPr/>
+                </p:nvSpPr>
+                <p:spPr>
+                  <a:xfrm>
+                    <a:off x="9143999" y="1996133"/>
+                    <a:ext cx="1778000" cy="338554"/>
+                  </a:xfrm>
+                  <a:prstGeom prst="rect">
+                    <a:avLst/>
+                  </a:prstGeom>
+                  <a:noFill/>
+                </p:spPr>
+                <p:txBody>
+                  <a:bodyPr wrap="square" rtlCol="0">
+                    <a:spAutoFit/>
+                  </a:bodyPr>
+                  <a:lstStyle/>
+                  <a:p>
+                    <a:r>
+                      <a:rPr lang="en-US" altLang="ko-KR" sz="1600" b="1" dirty="0">
+                        <a:latin typeface="JejuGothic" panose="02000300000000000000" pitchFamily="2" charset="-127"/>
+                        <a:ea typeface="JejuGothic" panose="02000300000000000000" pitchFamily="2" charset="-127"/>
+                        <a:cs typeface="Malgun Gothic Semilight" panose="020B0502040204020203" pitchFamily="50" charset="-127"/>
+                      </a:rPr>
+                      <a:t>KT </a:t>
+                    </a:r>
+                    <a:r>
+                      <a:rPr lang="ko-KR" altLang="en-US" sz="1600" b="1" dirty="0">
+                        <a:latin typeface="JejuGothic" panose="02000300000000000000" pitchFamily="2" charset="-127"/>
+                        <a:ea typeface="JejuGothic" panose="02000300000000000000" pitchFamily="2" charset="-127"/>
+                        <a:cs typeface="Malgun Gothic Semilight" panose="020B0502040204020203" pitchFamily="50" charset="-127"/>
+                      </a:rPr>
+                      <a:t>장대식</a:t>
+                    </a:r>
+                  </a:p>
+                </p:txBody>
+              </p:sp>
+              <p:sp>
+                <p:nvSpPr>
+                  <p:cNvPr id="83" name="TextBox 82">
+                    <a:extLst>
+                      <a:ext uri="{FF2B5EF4-FFF2-40B4-BE49-F238E27FC236}">
+                        <a16:creationId xmlns:a16="http://schemas.microsoft.com/office/drawing/2014/main" id="{B17723B9-8F0E-3CDF-7178-851DC1FB9562}"/>
+                      </a:ext>
+                    </a:extLst>
+                  </p:cNvPr>
+                  <p:cNvSpPr txBox="1"/>
+                  <p:nvPr/>
+                </p:nvSpPr>
+                <p:spPr>
+                  <a:xfrm>
+                    <a:off x="9143999" y="2460793"/>
+                    <a:ext cx="1778000" cy="338554"/>
+                  </a:xfrm>
+                  <a:prstGeom prst="rect">
+                    <a:avLst/>
+                  </a:prstGeom>
+                  <a:noFill/>
+                </p:spPr>
+                <p:txBody>
+                  <a:bodyPr wrap="square" rtlCol="0">
+                    <a:spAutoFit/>
+                  </a:bodyPr>
+                  <a:lstStyle/>
+                  <a:p>
+                    <a:r>
+                      <a:rPr lang="en-US" altLang="ko-KR" sz="1600" b="1" dirty="0">
+                        <a:latin typeface="JejuGothic" panose="02000300000000000000" pitchFamily="2" charset="-127"/>
+                        <a:ea typeface="JejuGothic" panose="02000300000000000000" pitchFamily="2" charset="-127"/>
+                        <a:cs typeface="Malgun Gothic Semilight" panose="020B0502040204020203" pitchFamily="50" charset="-127"/>
+                      </a:rPr>
+                      <a:t>KT </a:t>
+                    </a:r>
+                    <a:r>
+                      <a:rPr lang="ko-KR" altLang="en-US" sz="1600" b="1" dirty="0">
+                        <a:latin typeface="JejuGothic" panose="02000300000000000000" pitchFamily="2" charset="-127"/>
+                        <a:ea typeface="JejuGothic" panose="02000300000000000000" pitchFamily="2" charset="-127"/>
+                        <a:cs typeface="Malgun Gothic Semilight" panose="020B0502040204020203" pitchFamily="50" charset="-127"/>
+                      </a:rPr>
+                      <a:t>조준희</a:t>
+                    </a:r>
+                  </a:p>
+                </p:txBody>
+              </p:sp>
+              <p:sp>
+                <p:nvSpPr>
+                  <p:cNvPr id="85" name="TextBox 84">
+                    <a:extLst>
+                      <a:ext uri="{FF2B5EF4-FFF2-40B4-BE49-F238E27FC236}">
+                        <a16:creationId xmlns:a16="http://schemas.microsoft.com/office/drawing/2014/main" id="{5EEE6422-439E-DC45-EB37-D9DD6EAA5098}"/>
+                      </a:ext>
+                    </a:extLst>
+                  </p:cNvPr>
+                  <p:cNvSpPr txBox="1"/>
+                  <p:nvPr/>
+                </p:nvSpPr>
+                <p:spPr>
+                  <a:xfrm>
+                    <a:off x="9143999" y="2906077"/>
+                    <a:ext cx="1858433" cy="338554"/>
+                  </a:xfrm>
+                  <a:prstGeom prst="rect">
+                    <a:avLst/>
+                  </a:prstGeom>
+                  <a:noFill/>
+                </p:spPr>
+                <p:txBody>
+                  <a:bodyPr wrap="square" rtlCol="0">
+                    <a:spAutoFit/>
+                  </a:bodyPr>
+                  <a:lstStyle/>
+                  <a:p>
+                    <a:r>
+                      <a:rPr lang="en-US" altLang="ko-KR" sz="1600" b="1" dirty="0">
+                        <a:latin typeface="JejuGothic" panose="02000300000000000000" pitchFamily="2" charset="-127"/>
+                        <a:ea typeface="JejuGothic" panose="02000300000000000000" pitchFamily="2" charset="-127"/>
+                        <a:cs typeface="Malgun Gothic Semilight" panose="020B0502040204020203" pitchFamily="50" charset="-127"/>
+                      </a:rPr>
+                      <a:t>NCSOFT </a:t>
+                    </a:r>
+                    <a:r>
+                      <a:rPr lang="ko-KR" altLang="en-US" sz="1600" b="1" dirty="0">
+                        <a:latin typeface="JejuGothic" panose="02000300000000000000" pitchFamily="2" charset="-127"/>
+                        <a:ea typeface="JejuGothic" panose="02000300000000000000" pitchFamily="2" charset="-127"/>
+                        <a:cs typeface="Malgun Gothic Semilight" panose="020B0502040204020203" pitchFamily="50" charset="-127"/>
+                      </a:rPr>
+                      <a:t>박선영</a:t>
+                    </a:r>
+                  </a:p>
+                </p:txBody>
+              </p:sp>
+              <p:sp>
+                <p:nvSpPr>
+                  <p:cNvPr id="86" name="TextBox 85">
+                    <a:extLst>
+                      <a:ext uri="{FF2B5EF4-FFF2-40B4-BE49-F238E27FC236}">
+                        <a16:creationId xmlns:a16="http://schemas.microsoft.com/office/drawing/2014/main" id="{C7D146C3-1E59-1948-DB38-0E9B040C2239}"/>
+                      </a:ext>
+                    </a:extLst>
+                  </p:cNvPr>
+                  <p:cNvSpPr txBox="1"/>
+                  <p:nvPr/>
+                </p:nvSpPr>
+                <p:spPr>
+                  <a:xfrm>
+                    <a:off x="8921524" y="3373794"/>
+                    <a:ext cx="1858433" cy="338554"/>
+                  </a:xfrm>
+                  <a:prstGeom prst="rect">
+                    <a:avLst/>
+                  </a:prstGeom>
+                  <a:noFill/>
+                </p:spPr>
+                <p:txBody>
+                  <a:bodyPr wrap="square" rtlCol="0">
+                    <a:spAutoFit/>
+                  </a:bodyPr>
+                  <a:lstStyle/>
+                  <a:p>
+                    <a:r>
+                      <a:rPr lang="ko-KR" altLang="en-US" sz="1600" b="1" dirty="0">
+                        <a:latin typeface="JejuGothic" panose="02000300000000000000" pitchFamily="2" charset="-127"/>
+                        <a:ea typeface="JejuGothic" panose="02000300000000000000" pitchFamily="2" charset="-127"/>
+                        <a:cs typeface="Malgun Gothic Semilight" panose="020B0502040204020203" pitchFamily="50" charset="-127"/>
+                      </a:rPr>
+                      <a:t>삼성</a:t>
+                    </a:r>
+                    <a:r>
+                      <a:rPr lang="en-US" altLang="ko-KR" sz="1600" b="1" dirty="0">
+                        <a:latin typeface="JejuGothic" panose="02000300000000000000" pitchFamily="2" charset="-127"/>
+                        <a:ea typeface="JejuGothic" panose="02000300000000000000" pitchFamily="2" charset="-127"/>
+                        <a:cs typeface="Malgun Gothic Semilight" panose="020B0502040204020203" pitchFamily="50" charset="-127"/>
+                      </a:rPr>
+                      <a:t> Research </a:t>
+                    </a:r>
+                    <a:r>
+                      <a:rPr lang="ko-KR" altLang="en-US" sz="1600" b="1" dirty="0" err="1">
+                        <a:latin typeface="JejuGothic" panose="02000300000000000000" pitchFamily="2" charset="-127"/>
+                        <a:ea typeface="JejuGothic" panose="02000300000000000000" pitchFamily="2" charset="-127"/>
+                        <a:cs typeface="Malgun Gothic Semilight" panose="020B0502040204020203" pitchFamily="50" charset="-127"/>
+                      </a:rPr>
+                      <a:t>허태훈</a:t>
+                    </a:r>
+                    <a:endParaRPr lang="ko-KR" altLang="en-US" sz="1600" b="1" dirty="0">
+                      <a:latin typeface="JejuGothic" panose="02000300000000000000" pitchFamily="2" charset="-127"/>
+                      <a:ea typeface="JejuGothic" panose="02000300000000000000" pitchFamily="2" charset="-127"/>
+                      <a:cs typeface="Malgun Gothic Semilight" panose="020B0502040204020203" pitchFamily="50" charset="-127"/>
+                    </a:endParaRPr>
+                  </a:p>
+                </p:txBody>
+              </p:sp>
+              <p:sp>
+                <p:nvSpPr>
+                  <p:cNvPr id="87" name="TextBox 86">
+                    <a:extLst>
+                      <a:ext uri="{FF2B5EF4-FFF2-40B4-BE49-F238E27FC236}">
+                        <a16:creationId xmlns:a16="http://schemas.microsoft.com/office/drawing/2014/main" id="{E4A99085-EF3F-41C0-16D9-ABD284B4E8C5}"/>
+                      </a:ext>
+                    </a:extLst>
+                  </p:cNvPr>
+                  <p:cNvSpPr txBox="1"/>
+                  <p:nvPr/>
+                </p:nvSpPr>
+                <p:spPr>
+                  <a:xfrm>
+                    <a:off x="9143999" y="3841510"/>
+                    <a:ext cx="1778000" cy="338554"/>
+                  </a:xfrm>
+                  <a:prstGeom prst="rect">
+                    <a:avLst/>
+                  </a:prstGeom>
+                  <a:noFill/>
+                </p:spPr>
+                <p:txBody>
+                  <a:bodyPr wrap="square" rtlCol="0">
+                    <a:spAutoFit/>
+                  </a:bodyPr>
+                  <a:lstStyle/>
+                  <a:p>
+                    <a:r>
+                      <a:rPr lang="ko-KR" altLang="en-US" sz="1600" b="1" dirty="0" err="1">
+                        <a:latin typeface="JejuGothic" panose="02000300000000000000" pitchFamily="2" charset="-127"/>
+                        <a:ea typeface="JejuGothic" panose="02000300000000000000" pitchFamily="2" charset="-127"/>
+                        <a:cs typeface="Malgun Gothic Semilight" panose="020B0502040204020203" pitchFamily="50" charset="-127"/>
+                      </a:rPr>
+                      <a:t>두나무</a:t>
+                    </a:r>
+                    <a:r>
+                      <a:rPr lang="ko-KR" altLang="en-US" sz="1600" b="1" dirty="0">
+                        <a:latin typeface="JejuGothic" panose="02000300000000000000" pitchFamily="2" charset="-127"/>
+                        <a:ea typeface="JejuGothic" panose="02000300000000000000" pitchFamily="2" charset="-127"/>
+                        <a:cs typeface="Malgun Gothic Semilight" panose="020B0502040204020203" pitchFamily="50" charset="-127"/>
+                      </a:rPr>
+                      <a:t> </a:t>
+                    </a:r>
+                    <a:r>
+                      <a:rPr lang="ko-KR" altLang="en-US" sz="1600" b="1" dirty="0" err="1">
+                        <a:latin typeface="JejuGothic" panose="02000300000000000000" pitchFamily="2" charset="-127"/>
+                        <a:ea typeface="JejuGothic" panose="02000300000000000000" pitchFamily="2" charset="-127"/>
+                        <a:cs typeface="Malgun Gothic Semilight" panose="020B0502040204020203" pitchFamily="50" charset="-127"/>
+                      </a:rPr>
+                      <a:t>박충원</a:t>
+                    </a:r>
+                    <a:endParaRPr lang="ko-KR" altLang="en-US" sz="1600" b="1" dirty="0">
+                      <a:latin typeface="JejuGothic" panose="02000300000000000000" pitchFamily="2" charset="-127"/>
+                      <a:ea typeface="JejuGothic" panose="02000300000000000000" pitchFamily="2" charset="-127"/>
+                      <a:cs typeface="Malgun Gothic Semilight" panose="020B0502040204020203" pitchFamily="50" charset="-127"/>
+                    </a:endParaRPr>
+                  </a:p>
+                </p:txBody>
+              </p:sp>
+              <p:sp>
+                <p:nvSpPr>
+                  <p:cNvPr id="88" name="TextBox 87">
+                    <a:extLst>
+                      <a:ext uri="{FF2B5EF4-FFF2-40B4-BE49-F238E27FC236}">
+                        <a16:creationId xmlns:a16="http://schemas.microsoft.com/office/drawing/2014/main" id="{E87BA087-8FBE-08AB-D6C6-041FD8E5A2E2}"/>
+                      </a:ext>
+                    </a:extLst>
+                  </p:cNvPr>
+                  <p:cNvSpPr txBox="1"/>
+                  <p:nvPr/>
+                </p:nvSpPr>
+                <p:spPr>
+                  <a:xfrm>
+                    <a:off x="8863965" y="4303114"/>
+                    <a:ext cx="2066718" cy="338554"/>
+                  </a:xfrm>
+                  <a:prstGeom prst="rect">
+                    <a:avLst/>
+                  </a:prstGeom>
+                  <a:noFill/>
+                </p:spPr>
+                <p:txBody>
+                  <a:bodyPr wrap="square" rtlCol="0">
+                    <a:spAutoFit/>
+                  </a:bodyPr>
+                  <a:lstStyle/>
+                  <a:p>
+                    <a:r>
+                      <a:rPr lang="en-US" altLang="ko-KR" sz="1600" b="1">
+                        <a:latin typeface="JejuGothic" panose="02000300000000000000" pitchFamily="2" charset="-127"/>
+                        <a:ea typeface="JejuGothic" panose="02000300000000000000" pitchFamily="2" charset="-127"/>
+                        <a:cs typeface="Malgun Gothic Semilight" panose="020B0502040204020203" pitchFamily="50" charset="-127"/>
+                      </a:rPr>
+                      <a:t>POSCO Holdings </a:t>
+                    </a:r>
+                    <a:r>
+                      <a:rPr lang="ko-KR" altLang="en-US" sz="1600" b="1" dirty="0" err="1">
+                        <a:latin typeface="JejuGothic" panose="02000300000000000000" pitchFamily="2" charset="-127"/>
+                        <a:ea typeface="JejuGothic" panose="02000300000000000000" pitchFamily="2" charset="-127"/>
+                        <a:cs typeface="Malgun Gothic Semilight" panose="020B0502040204020203" pitchFamily="50" charset="-127"/>
+                      </a:rPr>
+                      <a:t>최규리</a:t>
+                    </a:r>
+                    <a:endParaRPr lang="ko-KR" altLang="en-US" sz="1600" b="1" dirty="0">
+                      <a:latin typeface="JejuGothic" panose="02000300000000000000" pitchFamily="2" charset="-127"/>
+                      <a:ea typeface="JejuGothic" panose="02000300000000000000" pitchFamily="2" charset="-127"/>
+                      <a:cs typeface="Malgun Gothic Semilight" panose="020B0502040204020203" pitchFamily="50" charset="-127"/>
+                    </a:endParaRPr>
+                  </a:p>
+                </p:txBody>
+              </p:sp>
+              <p:sp>
+                <p:nvSpPr>
+                  <p:cNvPr id="89" name="TextBox 88">
+                    <a:extLst>
+                      <a:ext uri="{FF2B5EF4-FFF2-40B4-BE49-F238E27FC236}">
+                        <a16:creationId xmlns:a16="http://schemas.microsoft.com/office/drawing/2014/main" id="{C578B6F3-7AA1-6E18-CA3B-AFE90B3240D3}"/>
+                      </a:ext>
+                    </a:extLst>
+                  </p:cNvPr>
+                  <p:cNvSpPr txBox="1"/>
+                  <p:nvPr/>
+                </p:nvSpPr>
+                <p:spPr>
+                  <a:xfrm>
+                    <a:off x="9141883" y="4764718"/>
+                    <a:ext cx="1778000" cy="338554"/>
+                  </a:xfrm>
+                  <a:prstGeom prst="rect">
+                    <a:avLst/>
+                  </a:prstGeom>
+                  <a:noFill/>
+                </p:spPr>
+                <p:txBody>
+                  <a:bodyPr wrap="square" rtlCol="0">
+                    <a:spAutoFit/>
+                  </a:bodyPr>
+                  <a:lstStyle/>
+                  <a:p>
+                    <a:r>
+                      <a:rPr lang="en-US" altLang="ko-KR" sz="1600" b="1" dirty="0">
+                        <a:latin typeface="JejuGothic" panose="02000300000000000000" pitchFamily="2" charset="-127"/>
+                        <a:ea typeface="JejuGothic" panose="02000300000000000000" pitchFamily="2" charset="-127"/>
+                        <a:cs typeface="Malgun Gothic Semilight" panose="020B0502040204020203" pitchFamily="50" charset="-127"/>
+                      </a:rPr>
+                      <a:t>NEXON </a:t>
+                    </a:r>
+                    <a:r>
+                      <a:rPr lang="ko-KR" altLang="en-US" sz="1600" b="1" dirty="0" err="1">
+                        <a:latin typeface="JejuGothic" panose="02000300000000000000" pitchFamily="2" charset="-127"/>
+                        <a:ea typeface="JejuGothic" panose="02000300000000000000" pitchFamily="2" charset="-127"/>
+                        <a:cs typeface="Malgun Gothic Semilight" panose="020B0502040204020203" pitchFamily="50" charset="-127"/>
+                      </a:rPr>
+                      <a:t>장영재</a:t>
+                    </a:r>
+                    <a:endParaRPr lang="ko-KR" altLang="en-US" sz="1600" b="1" dirty="0">
+                      <a:latin typeface="JejuGothic" panose="02000300000000000000" pitchFamily="2" charset="-127"/>
+                      <a:ea typeface="JejuGothic" panose="02000300000000000000" pitchFamily="2" charset="-127"/>
+                      <a:cs typeface="Malgun Gothic Semilight" panose="020B0502040204020203" pitchFamily="50" charset="-127"/>
+                    </a:endParaRPr>
+                  </a:p>
+                </p:txBody>
+              </p:sp>
+            </p:grpSp>
+            <p:pic>
+              <p:nvPicPr>
+                <p:cNvPr id="3" name="그림 2">
+                  <a:extLst>
+                    <a:ext uri="{FF2B5EF4-FFF2-40B4-BE49-F238E27FC236}">
+                      <a16:creationId xmlns:a16="http://schemas.microsoft.com/office/drawing/2014/main" id="{63367B81-F993-09E4-C791-BAD9AA3192CA}"/>
+                    </a:ext>
+                  </a:extLst>
+                </p:cNvPr>
+                <p:cNvPicPr>
+                  <a:picLocks noChangeAspect="1"/>
+                </p:cNvPicPr>
+                <p:nvPr/>
+              </p:nvPicPr>
+              <p:blipFill rotWithShape="1">
+                <a:blip r:embed="rId3">
+                  <a:extLst>
+                    <a:ext uri="{28A0092B-C50C-407E-A947-70E740481C1C}">
+                      <a14:useLocalDpi xmlns:a14="http://schemas.microsoft.com/office/drawing/2010/main" val="0"/>
+                    </a:ext>
+                  </a:extLst>
+                </a:blip>
+                <a:srcRect l="13117" t="15493" r="12280" b="11649"/>
+                <a:stretch/>
+              </p:blipFill>
               <p:spPr>
                 <a:xfrm>
-                  <a:off x="9143998" y="1996133"/>
-                  <a:ext cx="1858433" cy="338554"/>
+                  <a:off x="2173830" y="2094585"/>
+                  <a:ext cx="279537" cy="252000"/>
+                </a:xfrm>
+                <a:prstGeom prst="rect">
+                  <a:avLst/>
+                </a:prstGeom>
+              </p:spPr>
+            </p:pic>
+            <p:pic>
+              <p:nvPicPr>
+                <p:cNvPr id="8" name="그림 7">
+                  <a:extLst>
+                    <a:ext uri="{FF2B5EF4-FFF2-40B4-BE49-F238E27FC236}">
+                      <a16:creationId xmlns:a16="http://schemas.microsoft.com/office/drawing/2014/main" id="{32576362-C869-FBE5-432A-6AF585E0B669}"/>
+                    </a:ext>
+                  </a:extLst>
+                </p:cNvPr>
+                <p:cNvPicPr>
+                  <a:picLocks noChangeAspect="1"/>
+                </p:cNvPicPr>
+                <p:nvPr/>
+              </p:nvPicPr>
+              <p:blipFill rotWithShape="1">
+                <a:blip r:embed="rId3">
+                  <a:extLst>
+                    <a:ext uri="{28A0092B-C50C-407E-A947-70E740481C1C}">
+                      <a14:useLocalDpi xmlns:a14="http://schemas.microsoft.com/office/drawing/2010/main" val="0"/>
+                    </a:ext>
+                  </a:extLst>
+                </a:blip>
+                <a:srcRect l="13117" t="15493" r="12280" b="11649"/>
+                <a:stretch/>
+              </p:blipFill>
+              <p:spPr>
+                <a:xfrm>
+                  <a:off x="2173830" y="2565159"/>
+                  <a:ext cx="279537" cy="252000"/>
+                </a:xfrm>
+                <a:prstGeom prst="rect">
+                  <a:avLst/>
+                </a:prstGeom>
+              </p:spPr>
+            </p:pic>
+            <p:pic>
+              <p:nvPicPr>
+                <p:cNvPr id="16" name="그림 15">
+                  <a:extLst>
+                    <a:ext uri="{FF2B5EF4-FFF2-40B4-BE49-F238E27FC236}">
+                      <a16:creationId xmlns:a16="http://schemas.microsoft.com/office/drawing/2014/main" id="{40D16107-FFD0-7BEF-388B-585F02EB37D8}"/>
+                    </a:ext>
+                  </a:extLst>
+                </p:cNvPr>
+                <p:cNvPicPr>
+                  <a:picLocks noChangeAspect="1"/>
+                </p:cNvPicPr>
+                <p:nvPr/>
+              </p:nvPicPr>
+              <p:blipFill>
+                <a:blip r:embed="rId4">
+                  <a:extLst>
+                    <a:ext uri="{28A0092B-C50C-407E-A947-70E740481C1C}">
+                      <a14:useLocalDpi xmlns:a14="http://schemas.microsoft.com/office/drawing/2010/main" val="0"/>
+                    </a:ext>
+                  </a:extLst>
+                </a:blip>
+                <a:stretch>
+                  <a:fillRect/>
+                </a:stretch>
+              </p:blipFill>
+              <p:spPr>
+                <a:xfrm>
+                  <a:off x="1990387" y="3006832"/>
+                  <a:ext cx="462980" cy="252000"/>
+                </a:xfrm>
+                <a:prstGeom prst="rect">
+                  <a:avLst/>
+                </a:prstGeom>
+              </p:spPr>
+            </p:pic>
+            <p:pic>
+              <p:nvPicPr>
+                <p:cNvPr id="17" name="Picture 4" descr="카카오스탁MAP X 두나무투자일임 투자세미나 &lt;8인8색 주식 투자 이야기&gt; - 이벤터스">
+                  <a:extLst>
+                    <a:ext uri="{FF2B5EF4-FFF2-40B4-BE49-F238E27FC236}">
+                      <a16:creationId xmlns:a16="http://schemas.microsoft.com/office/drawing/2014/main" id="{A37BCDAE-61BF-BF8B-0FC5-22440C35CD74}"/>
+                    </a:ext>
+                  </a:extLst>
+                </p:cNvPr>
+                <p:cNvPicPr>
+                  <a:picLocks noChangeAspect="1" noChangeArrowheads="1"/>
+                </p:cNvPicPr>
+                <p:nvPr/>
+              </p:nvPicPr>
+              <p:blipFill rotWithShape="1">
+                <a:blip r:embed="rId5">
+                  <a:extLst>
+                    <a:ext uri="{28A0092B-C50C-407E-A947-70E740481C1C}">
+                      <a14:useLocalDpi xmlns:a14="http://schemas.microsoft.com/office/drawing/2010/main" val="0"/>
+                    </a:ext>
+                  </a:extLst>
+                </a:blip>
+                <a:srcRect t="20151" b="21117"/>
+                <a:stretch/>
+              </p:blipFill>
+              <p:spPr bwMode="auto">
+                <a:xfrm>
+                  <a:off x="1690577" y="3943018"/>
+                  <a:ext cx="762790" cy="252000"/>
                 </a:xfrm>
                 <a:prstGeom prst="rect">
                   <a:avLst/>
                 </a:prstGeom>
                 <a:noFill/>
+                <a:extLst>
+                  <a:ext uri="{909E8E84-426E-40DD-AFC4-6F175D3DCCD1}">
+                    <a14:hiddenFill xmlns:a14="http://schemas.microsoft.com/office/drawing/2010/main">
+                      <a:solidFill>
+                        <a:srgbClr val="FFFFFF"/>
+                      </a:solidFill>
+                    </a14:hiddenFill>
+                  </a:ext>
+                </a:extLst>
               </p:spPr>
-              <p:txBody>
-                <a:bodyPr wrap="square" rtlCol="0">
-                  <a:spAutoFit/>
-                </a:bodyPr>
-                <a:lstStyle/>
-                <a:p>
-                  <a:r>
-                    <a:rPr lang="en-US" altLang="ko-KR" sz="1600" b="1" dirty="0">
+            </p:pic>
+            <p:pic>
+              <p:nvPicPr>
+                <p:cNvPr id="18" name="그림 17">
+                  <a:extLst>
+                    <a:ext uri="{FF2B5EF4-FFF2-40B4-BE49-F238E27FC236}">
+                      <a16:creationId xmlns:a16="http://schemas.microsoft.com/office/drawing/2014/main" id="{F600F1FC-7A44-59FA-9904-E4E6A34731F0}"/>
+                    </a:ext>
+                  </a:extLst>
+                </p:cNvPr>
+                <p:cNvPicPr>
+                  <a:picLocks noChangeAspect="1"/>
+                </p:cNvPicPr>
+                <p:nvPr/>
+              </p:nvPicPr>
+              <p:blipFill>
+                <a:blip r:embed="rId6"/>
+                <a:stretch>
+                  <a:fillRect/>
+                </a:stretch>
+              </p:blipFill>
+              <p:spPr>
+                <a:xfrm>
+                  <a:off x="1473508" y="4407351"/>
+                  <a:ext cx="630000" cy="252000"/>
+                </a:xfrm>
+                <a:prstGeom prst="rect">
+                  <a:avLst/>
+                </a:prstGeom>
+              </p:spPr>
+            </p:pic>
+            <p:pic>
+              <p:nvPicPr>
+                <p:cNvPr id="19" name="그림 18">
+                  <a:extLst>
+                    <a:ext uri="{FF2B5EF4-FFF2-40B4-BE49-F238E27FC236}">
+                      <a16:creationId xmlns:a16="http://schemas.microsoft.com/office/drawing/2014/main" id="{1BCB1882-0177-0AFC-48B0-7BA7D879764D}"/>
+                    </a:ext>
+                  </a:extLst>
+                </p:cNvPr>
+                <p:cNvPicPr>
+                  <a:picLocks noChangeAspect="1"/>
+                </p:cNvPicPr>
+                <p:nvPr/>
+              </p:nvPicPr>
+              <p:blipFill>
+                <a:blip r:embed="rId7"/>
+                <a:stretch>
+                  <a:fillRect/>
+                </a:stretch>
+              </p:blipFill>
+              <p:spPr>
+                <a:xfrm>
+                  <a:off x="1624418" y="4871684"/>
+                  <a:ext cx="828949" cy="252000"/>
+                </a:xfrm>
+                <a:prstGeom prst="rect">
+                  <a:avLst/>
+                </a:prstGeom>
+              </p:spPr>
+            </p:pic>
+          </p:grpSp>
+          <p:grpSp>
+            <p:nvGrpSpPr>
+              <p:cNvPr id="24" name="그룹 23">
+                <a:extLst>
+                  <a:ext uri="{FF2B5EF4-FFF2-40B4-BE49-F238E27FC236}">
+                    <a16:creationId xmlns:a16="http://schemas.microsoft.com/office/drawing/2014/main" id="{4345ADF2-05C1-8303-71AC-8BA9B9D735D3}"/>
+                  </a:ext>
+                </a:extLst>
+              </p:cNvPr>
+              <p:cNvGrpSpPr/>
+              <p:nvPr/>
+            </p:nvGrpSpPr>
+            <p:grpSpPr>
+              <a:xfrm>
+                <a:off x="1380103" y="2020232"/>
+                <a:ext cx="6284875" cy="3610495"/>
+                <a:chOff x="1977864" y="2024890"/>
+                <a:chExt cx="6284875" cy="3610495"/>
+              </a:xfrm>
+            </p:grpSpPr>
+            <p:grpSp>
+              <p:nvGrpSpPr>
+                <p:cNvPr id="71" name="그룹 70">
+                  <a:extLst>
+                    <a:ext uri="{FF2B5EF4-FFF2-40B4-BE49-F238E27FC236}">
+                      <a16:creationId xmlns:a16="http://schemas.microsoft.com/office/drawing/2014/main" id="{9236EDFA-12A2-EBF8-B841-4C5D3F458EDD}"/>
+                    </a:ext>
+                  </a:extLst>
+                </p:cNvPr>
+                <p:cNvGrpSpPr/>
+                <p:nvPr/>
+              </p:nvGrpSpPr>
+              <p:grpSpPr>
+                <a:xfrm>
+                  <a:off x="3040785" y="2024890"/>
+                  <a:ext cx="5221954" cy="3610495"/>
+                  <a:chOff x="6183511" y="1954050"/>
+                  <a:chExt cx="5221954" cy="3610495"/>
+                </a:xfrm>
+              </p:grpSpPr>
+              <p:sp>
+                <p:nvSpPr>
+                  <p:cNvPr id="63" name="TextBox 62">
+                    <a:extLst>
+                      <a:ext uri="{FF2B5EF4-FFF2-40B4-BE49-F238E27FC236}">
+                        <a16:creationId xmlns:a16="http://schemas.microsoft.com/office/drawing/2014/main" id="{A3AC17F7-4927-30AE-9B92-306FE4AF6429}"/>
+                      </a:ext>
+                    </a:extLst>
+                  </p:cNvPr>
+                  <p:cNvSpPr txBox="1"/>
+                  <p:nvPr/>
+                </p:nvSpPr>
+                <p:spPr>
+                  <a:xfrm>
+                    <a:off x="6183511" y="5225991"/>
+                    <a:ext cx="1858433" cy="338554"/>
+                  </a:xfrm>
+                  <a:prstGeom prst="rect">
+                    <a:avLst/>
+                  </a:prstGeom>
+                  <a:noFill/>
+                </p:spPr>
+                <p:txBody>
+                  <a:bodyPr wrap="square" rtlCol="0">
+                    <a:spAutoFit/>
+                  </a:bodyPr>
+                  <a:lstStyle/>
+                  <a:p>
+                    <a:r>
+                      <a:rPr lang="en-US" altLang="ko-KR" sz="1600" b="1" dirty="0">
+                        <a:latin typeface="JejuGothic" panose="02000300000000000000" pitchFamily="2" charset="-127"/>
+                        <a:ea typeface="JejuGothic" panose="02000300000000000000" pitchFamily="2" charset="-127"/>
+                        <a:cs typeface="Malgun Gothic Semilight" panose="020B0502040204020203" pitchFamily="50" charset="-127"/>
+                      </a:rPr>
+                      <a:t>HYUNDAI </a:t>
+                    </a:r>
+                    <a:r>
+                      <a:rPr lang="ko-KR" altLang="en-US" sz="1600" b="1" dirty="0" err="1">
+                        <a:latin typeface="JejuGothic" panose="02000300000000000000" pitchFamily="2" charset="-127"/>
+                        <a:ea typeface="JejuGothic" panose="02000300000000000000" pitchFamily="2" charset="-127"/>
+                        <a:cs typeface="Malgun Gothic Semilight" panose="020B0502040204020203" pitchFamily="50" charset="-127"/>
+                      </a:rPr>
+                      <a:t>유재아</a:t>
+                    </a:r>
+                    <a:endParaRPr lang="ko-KR" altLang="en-US" sz="1600" b="1" dirty="0">
                       <a:latin typeface="JejuGothic" panose="02000300000000000000" pitchFamily="2" charset="-127"/>
                       <a:ea typeface="JejuGothic" panose="02000300000000000000" pitchFamily="2" charset="-127"/>
                       <a:cs typeface="Malgun Gothic Semilight" panose="020B0502040204020203" pitchFamily="50" charset="-127"/>
-                    </a:rPr>
-                    <a:t>HYUNDAI </a:t>
-                  </a:r>
-                  <a:r>
-                    <a:rPr lang="ko-KR" altLang="en-US" sz="1600" b="1" dirty="0" err="1">
+                    </a:endParaRPr>
+                  </a:p>
+                </p:txBody>
+              </p:sp>
+              <p:sp>
+                <p:nvSpPr>
+                  <p:cNvPr id="64" name="TextBox 63">
+                    <a:extLst>
+                      <a:ext uri="{FF2B5EF4-FFF2-40B4-BE49-F238E27FC236}">
+                        <a16:creationId xmlns:a16="http://schemas.microsoft.com/office/drawing/2014/main" id="{05AB733D-3358-4D64-4364-24EE3AF06E6C}"/>
+                      </a:ext>
+                    </a:extLst>
+                  </p:cNvPr>
+                  <p:cNvSpPr txBox="1"/>
+                  <p:nvPr/>
+                </p:nvSpPr>
+                <p:spPr>
+                  <a:xfrm>
+                    <a:off x="9135147" y="1954050"/>
+                    <a:ext cx="1778000" cy="338554"/>
+                  </a:xfrm>
+                  <a:prstGeom prst="rect">
+                    <a:avLst/>
+                  </a:prstGeom>
+                  <a:noFill/>
+                </p:spPr>
+                <p:txBody>
+                  <a:bodyPr wrap="square" rtlCol="0">
+                    <a:spAutoFit/>
+                  </a:bodyPr>
+                  <a:lstStyle/>
+                  <a:p>
+                    <a:r>
+                      <a:rPr lang="en-US" altLang="ko-KR" sz="1600" b="1" dirty="0">
+                        <a:latin typeface="JejuGothic" panose="02000300000000000000" pitchFamily="2" charset="-127"/>
+                        <a:ea typeface="JejuGothic" panose="02000300000000000000" pitchFamily="2" charset="-127"/>
+                        <a:cs typeface="Malgun Gothic Semilight" panose="020B0502040204020203" pitchFamily="50" charset="-127"/>
+                      </a:rPr>
+                      <a:t>KT</a:t>
+                    </a:r>
+                    <a:r>
+                      <a:rPr lang="ko-KR" altLang="en-US" sz="1600" b="1" dirty="0">
+                        <a:latin typeface="JejuGothic" panose="02000300000000000000" pitchFamily="2" charset="-127"/>
+                        <a:ea typeface="JejuGothic" panose="02000300000000000000" pitchFamily="2" charset="-127"/>
+                        <a:cs typeface="Malgun Gothic Semilight" panose="020B0502040204020203" pitchFamily="50" charset="-127"/>
+                      </a:rPr>
+                      <a:t> </a:t>
+                    </a:r>
+                    <a:r>
+                      <a:rPr lang="ko-KR" altLang="en-US" sz="1600" b="1" dirty="0" err="1">
+                        <a:latin typeface="JejuGothic" panose="02000300000000000000" pitchFamily="2" charset="-127"/>
+                        <a:ea typeface="JejuGothic" panose="02000300000000000000" pitchFamily="2" charset="-127"/>
+                        <a:cs typeface="Malgun Gothic Semilight" panose="020B0502040204020203" pitchFamily="50" charset="-127"/>
+                      </a:rPr>
+                      <a:t>이홍희</a:t>
+                    </a:r>
+                    <a:endParaRPr lang="ko-KR" altLang="en-US" sz="1600" b="1" dirty="0">
                       <a:latin typeface="JejuGothic" panose="02000300000000000000" pitchFamily="2" charset="-127"/>
                       <a:ea typeface="JejuGothic" panose="02000300000000000000" pitchFamily="2" charset="-127"/>
                       <a:cs typeface="Malgun Gothic Semilight" panose="020B0502040204020203" pitchFamily="50" charset="-127"/>
-                    </a:rPr>
-                    <a:t>유재아</a:t>
-                  </a:r>
-                  <a:endParaRPr lang="ko-KR" altLang="en-US" sz="1600" b="1" dirty="0">
-                    <a:latin typeface="JejuGothic" panose="02000300000000000000" pitchFamily="2" charset="-127"/>
-                    <a:ea typeface="JejuGothic" panose="02000300000000000000" pitchFamily="2" charset="-127"/>
-                    <a:cs typeface="Malgun Gothic Semilight" panose="020B0502040204020203" pitchFamily="50" charset="-127"/>
-                  </a:endParaRPr>
-                </a:p>
-              </p:txBody>
-            </p:sp>
-            <p:sp>
-              <p:nvSpPr>
-                <p:cNvPr id="64" name="TextBox 63">
+                    </a:endParaRPr>
+                  </a:p>
+                </p:txBody>
+              </p:sp>
+              <p:sp>
+                <p:nvSpPr>
+                  <p:cNvPr id="65" name="TextBox 64">
+                    <a:extLst>
+                      <a:ext uri="{FF2B5EF4-FFF2-40B4-BE49-F238E27FC236}">
+                        <a16:creationId xmlns:a16="http://schemas.microsoft.com/office/drawing/2014/main" id="{7211B888-DFF7-982A-4AEF-A85FA6A0BC69}"/>
+                      </a:ext>
+                    </a:extLst>
+                  </p:cNvPr>
+                  <p:cNvSpPr txBox="1"/>
+                  <p:nvPr/>
+                </p:nvSpPr>
+                <p:spPr>
+                  <a:xfrm>
+                    <a:off x="9135147" y="2418710"/>
+                    <a:ext cx="2270318" cy="338554"/>
+                  </a:xfrm>
+                  <a:prstGeom prst="rect">
+                    <a:avLst/>
+                  </a:prstGeom>
+                  <a:noFill/>
+                </p:spPr>
+                <p:txBody>
+                  <a:bodyPr wrap="square" rtlCol="0">
+                    <a:spAutoFit/>
+                  </a:bodyPr>
+                  <a:lstStyle/>
+                  <a:p>
+                    <a:r>
+                      <a:rPr lang="ko-KR" altLang="en-US" sz="1600" b="1" dirty="0">
+                        <a:latin typeface="JejuGothic" panose="02000300000000000000" pitchFamily="2" charset="-127"/>
+                        <a:ea typeface="JejuGothic" panose="02000300000000000000" pitchFamily="2" charset="-127"/>
+                        <a:cs typeface="Malgun Gothic Semilight" panose="020B0502040204020203" pitchFamily="50" charset="-127"/>
+                      </a:rPr>
+                      <a:t>삼성전자</a:t>
+                    </a:r>
+                    <a:r>
+                      <a:rPr lang="en-US" altLang="ko-KR" sz="1600" b="1" dirty="0">
+                        <a:latin typeface="JejuGothic" panose="02000300000000000000" pitchFamily="2" charset="-127"/>
+                        <a:ea typeface="JejuGothic" panose="02000300000000000000" pitchFamily="2" charset="-127"/>
+                        <a:cs typeface="Malgun Gothic Semilight" panose="020B0502040204020203" pitchFamily="50" charset="-127"/>
+                      </a:rPr>
+                      <a:t> </a:t>
+                    </a:r>
+                    <a:r>
+                      <a:rPr lang="ko-KR" altLang="en-US" sz="1600" b="1" dirty="0">
+                        <a:latin typeface="JejuGothic" panose="02000300000000000000" pitchFamily="2" charset="-127"/>
+                        <a:ea typeface="JejuGothic" panose="02000300000000000000" pitchFamily="2" charset="-127"/>
+                        <a:cs typeface="Malgun Gothic Semilight" panose="020B0502040204020203" pitchFamily="50" charset="-127"/>
+                      </a:rPr>
+                      <a:t>김진영</a:t>
+                    </a:r>
+                  </a:p>
+                </p:txBody>
+              </p:sp>
+              <p:sp>
+                <p:nvSpPr>
+                  <p:cNvPr id="66" name="TextBox 65">
+                    <a:extLst>
+                      <a:ext uri="{FF2B5EF4-FFF2-40B4-BE49-F238E27FC236}">
+                        <a16:creationId xmlns:a16="http://schemas.microsoft.com/office/drawing/2014/main" id="{F40729F9-6C38-C3D4-D302-1F732B2D95E1}"/>
+                      </a:ext>
+                    </a:extLst>
+                  </p:cNvPr>
+                  <p:cNvSpPr txBox="1"/>
+                  <p:nvPr/>
+                </p:nvSpPr>
+                <p:spPr>
+                  <a:xfrm>
+                    <a:off x="9135147" y="2884366"/>
+                    <a:ext cx="2207912" cy="338554"/>
+                  </a:xfrm>
+                  <a:prstGeom prst="rect">
+                    <a:avLst/>
+                  </a:prstGeom>
+                  <a:noFill/>
+                </p:spPr>
+                <p:txBody>
+                  <a:bodyPr wrap="square" rtlCol="0">
+                    <a:spAutoFit/>
+                  </a:bodyPr>
+                  <a:lstStyle/>
+                  <a:p>
+                    <a:r>
+                      <a:rPr lang="ko-KR" altLang="en-US" sz="1600" b="1" dirty="0">
+                        <a:latin typeface="JejuGothic" panose="02000300000000000000" pitchFamily="2" charset="-127"/>
+                        <a:ea typeface="JejuGothic" panose="02000300000000000000" pitchFamily="2" charset="-127"/>
+                        <a:cs typeface="Malgun Gothic Semilight" panose="020B0502040204020203" pitchFamily="50" charset="-127"/>
+                      </a:rPr>
+                      <a:t>삼성</a:t>
+                    </a:r>
+                    <a:r>
+                      <a:rPr lang="en-US" altLang="ko-KR" sz="1600" b="1" dirty="0">
+                        <a:latin typeface="JejuGothic" panose="02000300000000000000" pitchFamily="2" charset="-127"/>
+                        <a:ea typeface="JejuGothic" panose="02000300000000000000" pitchFamily="2" charset="-127"/>
+                        <a:cs typeface="Malgun Gothic Semilight" panose="020B0502040204020203" pitchFamily="50" charset="-127"/>
+                      </a:rPr>
+                      <a:t> Research </a:t>
+                    </a:r>
+                    <a:r>
+                      <a:rPr lang="ko-KR" altLang="en-US" sz="1600" b="1" dirty="0" err="1">
+                        <a:latin typeface="JejuGothic" panose="02000300000000000000" pitchFamily="2" charset="-127"/>
+                        <a:ea typeface="JejuGothic" panose="02000300000000000000" pitchFamily="2" charset="-127"/>
+                        <a:cs typeface="Malgun Gothic Semilight" panose="020B0502040204020203" pitchFamily="50" charset="-127"/>
+                      </a:rPr>
+                      <a:t>박지열</a:t>
+                    </a:r>
+                    <a:endParaRPr lang="ko-KR" altLang="en-US" sz="1600" b="1" dirty="0">
+                      <a:latin typeface="JejuGothic" panose="02000300000000000000" pitchFamily="2" charset="-127"/>
+                      <a:ea typeface="JejuGothic" panose="02000300000000000000" pitchFamily="2" charset="-127"/>
+                      <a:cs typeface="Malgun Gothic Semilight" panose="020B0502040204020203" pitchFamily="50" charset="-127"/>
+                    </a:endParaRPr>
+                  </a:p>
+                </p:txBody>
+              </p:sp>
+            </p:grpSp>
+            <p:pic>
+              <p:nvPicPr>
+                <p:cNvPr id="13" name="그림 12">
                   <a:extLst>
                     <a:ext uri="{FF2B5EF4-FFF2-40B4-BE49-F238E27FC236}">
-                      <a16:creationId xmlns:a16="http://schemas.microsoft.com/office/drawing/2014/main" id="{05AB733D-3358-4D64-4364-24EE3AF06E6C}"/>
+                      <a16:creationId xmlns:a16="http://schemas.microsoft.com/office/drawing/2014/main" id="{C521EB37-6593-07FB-76C0-000CA8CC6996}"/>
                     </a:ext>
                   </a:extLst>
                 </p:cNvPr>
-                <p:cNvSpPr txBox="1"/>
+                <p:cNvPicPr>
+                  <a:picLocks noChangeAspect="1"/>
+                </p:cNvPicPr>
                 <p:nvPr/>
-              </p:nvSpPr>
+              </p:nvPicPr>
+              <p:blipFill rotWithShape="1">
+                <a:blip r:embed="rId3">
+                  <a:extLst>
+                    <a:ext uri="{28A0092B-C50C-407E-A947-70E740481C1C}">
+                      <a14:useLocalDpi xmlns:a14="http://schemas.microsoft.com/office/drawing/2010/main" val="0"/>
+                    </a:ext>
+                  </a:extLst>
+                </a:blip>
+                <a:srcRect l="13117" t="15493" r="12280" b="11649"/>
+                <a:stretch/>
+              </p:blipFill>
               <p:spPr>
                 <a:xfrm>
-                  <a:off x="9143999" y="2460793"/>
-                  <a:ext cx="1778000" cy="338554"/>
+                  <a:off x="5712677" y="2067284"/>
+                  <a:ext cx="279537" cy="252000"/>
+                </a:xfrm>
+                <a:prstGeom prst="rect">
+                  <a:avLst/>
+                </a:prstGeom>
+              </p:spPr>
+            </p:pic>
+            <p:pic>
+              <p:nvPicPr>
+                <p:cNvPr id="14" name="Picture 10">
+                  <a:extLst>
+                    <a:ext uri="{FF2B5EF4-FFF2-40B4-BE49-F238E27FC236}">
+                      <a16:creationId xmlns:a16="http://schemas.microsoft.com/office/drawing/2014/main" id="{ECEFDE85-1E72-128F-881F-B91B9FDF94B1}"/>
+                    </a:ext>
+                  </a:extLst>
+                </p:cNvPr>
+                <p:cNvPicPr>
+                  <a:picLocks noChangeAspect="1" noChangeArrowheads="1"/>
+                </p:cNvPicPr>
+                <p:nvPr/>
+              </p:nvPicPr>
+              <p:blipFill>
+                <a:blip r:embed="rId8">
+                  <a:extLst>
+                    <a:ext uri="{28A0092B-C50C-407E-A947-70E740481C1C}">
+                      <a14:useLocalDpi xmlns:a14="http://schemas.microsoft.com/office/drawing/2010/main" val="0"/>
+                    </a:ext>
+                  </a:extLst>
+                </a:blip>
+                <a:srcRect/>
+                <a:stretch>
+                  <a:fillRect/>
+                </a:stretch>
+              </p:blipFill>
+              <p:spPr bwMode="auto">
+                <a:xfrm>
+                  <a:off x="1977864" y="3479759"/>
+                  <a:ext cx="758967" cy="252000"/>
                 </a:xfrm>
                 <a:prstGeom prst="rect">
                   <a:avLst/>
                 </a:prstGeom>
                 <a:noFill/>
+                <a:extLst>
+                  <a:ext uri="{909E8E84-426E-40DD-AFC4-6F175D3DCCD1}">
+                    <a14:hiddenFill xmlns:a14="http://schemas.microsoft.com/office/drawing/2010/main">
+                      <a:solidFill>
+                        <a:srgbClr val="FFFFFF"/>
+                      </a:solidFill>
+                    </a14:hiddenFill>
+                  </a:ext>
+                </a:extLst>
               </p:spPr>
-              <p:txBody>
-                <a:bodyPr wrap="square" rtlCol="0">
-                  <a:spAutoFit/>
-                </a:bodyPr>
-                <a:lstStyle/>
-                <a:p>
-                  <a:r>
-                    <a:rPr lang="en-US" altLang="ko-KR" sz="1600" b="1" dirty="0">
-                      <a:latin typeface="JejuGothic" panose="02000300000000000000" pitchFamily="2" charset="-127"/>
-                      <a:ea typeface="JejuGothic" panose="02000300000000000000" pitchFamily="2" charset="-127"/>
-                      <a:cs typeface="Malgun Gothic Semilight" panose="020B0502040204020203" pitchFamily="50" charset="-127"/>
-                    </a:rPr>
-                    <a:t>KT</a:t>
-                  </a:r>
-                  <a:r>
-                    <a:rPr lang="ko-KR" altLang="en-US" sz="1600" b="1" dirty="0">
-                      <a:latin typeface="JejuGothic" panose="02000300000000000000" pitchFamily="2" charset="-127"/>
-                      <a:ea typeface="JejuGothic" panose="02000300000000000000" pitchFamily="2" charset="-127"/>
-                      <a:cs typeface="Malgun Gothic Semilight" panose="020B0502040204020203" pitchFamily="50" charset="-127"/>
-                    </a:rPr>
-                    <a:t> </a:t>
-                  </a:r>
-                  <a:r>
-                    <a:rPr lang="ko-KR" altLang="en-US" sz="1600" b="1" dirty="0" err="1">
-                      <a:latin typeface="JejuGothic" panose="02000300000000000000" pitchFamily="2" charset="-127"/>
-                      <a:ea typeface="JejuGothic" panose="02000300000000000000" pitchFamily="2" charset="-127"/>
-                      <a:cs typeface="Malgun Gothic Semilight" panose="020B0502040204020203" pitchFamily="50" charset="-127"/>
-                    </a:rPr>
-                    <a:t>이홍희</a:t>
-                  </a:r>
-                  <a:endParaRPr lang="ko-KR" altLang="en-US" sz="1600" b="1" dirty="0">
-                    <a:latin typeface="JejuGothic" panose="02000300000000000000" pitchFamily="2" charset="-127"/>
-                    <a:ea typeface="JejuGothic" panose="02000300000000000000" pitchFamily="2" charset="-127"/>
-                    <a:cs typeface="Malgun Gothic Semilight" panose="020B0502040204020203" pitchFamily="50" charset="-127"/>
-                  </a:endParaRPr>
-                </a:p>
-              </p:txBody>
-            </p:sp>
-            <p:sp>
-              <p:nvSpPr>
-                <p:cNvPr id="65" name="TextBox 64">
+            </p:pic>
+            <p:pic>
+              <p:nvPicPr>
+                <p:cNvPr id="22" name="그림 21" descr="로고, 폰트, 그래픽, 텍스트이(가) 표시된 사진&#10;&#10;AI 생성 콘텐츠는 정확하지 않을 수 있습니다.">
                   <a:extLst>
                     <a:ext uri="{FF2B5EF4-FFF2-40B4-BE49-F238E27FC236}">
-                      <a16:creationId xmlns:a16="http://schemas.microsoft.com/office/drawing/2014/main" id="{7211B888-DFF7-982A-4AEF-A85FA6A0BC69}"/>
+                      <a16:creationId xmlns:a16="http://schemas.microsoft.com/office/drawing/2014/main" id="{710DFF66-75EF-4899-1537-70BEC75A3D93}"/>
                     </a:ext>
                   </a:extLst>
                 </p:cNvPr>
-                <p:cNvSpPr txBox="1"/>
+                <p:cNvPicPr>
+                  <a:picLocks noChangeAspect="1"/>
+                </p:cNvPicPr>
                 <p:nvPr/>
-              </p:nvSpPr>
+              </p:nvPicPr>
+              <p:blipFill>
+                <a:blip r:embed="rId9">
+                  <a:extLst>
+                    <a:ext uri="{28A0092B-C50C-407E-A947-70E740481C1C}">
+                      <a14:useLocalDpi xmlns:a14="http://schemas.microsoft.com/office/drawing/2010/main" val="0"/>
+                    </a:ext>
+                  </a:extLst>
+                </a:blip>
+                <a:stretch>
+                  <a:fillRect/>
+                </a:stretch>
+              </p:blipFill>
               <p:spPr>
                 <a:xfrm>
-                  <a:off x="9143999" y="2925453"/>
-                  <a:ext cx="2270318" cy="338554"/>
+                  <a:off x="5267468" y="3362268"/>
+                  <a:ext cx="741819" cy="360000"/>
                 </a:xfrm>
                 <a:prstGeom prst="rect">
                   <a:avLst/>
                 </a:prstGeom>
-                <a:noFill/>
               </p:spPr>
-              <p:txBody>
-                <a:bodyPr wrap="square" rtlCol="0">
-                  <a:spAutoFit/>
-                </a:bodyPr>
-                <a:lstStyle/>
-                <a:p>
-                  <a:r>
-                    <a:rPr lang="ko-KR" altLang="en-US" sz="1600" b="1" dirty="0">
-                      <a:latin typeface="JejuGothic" panose="02000300000000000000" pitchFamily="2" charset="-127"/>
-                      <a:ea typeface="JejuGothic" panose="02000300000000000000" pitchFamily="2" charset="-127"/>
-                      <a:cs typeface="Malgun Gothic Semilight" panose="020B0502040204020203" pitchFamily="50" charset="-127"/>
-                    </a:rPr>
-                    <a:t>삼성전자</a:t>
-                  </a:r>
-                  <a:r>
-                    <a:rPr lang="en-US" altLang="ko-KR" sz="1600" b="1" dirty="0">
-                      <a:latin typeface="JejuGothic" panose="02000300000000000000" pitchFamily="2" charset="-127"/>
-                      <a:ea typeface="JejuGothic" panose="02000300000000000000" pitchFamily="2" charset="-127"/>
-                      <a:cs typeface="Malgun Gothic Semilight" panose="020B0502040204020203" pitchFamily="50" charset="-127"/>
-                    </a:rPr>
-                    <a:t> </a:t>
-                  </a:r>
-                  <a:r>
-                    <a:rPr lang="ko-KR" altLang="en-US" sz="1600" b="1" dirty="0">
-                      <a:latin typeface="JejuGothic" panose="02000300000000000000" pitchFamily="2" charset="-127"/>
-                      <a:ea typeface="JejuGothic" panose="02000300000000000000" pitchFamily="2" charset="-127"/>
-                      <a:cs typeface="Malgun Gothic Semilight" panose="020B0502040204020203" pitchFamily="50" charset="-127"/>
-                    </a:rPr>
-                    <a:t>김진영</a:t>
-                  </a:r>
-                </a:p>
-              </p:txBody>
-            </p:sp>
-            <p:sp>
-              <p:nvSpPr>
-                <p:cNvPr id="66" name="TextBox 65">
+            </p:pic>
+            <p:pic>
+              <p:nvPicPr>
+                <p:cNvPr id="23" name="Picture 56">
                   <a:extLst>
                     <a:ext uri="{FF2B5EF4-FFF2-40B4-BE49-F238E27FC236}">
-                      <a16:creationId xmlns:a16="http://schemas.microsoft.com/office/drawing/2014/main" id="{F40729F9-6C38-C3D4-D302-1F732B2D95E1}"/>
+                      <a16:creationId xmlns:a16="http://schemas.microsoft.com/office/drawing/2014/main" id="{C6069C26-9210-0E0D-393B-E9182D0FC083}"/>
                     </a:ext>
                   </a:extLst>
                 </p:cNvPr>
-                <p:cNvSpPr txBox="1"/>
+                <p:cNvPicPr>
+                  <a:picLocks noChangeAspect="1"/>
+                </p:cNvPicPr>
                 <p:nvPr/>
-              </p:nvSpPr>
+              </p:nvPicPr>
+              <p:blipFill>
+                <a:blip r:embed="rId10"/>
+                <a:stretch>
+                  <a:fillRect/>
+                </a:stretch>
+              </p:blipFill>
               <p:spPr>
                 <a:xfrm>
-                  <a:off x="9143999" y="3391109"/>
-                  <a:ext cx="2207912" cy="338554"/>
+                  <a:off x="2170133" y="5339510"/>
+                  <a:ext cx="870652" cy="252000"/>
                 </a:xfrm>
                 <a:prstGeom prst="rect">
                   <a:avLst/>
                 </a:prstGeom>
-                <a:noFill/>
               </p:spPr>
-              <p:txBody>
-                <a:bodyPr wrap="square" rtlCol="0">
-                  <a:spAutoFit/>
-                </a:bodyPr>
-                <a:lstStyle/>
-                <a:p>
-                  <a:r>
-                    <a:rPr lang="ko-KR" altLang="en-US" sz="1600" b="1" dirty="0">
-                      <a:latin typeface="JejuGothic" panose="02000300000000000000" pitchFamily="2" charset="-127"/>
-                      <a:ea typeface="JejuGothic" panose="02000300000000000000" pitchFamily="2" charset="-127"/>
-                      <a:cs typeface="Malgun Gothic Semilight" panose="020B0502040204020203" pitchFamily="50" charset="-127"/>
-                    </a:rPr>
-                    <a:t>삼성</a:t>
-                  </a:r>
-                  <a:r>
-                    <a:rPr lang="en-US" altLang="ko-KR" sz="1600" b="1" dirty="0">
-                      <a:latin typeface="JejuGothic" panose="02000300000000000000" pitchFamily="2" charset="-127"/>
-                      <a:ea typeface="JejuGothic" panose="02000300000000000000" pitchFamily="2" charset="-127"/>
-                      <a:cs typeface="Malgun Gothic Semilight" panose="020B0502040204020203" pitchFamily="50" charset="-127"/>
-                    </a:rPr>
-                    <a:t> Research </a:t>
-                  </a:r>
-                  <a:r>
-                    <a:rPr lang="ko-KR" altLang="en-US" sz="1600" b="1" dirty="0" err="1">
-                      <a:latin typeface="JejuGothic" panose="02000300000000000000" pitchFamily="2" charset="-127"/>
-                      <a:ea typeface="JejuGothic" panose="02000300000000000000" pitchFamily="2" charset="-127"/>
-                      <a:cs typeface="Malgun Gothic Semilight" panose="020B0502040204020203" pitchFamily="50" charset="-127"/>
-                    </a:rPr>
-                    <a:t>박지열</a:t>
-                  </a:r>
-                  <a:endParaRPr lang="ko-KR" altLang="en-US" sz="1600" b="1" dirty="0">
-                    <a:latin typeface="JejuGothic" panose="02000300000000000000" pitchFamily="2" charset="-127"/>
-                    <a:ea typeface="JejuGothic" panose="02000300000000000000" pitchFamily="2" charset="-127"/>
-                    <a:cs typeface="Malgun Gothic Semilight" panose="020B0502040204020203" pitchFamily="50" charset="-127"/>
-                  </a:endParaRPr>
-                </a:p>
-              </p:txBody>
-            </p:sp>
+            </p:pic>
           </p:grpSp>
-          <p:pic>
-            <p:nvPicPr>
-              <p:cNvPr id="13" name="그림 12">
+          <p:sp>
+            <p:nvSpPr>
+              <p:cNvPr id="15" name="TextBox 14">
                 <a:extLst>
                   <a:ext uri="{FF2B5EF4-FFF2-40B4-BE49-F238E27FC236}">
-                    <a16:creationId xmlns:a16="http://schemas.microsoft.com/office/drawing/2014/main" id="{C521EB37-6593-07FB-76C0-000CA8CC6996}"/>
+                    <a16:creationId xmlns:a16="http://schemas.microsoft.com/office/drawing/2014/main" id="{5E929C57-807C-24AC-8457-9E1D780E5AE0}"/>
                   </a:ext>
                 </a:extLst>
               </p:cNvPr>
-              <p:cNvPicPr>
-                <a:picLocks noChangeAspect="1"/>
-              </p:cNvPicPr>
+              <p:cNvSpPr txBox="1"/>
               <p:nvPr/>
-            </p:nvPicPr>
-            <p:blipFill rotWithShape="1">
-              <a:blip r:embed="rId3">
-                <a:extLst>
-                  <a:ext uri="{28A0092B-C50C-407E-A947-70E740481C1C}">
-                    <a14:useLocalDpi xmlns:a14="http://schemas.microsoft.com/office/drawing/2010/main" val="0"/>
-                  </a:ext>
-                </a:extLst>
-              </a:blip>
-              <a:srcRect l="13117" t="15493" r="12280" b="11649"/>
-              <a:stretch/>
-            </p:blipFill>
+            </p:nvSpPr>
             <p:spPr>
               <a:xfrm>
-                <a:off x="5721529" y="2574027"/>
-                <a:ext cx="279537" cy="252000"/>
+                <a:off x="5394659" y="3365553"/>
+                <a:ext cx="1858433" cy="338554"/>
               </a:xfrm>
               <a:prstGeom prst="rect">
                 <a:avLst/>
               </a:prstGeom>
+              <a:noFill/>
             </p:spPr>
-          </p:pic>
+            <p:txBody>
+              <a:bodyPr wrap="square" rtlCol="0">
+                <a:spAutoFit/>
+              </a:bodyPr>
+              <a:lstStyle/>
+              <a:p>
+                <a:r>
+                  <a:rPr lang="en-US" altLang="ko-KR" sz="1600" b="1" dirty="0">
+                    <a:latin typeface="JejuGothic" panose="02000300000000000000" pitchFamily="2" charset="-127"/>
+                    <a:ea typeface="JejuGothic" panose="02000300000000000000" pitchFamily="2" charset="-127"/>
+                    <a:cs typeface="Malgun Gothic Semilight" panose="020B0502040204020203" pitchFamily="50" charset="-127"/>
+                  </a:rPr>
+                  <a:t>LOTTE </a:t>
+                </a:r>
+                <a:r>
+                  <a:rPr lang="ko-KR" altLang="en-US" sz="1600" b="1" dirty="0" err="1">
+                    <a:latin typeface="JejuGothic" panose="02000300000000000000" pitchFamily="2" charset="-127"/>
+                    <a:ea typeface="JejuGothic" panose="02000300000000000000" pitchFamily="2" charset="-127"/>
+                    <a:cs typeface="Malgun Gothic Semilight" panose="020B0502040204020203" pitchFamily="50" charset="-127"/>
+                  </a:rPr>
+                  <a:t>신승민</a:t>
+                </a:r>
+                <a:endParaRPr lang="ko-KR" altLang="en-US" sz="1600" b="1" dirty="0">
+                  <a:latin typeface="JejuGothic" panose="02000300000000000000" pitchFamily="2" charset="-127"/>
+                  <a:ea typeface="JejuGothic" panose="02000300000000000000" pitchFamily="2" charset="-127"/>
+                  <a:cs typeface="Malgun Gothic Semilight" panose="020B0502040204020203" pitchFamily="50" charset="-127"/>
+                </a:endParaRPr>
+              </a:p>
+            </p:txBody>
+          </p:sp>
           <p:pic>
             <p:nvPicPr>
-              <p:cNvPr id="14" name="Picture 10">
+              <p:cNvPr id="21" name="Picture 10">
                 <a:extLst>
                   <a:ext uri="{FF2B5EF4-FFF2-40B4-BE49-F238E27FC236}">
-                    <a16:creationId xmlns:a16="http://schemas.microsoft.com/office/drawing/2014/main" id="{ECEFDE85-1E72-128F-881F-B91B9FDF94B1}"/>
+                    <a16:creationId xmlns:a16="http://schemas.microsoft.com/office/drawing/2014/main" id="{48AC19E2-3353-9EEA-9FE0-E847CDB0AA41}"/>
                   </a:ext>
                 </a:extLst>
               </p:cNvPr>
@@ -8693,7 +8770,7 @@
             </p:blipFill>
             <p:spPr bwMode="auto">
               <a:xfrm>
-                <a:off x="5242099" y="3511162"/>
+                <a:off x="4652559" y="2530968"/>
                 <a:ext cx="758967" cy="252000"/>
               </a:xfrm>
               <a:prstGeom prst="rect">
@@ -8711,79 +8788,13 @@
               </a:extLst>
             </p:spPr>
           </p:pic>
-          <p:pic>
-            <p:nvPicPr>
-              <p:cNvPr id="22" name="그림 21" descr="로고, 폰트, 그래픽, 텍스트이(가) 표시된 사진&#10;&#10;AI 생성 콘텐츠는 정확하지 않을 수 있습니다.">
-                <a:extLst>
-                  <a:ext uri="{FF2B5EF4-FFF2-40B4-BE49-F238E27FC236}">
-                    <a16:creationId xmlns:a16="http://schemas.microsoft.com/office/drawing/2014/main" id="{710DFF66-75EF-4899-1537-70BEC75A3D93}"/>
-                  </a:ext>
-                </a:extLst>
-              </p:cNvPr>
-              <p:cNvPicPr>
-                <a:picLocks noChangeAspect="1"/>
-              </p:cNvPicPr>
-              <p:nvPr/>
-            </p:nvPicPr>
-            <p:blipFill>
-              <a:blip r:embed="rId9">
-                <a:extLst>
-                  <a:ext uri="{28A0092B-C50C-407E-A947-70E740481C1C}">
-                    <a14:useLocalDpi xmlns:a14="http://schemas.microsoft.com/office/drawing/2010/main" val="0"/>
-                  </a:ext>
-                </a:extLst>
-              </a:blip>
-              <a:stretch>
-                <a:fillRect/>
-              </a:stretch>
-            </p:blipFill>
-            <p:spPr>
-              <a:xfrm>
-                <a:off x="5276320" y="3869011"/>
-                <a:ext cx="741819" cy="360000"/>
-              </a:xfrm>
-              <a:prstGeom prst="rect">
-                <a:avLst/>
-              </a:prstGeom>
-            </p:spPr>
-          </p:pic>
-          <p:pic>
-            <p:nvPicPr>
-              <p:cNvPr id="23" name="Picture 56">
-                <a:extLst>
-                  <a:ext uri="{FF2B5EF4-FFF2-40B4-BE49-F238E27FC236}">
-                    <a16:creationId xmlns:a16="http://schemas.microsoft.com/office/drawing/2014/main" id="{C6069C26-9210-0E0D-393B-E9182D0FC083}"/>
-                  </a:ext>
-                </a:extLst>
-              </p:cNvPr>
-              <p:cNvPicPr>
-                <a:picLocks noChangeAspect="1"/>
-              </p:cNvPicPr>
-              <p:nvPr/>
-            </p:nvPicPr>
-            <p:blipFill>
-              <a:blip r:embed="rId10"/>
-              <a:stretch>
-                <a:fillRect/>
-              </a:stretch>
-            </p:blipFill>
-            <p:spPr>
-              <a:xfrm>
-                <a:off x="5130620" y="2109652"/>
-                <a:ext cx="870652" cy="252000"/>
-              </a:xfrm>
-              <a:prstGeom prst="rect">
-                <a:avLst/>
-              </a:prstGeom>
-            </p:spPr>
-          </p:pic>
         </p:grpSp>
         <p:sp>
           <p:nvSpPr>
-            <p:cNvPr id="15" name="TextBox 14">
+            <p:cNvPr id="2" name="TextBox 1">
               <a:extLst>
                 <a:ext uri="{FF2B5EF4-FFF2-40B4-BE49-F238E27FC236}">
-                  <a16:creationId xmlns:a16="http://schemas.microsoft.com/office/drawing/2014/main" id="{5E929C57-807C-24AC-8457-9E1D780E5AE0}"/>
+                  <a16:creationId xmlns:a16="http://schemas.microsoft.com/office/drawing/2014/main" id="{A5E45358-E311-3DA5-7C46-607BDEC60D90}"/>
                 </a:ext>
               </a:extLst>
             </p:cNvPr>
@@ -8792,7 +8803,173 @@
           </p:nvSpPr>
           <p:spPr>
             <a:xfrm>
-              <a:off x="5403511" y="3872296"/>
+              <a:off x="5420378" y="3832680"/>
+              <a:ext cx="1858433" cy="338554"/>
+            </a:xfrm>
+            <a:prstGeom prst="rect">
+              <a:avLst/>
+            </a:prstGeom>
+            <a:noFill/>
+          </p:spPr>
+          <p:txBody>
+            <a:bodyPr wrap="square" rtlCol="0">
+              <a:spAutoFit/>
+            </a:bodyPr>
+            <a:lstStyle/>
+            <a:p>
+              <a:r>
+                <a:rPr lang="en-US" altLang="ko-KR" sz="1600" b="1" dirty="0">
+                  <a:latin typeface="JejuGothic" panose="02000300000000000000" pitchFamily="2" charset="-127"/>
+                  <a:ea typeface="JejuGothic" panose="02000300000000000000" pitchFamily="2" charset="-127"/>
+                  <a:cs typeface="Malgun Gothic Semilight" panose="020B0502040204020203" pitchFamily="50" charset="-127"/>
+                </a:rPr>
+                <a:t>HDC Labs </a:t>
+              </a:r>
+              <a:r>
+                <a:rPr lang="ko-KR" altLang="en-US" sz="1600" b="1" dirty="0">
+                  <a:latin typeface="JejuGothic" panose="02000300000000000000" pitchFamily="2" charset="-127"/>
+                  <a:ea typeface="JejuGothic" panose="02000300000000000000" pitchFamily="2" charset="-127"/>
+                  <a:cs typeface="Malgun Gothic Semilight" panose="020B0502040204020203" pitchFamily="50" charset="-127"/>
+                </a:rPr>
+                <a:t>이하은</a:t>
+              </a:r>
+            </a:p>
+          </p:txBody>
+        </p:sp>
+        <p:pic>
+          <p:nvPicPr>
+            <p:cNvPr id="27" name="그림 26" descr="폰트, 로고, 그래픽, 텍스트이(가) 표시된 사진&#10;&#10;AI 생성 콘텐츠는 정확하지 않을 수 있습니다.">
+              <a:extLst>
+                <a:ext uri="{FF2B5EF4-FFF2-40B4-BE49-F238E27FC236}">
+                  <a16:creationId xmlns:a16="http://schemas.microsoft.com/office/drawing/2014/main" id="{7B0F468F-6E66-64F9-8E0E-496307C02A66}"/>
+                </a:ext>
+              </a:extLst>
+            </p:cNvPr>
+            <p:cNvPicPr>
+              <a:picLocks noChangeAspect="1"/>
+            </p:cNvPicPr>
+            <p:nvPr/>
+          </p:nvPicPr>
+          <p:blipFill>
+            <a:blip r:embed="rId11">
+              <a:extLst>
+                <a:ext uri="{28A0092B-C50C-407E-A947-70E740481C1C}">
+                  <a14:useLocalDpi xmlns:a14="http://schemas.microsoft.com/office/drawing/2010/main" val="0"/>
+                </a:ext>
+              </a:extLst>
+            </a:blip>
+            <a:stretch>
+              <a:fillRect/>
+            </a:stretch>
+          </p:blipFill>
+          <p:spPr>
+            <a:xfrm>
+              <a:off x="4652559" y="3805222"/>
+              <a:ext cx="793817" cy="417394"/>
+            </a:xfrm>
+            <a:prstGeom prst="rect">
+              <a:avLst/>
+            </a:prstGeom>
+          </p:spPr>
+        </p:pic>
+        <p:pic>
+          <p:nvPicPr>
+            <p:cNvPr id="25" name="Picture 10">
+              <a:extLst>
+                <a:ext uri="{FF2B5EF4-FFF2-40B4-BE49-F238E27FC236}">
+                  <a16:creationId xmlns:a16="http://schemas.microsoft.com/office/drawing/2014/main" id="{2FDCCB9F-CA91-DB6A-EE4B-F89BE7D57C4E}"/>
+                </a:ext>
+              </a:extLst>
+            </p:cNvPr>
+            <p:cNvPicPr>
+              <a:picLocks noChangeAspect="1" noChangeArrowheads="1"/>
+            </p:cNvPicPr>
+            <p:nvPr/>
+          </p:nvPicPr>
+          <p:blipFill>
+            <a:blip r:embed="rId8">
+              <a:extLst>
+                <a:ext uri="{28A0092B-C50C-407E-A947-70E740481C1C}">
+                  <a14:useLocalDpi xmlns:a14="http://schemas.microsoft.com/office/drawing/2010/main" val="0"/>
+                </a:ext>
+              </a:extLst>
+            </a:blip>
+            <a:srcRect/>
+            <a:stretch>
+              <a:fillRect/>
+            </a:stretch>
+          </p:blipFill>
+          <p:spPr bwMode="auto">
+            <a:xfrm>
+              <a:off x="4645230" y="3020150"/>
+              <a:ext cx="758967" cy="252000"/>
+            </a:xfrm>
+            <a:prstGeom prst="rect">
+              <a:avLst/>
+            </a:prstGeom>
+            <a:noFill/>
+            <a:extLst>
+              <a:ext uri="{909E8E84-426E-40DD-AFC4-6F175D3DCCD1}">
+                <a14:hiddenFill xmlns:a14="http://schemas.microsoft.com/office/drawing/2010/main">
+                  <a:solidFill>
+                    <a:srgbClr val="FFFFFF"/>
+                  </a:solidFill>
+                </a14:hiddenFill>
+              </a:ext>
+            </a:extLst>
+          </p:spPr>
+        </p:pic>
+        <p:pic>
+          <p:nvPicPr>
+            <p:cNvPr id="28" name="그림 27" descr="로고, 폰트, 그래픽, 텍스트이(가) 표시된 사진&#10;&#10;AI 생성 콘텐츠는 정확하지 않을 수 있습니다.">
+              <a:extLst>
+                <a:ext uri="{FF2B5EF4-FFF2-40B4-BE49-F238E27FC236}">
+                  <a16:creationId xmlns:a16="http://schemas.microsoft.com/office/drawing/2014/main" id="{7D43A430-A509-3B80-F734-33324925E02B}"/>
+                </a:ext>
+              </a:extLst>
+            </p:cNvPr>
+            <p:cNvPicPr>
+              <a:picLocks noChangeAspect="1"/>
+            </p:cNvPicPr>
+            <p:nvPr/>
+          </p:nvPicPr>
+          <p:blipFill>
+            <a:blip r:embed="rId9">
+              <a:extLst>
+                <a:ext uri="{28A0092B-C50C-407E-A947-70E740481C1C}">
+                  <a14:useLocalDpi xmlns:a14="http://schemas.microsoft.com/office/drawing/2010/main" val="0"/>
+                </a:ext>
+              </a:extLst>
+            </a:blip>
+            <a:stretch>
+              <a:fillRect/>
+            </a:stretch>
+          </p:blipFill>
+          <p:spPr>
+            <a:xfrm>
+              <a:off x="4706841" y="4314053"/>
+              <a:ext cx="741819" cy="360000"/>
+            </a:xfrm>
+            <a:prstGeom prst="rect">
+              <a:avLst/>
+            </a:prstGeom>
+          </p:spPr>
+        </p:pic>
+        <p:sp>
+          <p:nvSpPr>
+            <p:cNvPr id="29" name="TextBox 28">
+              <a:extLst>
+                <a:ext uri="{FF2B5EF4-FFF2-40B4-BE49-F238E27FC236}">
+                  <a16:creationId xmlns:a16="http://schemas.microsoft.com/office/drawing/2014/main" id="{1C778901-3F37-9837-8A82-389D09CDCF3F}"/>
+                </a:ext>
+              </a:extLst>
+            </p:cNvPr>
+            <p:cNvSpPr txBox="1"/>
+            <p:nvPr/>
+          </p:nvSpPr>
+          <p:spPr>
+            <a:xfrm>
+              <a:off x="5431793" y="4321996"/>
               <a:ext cx="1858433" cy="338554"/>
             </a:xfrm>
             <a:prstGeom prst="rect">
@@ -8820,7 +8997,7 @@
                   <a:ea typeface="JejuGothic" panose="02000300000000000000" pitchFamily="2" charset="-127"/>
                   <a:cs typeface="Malgun Gothic Semilight" panose="020B0502040204020203" pitchFamily="50" charset="-127"/>
                 </a:rPr>
-                <a:t>신승민</a:t>
+                <a:t>차현묵</a:t>
               </a:r>
               <a:endParaRPr lang="ko-KR" altLang="en-US" sz="1600" b="1" dirty="0">
                 <a:latin typeface="JejuGothic" panose="02000300000000000000" pitchFamily="2" charset="-127"/>
@@ -8830,12 +9007,67 @@
             </a:p>
           </p:txBody>
         </p:sp>
+        <p:sp>
+          <p:nvSpPr>
+            <p:cNvPr id="30" name="TextBox 29">
+              <a:extLst>
+                <a:ext uri="{FF2B5EF4-FFF2-40B4-BE49-F238E27FC236}">
+                  <a16:creationId xmlns:a16="http://schemas.microsoft.com/office/drawing/2014/main" id="{5C7FF6F5-6BF2-463C-E30F-84319E400AC9}"/>
+                </a:ext>
+              </a:extLst>
+            </p:cNvPr>
+            <p:cNvSpPr txBox="1"/>
+            <p:nvPr/>
+          </p:nvSpPr>
+          <p:spPr>
+            <a:xfrm>
+              <a:off x="5357177" y="4819374"/>
+              <a:ext cx="2270318" cy="338554"/>
+            </a:xfrm>
+            <a:prstGeom prst="rect">
+              <a:avLst/>
+            </a:prstGeom>
+            <a:noFill/>
+          </p:spPr>
+          <p:txBody>
+            <a:bodyPr wrap="square" rtlCol="0">
+              <a:spAutoFit/>
+            </a:bodyPr>
+            <a:lstStyle/>
+            <a:p>
+              <a:r>
+                <a:rPr lang="ko-KR" altLang="en-US" sz="1600" b="1" dirty="0">
+                  <a:latin typeface="JejuGothic" panose="02000300000000000000" pitchFamily="2" charset="-127"/>
+                  <a:ea typeface="JejuGothic" panose="02000300000000000000" pitchFamily="2" charset="-127"/>
+                  <a:cs typeface="Malgun Gothic Semilight" panose="020B0502040204020203" pitchFamily="50" charset="-127"/>
+                </a:rPr>
+                <a:t>삼성전자</a:t>
+              </a:r>
+              <a:r>
+                <a:rPr lang="en-US" altLang="ko-KR" sz="1600" b="1" dirty="0">
+                  <a:latin typeface="JejuGothic" panose="02000300000000000000" pitchFamily="2" charset="-127"/>
+                  <a:ea typeface="JejuGothic" panose="02000300000000000000" pitchFamily="2" charset="-127"/>
+                  <a:cs typeface="Malgun Gothic Semilight" panose="020B0502040204020203" pitchFamily="50" charset="-127"/>
+                </a:rPr>
+                <a:t> </a:t>
+              </a:r>
+              <a:r>
+                <a:rPr lang="ko-KR" altLang="en-US" sz="1600" b="1" dirty="0">
+                  <a:latin typeface="JejuGothic" panose="02000300000000000000" pitchFamily="2" charset="-127"/>
+                  <a:ea typeface="JejuGothic" panose="02000300000000000000" pitchFamily="2" charset="-127"/>
+                  <a:cs typeface="Malgun Gothic Semilight" panose="020B0502040204020203" pitchFamily="50" charset="-127"/>
+                </a:rPr>
+                <a:t>조현수</a:t>
+              </a:r>
+            </a:p>
+          </p:txBody>
+        </p:sp>
         <p:pic>
           <p:nvPicPr>
-            <p:cNvPr id="21" name="Picture 10">
+            <p:cNvPr id="31" name="Picture 10">
               <a:extLst>
                 <a:ext uri="{FF2B5EF4-FFF2-40B4-BE49-F238E27FC236}">
-                  <a16:creationId xmlns:a16="http://schemas.microsoft.com/office/drawing/2014/main" id="{48AC19E2-3353-9EEA-9FE0-E847CDB0AA41}"/>
+                  <a16:creationId xmlns:a16="http://schemas.microsoft.com/office/drawing/2014/main" id="{E0AA84BA-56A0-2122-E8D6-06CBBDF7086C}"/>
                 </a:ext>
               </a:extLst>
             </p:cNvPr>
@@ -8859,7 +9091,7 @@
           </p:blipFill>
           <p:spPr bwMode="auto">
             <a:xfrm>
-              <a:off x="4661411" y="3037711"/>
+              <a:off x="4615076" y="4865450"/>
               <a:ext cx="758967" cy="252000"/>
             </a:xfrm>
             <a:prstGeom prst="rect">
@@ -8878,89 +9110,6 @@
           </p:spPr>
         </p:pic>
       </p:grpSp>
-      <p:sp>
-        <p:nvSpPr>
-          <p:cNvPr id="2" name="TextBox 1">
-            <a:extLst>
-              <a:ext uri="{FF2B5EF4-FFF2-40B4-BE49-F238E27FC236}">
-                <a16:creationId xmlns:a16="http://schemas.microsoft.com/office/drawing/2014/main" id="{A5E45358-E311-3DA5-7C46-607BDEC60D90}"/>
-              </a:ext>
-            </a:extLst>
-          </p:cNvPr>
-          <p:cNvSpPr txBox="1"/>
-          <p:nvPr/>
-        </p:nvSpPr>
-        <p:spPr>
-          <a:xfrm>
-            <a:off x="5420378" y="4349516"/>
-            <a:ext cx="1858433" cy="338554"/>
-          </a:xfrm>
-          <a:prstGeom prst="rect">
-            <a:avLst/>
-          </a:prstGeom>
-          <a:noFill/>
-        </p:spPr>
-        <p:txBody>
-          <a:bodyPr wrap="square" rtlCol="0">
-            <a:spAutoFit/>
-          </a:bodyPr>
-          <a:lstStyle/>
-          <a:p>
-            <a:r>
-              <a:rPr lang="en-US" altLang="ko-KR" sz="1600" b="1" dirty="0">
-                <a:latin typeface="JejuGothic" panose="02000300000000000000" pitchFamily="2" charset="-127"/>
-                <a:ea typeface="JejuGothic" panose="02000300000000000000" pitchFamily="2" charset="-127"/>
-                <a:cs typeface="Malgun Gothic Semilight" panose="020B0502040204020203" pitchFamily="50" charset="-127"/>
-              </a:rPr>
-              <a:t>HDC Labs </a:t>
-            </a:r>
-            <a:r>
-              <a:rPr lang="ko-KR" altLang="en-US" sz="1600" b="1" dirty="0">
-                <a:latin typeface="JejuGothic" panose="02000300000000000000" pitchFamily="2" charset="-127"/>
-                <a:ea typeface="JejuGothic" panose="02000300000000000000" pitchFamily="2" charset="-127"/>
-                <a:cs typeface="Malgun Gothic Semilight" panose="020B0502040204020203" pitchFamily="50" charset="-127"/>
-              </a:rPr>
-              <a:t>이하은</a:t>
-            </a:r>
-          </a:p>
-        </p:txBody>
-      </p:sp>
-      <p:pic>
-        <p:nvPicPr>
-          <p:cNvPr id="27" name="그림 26" descr="폰트, 로고, 그래픽, 텍스트이(가) 표시된 사진&#10;&#10;AI 생성 콘텐츠는 정확하지 않을 수 있습니다.">
-            <a:extLst>
-              <a:ext uri="{FF2B5EF4-FFF2-40B4-BE49-F238E27FC236}">
-                <a16:creationId xmlns:a16="http://schemas.microsoft.com/office/drawing/2014/main" id="{7B0F468F-6E66-64F9-8E0E-496307C02A66}"/>
-              </a:ext>
-            </a:extLst>
-          </p:cNvPr>
-          <p:cNvPicPr>
-            <a:picLocks noChangeAspect="1"/>
-          </p:cNvPicPr>
-          <p:nvPr/>
-        </p:nvPicPr>
-        <p:blipFill>
-          <a:blip r:embed="rId11">
-            <a:extLst>
-              <a:ext uri="{28A0092B-C50C-407E-A947-70E740481C1C}">
-                <a14:useLocalDpi xmlns:a14="http://schemas.microsoft.com/office/drawing/2010/main" val="0"/>
-              </a:ext>
-            </a:extLst>
-          </a:blip>
-          <a:stretch>
-            <a:fillRect/>
-          </a:stretch>
-        </p:blipFill>
-        <p:spPr>
-          <a:xfrm>
-            <a:off x="4652559" y="4322058"/>
-            <a:ext cx="793817" cy="417394"/>
-          </a:xfrm>
-          <a:prstGeom prst="rect">
-            <a:avLst/>
-          </a:prstGeom>
-        </p:spPr>
-      </p:pic>
     </p:spTree>
     <p:extLst>
       <p:ext uri="{BB962C8B-B14F-4D97-AF65-F5344CB8AC3E}">

--- a/assets/img/notice/template.pptx
+++ b/assets/img/notice/template.pptx
@@ -274,7 +274,7 @@
           <a:p>
             <a:fld id="{91C883BF-99AE-42FD-96B8-D02942FEBE9A}" type="datetimeFigureOut">
               <a:rPr lang="ko-KR" altLang="en-US" smtClean="0"/>
-              <a:t>2025-08-27</a:t>
+              <a:t>2025-10-20</a:t>
             </a:fld>
             <a:endParaRPr lang="ko-KR" altLang="en-US" dirty="0"/>
           </a:p>
@@ -472,7 +472,7 @@
           <a:p>
             <a:fld id="{91C883BF-99AE-42FD-96B8-D02942FEBE9A}" type="datetimeFigureOut">
               <a:rPr lang="ko-KR" altLang="en-US" smtClean="0"/>
-              <a:t>2025-08-27</a:t>
+              <a:t>2025-10-20</a:t>
             </a:fld>
             <a:endParaRPr lang="ko-KR" altLang="en-US" dirty="0"/>
           </a:p>
@@ -680,7 +680,7 @@
           <a:p>
             <a:fld id="{91C883BF-99AE-42FD-96B8-D02942FEBE9A}" type="datetimeFigureOut">
               <a:rPr lang="ko-KR" altLang="en-US" smtClean="0"/>
-              <a:t>2025-08-27</a:t>
+              <a:t>2025-10-20</a:t>
             </a:fld>
             <a:endParaRPr lang="ko-KR" altLang="en-US" dirty="0"/>
           </a:p>
@@ -878,7 +878,7 @@
           <a:p>
             <a:fld id="{91C883BF-99AE-42FD-96B8-D02942FEBE9A}" type="datetimeFigureOut">
               <a:rPr lang="ko-KR" altLang="en-US" smtClean="0"/>
-              <a:t>2025-08-27</a:t>
+              <a:t>2025-10-20</a:t>
             </a:fld>
             <a:endParaRPr lang="ko-KR" altLang="en-US" dirty="0"/>
           </a:p>
@@ -1153,7 +1153,7 @@
           <a:p>
             <a:fld id="{91C883BF-99AE-42FD-96B8-D02942FEBE9A}" type="datetimeFigureOut">
               <a:rPr lang="ko-KR" altLang="en-US" smtClean="0"/>
-              <a:t>2025-08-27</a:t>
+              <a:t>2025-10-20</a:t>
             </a:fld>
             <a:endParaRPr lang="ko-KR" altLang="en-US" dirty="0"/>
           </a:p>
@@ -1418,7 +1418,7 @@
           <a:p>
             <a:fld id="{91C883BF-99AE-42FD-96B8-D02942FEBE9A}" type="datetimeFigureOut">
               <a:rPr lang="ko-KR" altLang="en-US" smtClean="0"/>
-              <a:t>2025-08-27</a:t>
+              <a:t>2025-10-20</a:t>
             </a:fld>
             <a:endParaRPr lang="ko-KR" altLang="en-US" dirty="0"/>
           </a:p>
@@ -1830,7 +1830,7 @@
           <a:p>
             <a:fld id="{91C883BF-99AE-42FD-96B8-D02942FEBE9A}" type="datetimeFigureOut">
               <a:rPr lang="ko-KR" altLang="en-US" smtClean="0"/>
-              <a:t>2025-08-27</a:t>
+              <a:t>2025-10-20</a:t>
             </a:fld>
             <a:endParaRPr lang="ko-KR" altLang="en-US" dirty="0"/>
           </a:p>
@@ -1971,7 +1971,7 @@
           <a:p>
             <a:fld id="{91C883BF-99AE-42FD-96B8-D02942FEBE9A}" type="datetimeFigureOut">
               <a:rPr lang="ko-KR" altLang="en-US" smtClean="0"/>
-              <a:t>2025-08-27</a:t>
+              <a:t>2025-10-20</a:t>
             </a:fld>
             <a:endParaRPr lang="ko-KR" altLang="en-US" dirty="0"/>
           </a:p>
@@ -2084,7 +2084,7 @@
           <a:p>
             <a:fld id="{91C883BF-99AE-42FD-96B8-D02942FEBE9A}" type="datetimeFigureOut">
               <a:rPr lang="ko-KR" altLang="en-US" smtClean="0"/>
-              <a:t>2025-08-27</a:t>
+              <a:t>2025-10-20</a:t>
             </a:fld>
             <a:endParaRPr lang="ko-KR" altLang="en-US" dirty="0"/>
           </a:p>
@@ -2395,7 +2395,7 @@
           <a:p>
             <a:fld id="{91C883BF-99AE-42FD-96B8-D02942FEBE9A}" type="datetimeFigureOut">
               <a:rPr lang="ko-KR" altLang="en-US" smtClean="0"/>
-              <a:t>2025-08-27</a:t>
+              <a:t>2025-10-20</a:t>
             </a:fld>
             <a:endParaRPr lang="ko-KR" altLang="en-US" dirty="0"/>
           </a:p>
@@ -2683,7 +2683,7 @@
           <a:p>
             <a:fld id="{91C883BF-99AE-42FD-96B8-D02942FEBE9A}" type="datetimeFigureOut">
               <a:rPr lang="ko-KR" altLang="en-US" smtClean="0"/>
-              <a:t>2025-08-27</a:t>
+              <a:t>2025-10-20</a:t>
             </a:fld>
             <a:endParaRPr lang="ko-KR" altLang="en-US" dirty="0"/>
           </a:p>
@@ -2924,7 +2924,7 @@
           <a:p>
             <a:fld id="{91C883BF-99AE-42FD-96B8-D02942FEBE9A}" type="datetimeFigureOut">
               <a:rPr lang="ko-KR" altLang="en-US" smtClean="0"/>
-              <a:t>2025-08-27</a:t>
+              <a:t>2025-10-20</a:t>
             </a:fld>
             <a:endParaRPr lang="ko-KR" altLang="en-US" dirty="0"/>
           </a:p>
@@ -7260,10 +7260,10 @@
       </p:grpSpPr>
       <p:grpSp>
         <p:nvGrpSpPr>
-          <p:cNvPr id="32" name="그룹 31">
+          <p:cNvPr id="33" name="그룹 32">
             <a:extLst>
               <a:ext uri="{FF2B5EF4-FFF2-40B4-BE49-F238E27FC236}">
-                <a16:creationId xmlns:a16="http://schemas.microsoft.com/office/drawing/2014/main" id="{AE0B0E31-4FA2-342C-5CFD-2F23902611A6}"/>
+                <a16:creationId xmlns:a16="http://schemas.microsoft.com/office/drawing/2014/main" id="{95571CC9-1027-9B09-56A0-6730BC78BE16}"/>
               </a:ext>
             </a:extLst>
           </p:cNvPr>
@@ -7280,10 +7280,10 @@
         </p:grpSpPr>
         <p:grpSp>
           <p:nvGrpSpPr>
-            <p:cNvPr id="26" name="그룹 25">
+            <p:cNvPr id="32" name="그룹 31">
               <a:extLst>
                 <a:ext uri="{FF2B5EF4-FFF2-40B4-BE49-F238E27FC236}">
-                  <a16:creationId xmlns:a16="http://schemas.microsoft.com/office/drawing/2014/main" id="{5979CA8F-FE66-5F93-EC16-5EEFF9D2CEF3}"/>
+                  <a16:creationId xmlns:a16="http://schemas.microsoft.com/office/drawing/2014/main" id="{AE0B0E31-4FA2-342C-5CFD-2F23902611A6}"/>
                 </a:ext>
               </a:extLst>
             </p:cNvPr>
@@ -7300,10 +7300,10 @@
           </p:grpSpPr>
           <p:grpSp>
             <p:nvGrpSpPr>
-              <p:cNvPr id="10" name="그룹 9">
+              <p:cNvPr id="26" name="그룹 25">
                 <a:extLst>
                   <a:ext uri="{FF2B5EF4-FFF2-40B4-BE49-F238E27FC236}">
-                    <a16:creationId xmlns:a16="http://schemas.microsoft.com/office/drawing/2014/main" id="{8B3D05F9-1B31-93C7-4360-0D8EBB7CAECE}"/>
+                    <a16:creationId xmlns:a16="http://schemas.microsoft.com/office/drawing/2014/main" id="{5979CA8F-FE66-5F93-EC16-5EEFF9D2CEF3}"/>
                   </a:ext>
                 </a:extLst>
               </p:cNvPr>
@@ -7318,368 +7318,12 @@
                 <a:chExt cx="11037419" cy="5861256"/>
               </a:xfrm>
             </p:grpSpPr>
-            <p:sp>
-              <p:nvSpPr>
-                <p:cNvPr id="4" name="직사각형 3">
+            <p:grpSp>
+              <p:nvGrpSpPr>
+                <p:cNvPr id="10" name="그룹 9">
                   <a:extLst>
                     <a:ext uri="{FF2B5EF4-FFF2-40B4-BE49-F238E27FC236}">
-                      <a16:creationId xmlns:a16="http://schemas.microsoft.com/office/drawing/2014/main" id="{2297D6EB-DFBF-E78B-3DE8-59ABD86F42E2}"/>
-                    </a:ext>
-                  </a:extLst>
-                </p:cNvPr>
-                <p:cNvSpPr/>
-                <p:nvPr/>
-              </p:nvSpPr>
-              <p:spPr>
-                <a:xfrm>
-                  <a:off x="577290" y="498372"/>
-                  <a:ext cx="11037419" cy="5861256"/>
-                </a:xfrm>
-                <a:prstGeom prst="rect">
-                  <a:avLst/>
-                </a:prstGeom>
-                <a:solidFill>
-                  <a:srgbClr val="005000"/>
-                </a:solidFill>
-                <a:ln>
-                  <a:noFill/>
-                </a:ln>
-              </p:spPr>
-              <p:style>
-                <a:lnRef idx="2">
-                  <a:schemeClr val="accent1">
-                    <a:shade val="50000"/>
-                  </a:schemeClr>
-                </a:lnRef>
-                <a:fillRef idx="1">
-                  <a:schemeClr val="accent1"/>
-                </a:fillRef>
-                <a:effectRef idx="0">
-                  <a:schemeClr val="accent1"/>
-                </a:effectRef>
-                <a:fontRef idx="minor">
-                  <a:schemeClr val="lt1"/>
-                </a:fontRef>
-              </p:style>
-              <p:txBody>
-                <a:bodyPr rtlCol="0" anchor="ctr"/>
-                <a:lstStyle>
-                  <a:defPPr>
-                    <a:defRPr lang="ko-KR"/>
-                  </a:defPPr>
-                  <a:lvl1pPr marL="0" algn="l" defTabSz="914400" rtl="0" eaLnBrk="1" latinLnBrk="1" hangingPunct="1">
-                    <a:defRPr sz="1800" kern="1200">
-                      <a:solidFill>
-                        <a:schemeClr val="lt1"/>
-                      </a:solidFill>
-                      <a:latin typeface="+mn-lt"/>
-                      <a:ea typeface="+mn-ea"/>
-                      <a:cs typeface="+mn-cs"/>
-                    </a:defRPr>
-                  </a:lvl1pPr>
-                  <a:lvl2pPr marL="457200" algn="l" defTabSz="914400" rtl="0" eaLnBrk="1" latinLnBrk="1" hangingPunct="1">
-                    <a:defRPr sz="1800" kern="1200">
-                      <a:solidFill>
-                        <a:schemeClr val="lt1"/>
-                      </a:solidFill>
-                      <a:latin typeface="+mn-lt"/>
-                      <a:ea typeface="+mn-ea"/>
-                      <a:cs typeface="+mn-cs"/>
-                    </a:defRPr>
-                  </a:lvl2pPr>
-                  <a:lvl3pPr marL="914400" algn="l" defTabSz="914400" rtl="0" eaLnBrk="1" latinLnBrk="1" hangingPunct="1">
-                    <a:defRPr sz="1800" kern="1200">
-                      <a:solidFill>
-                        <a:schemeClr val="lt1"/>
-                      </a:solidFill>
-                      <a:latin typeface="+mn-lt"/>
-                      <a:ea typeface="+mn-ea"/>
-                      <a:cs typeface="+mn-cs"/>
-                    </a:defRPr>
-                  </a:lvl3pPr>
-                  <a:lvl4pPr marL="1371600" algn="l" defTabSz="914400" rtl="0" eaLnBrk="1" latinLnBrk="1" hangingPunct="1">
-                    <a:defRPr sz="1800" kern="1200">
-                      <a:solidFill>
-                        <a:schemeClr val="lt1"/>
-                      </a:solidFill>
-                      <a:latin typeface="+mn-lt"/>
-                      <a:ea typeface="+mn-ea"/>
-                      <a:cs typeface="+mn-cs"/>
-                    </a:defRPr>
-                  </a:lvl4pPr>
-                  <a:lvl5pPr marL="1828800" algn="l" defTabSz="914400" rtl="0" eaLnBrk="1" latinLnBrk="1" hangingPunct="1">
-                    <a:defRPr sz="1800" kern="1200">
-                      <a:solidFill>
-                        <a:schemeClr val="lt1"/>
-                      </a:solidFill>
-                      <a:latin typeface="+mn-lt"/>
-                      <a:ea typeface="+mn-ea"/>
-                      <a:cs typeface="+mn-cs"/>
-                    </a:defRPr>
-                  </a:lvl5pPr>
-                  <a:lvl6pPr marL="2286000" algn="l" defTabSz="914400" rtl="0" eaLnBrk="1" latinLnBrk="1" hangingPunct="1">
-                    <a:defRPr sz="1800" kern="1200">
-                      <a:solidFill>
-                        <a:schemeClr val="lt1"/>
-                      </a:solidFill>
-                      <a:latin typeface="+mn-lt"/>
-                      <a:ea typeface="+mn-ea"/>
-                      <a:cs typeface="+mn-cs"/>
-                    </a:defRPr>
-                  </a:lvl6pPr>
-                  <a:lvl7pPr marL="2743200" algn="l" defTabSz="914400" rtl="0" eaLnBrk="1" latinLnBrk="1" hangingPunct="1">
-                    <a:defRPr sz="1800" kern="1200">
-                      <a:solidFill>
-                        <a:schemeClr val="lt1"/>
-                      </a:solidFill>
-                      <a:latin typeface="+mn-lt"/>
-                      <a:ea typeface="+mn-ea"/>
-                      <a:cs typeface="+mn-cs"/>
-                    </a:defRPr>
-                  </a:lvl7pPr>
-                  <a:lvl8pPr marL="3200400" algn="l" defTabSz="914400" rtl="0" eaLnBrk="1" latinLnBrk="1" hangingPunct="1">
-                    <a:defRPr sz="1800" kern="1200">
-                      <a:solidFill>
-                        <a:schemeClr val="lt1"/>
-                      </a:solidFill>
-                      <a:latin typeface="+mn-lt"/>
-                      <a:ea typeface="+mn-ea"/>
-                      <a:cs typeface="+mn-cs"/>
-                    </a:defRPr>
-                  </a:lvl8pPr>
-                  <a:lvl9pPr marL="3657600" algn="l" defTabSz="914400" rtl="0" eaLnBrk="1" latinLnBrk="1" hangingPunct="1">
-                    <a:defRPr sz="1800" kern="1200">
-                      <a:solidFill>
-                        <a:schemeClr val="lt1"/>
-                      </a:solidFill>
-                      <a:latin typeface="+mn-lt"/>
-                      <a:ea typeface="+mn-ea"/>
-                      <a:cs typeface="+mn-cs"/>
-                    </a:defRPr>
-                  </a:lvl9pPr>
-                </a:lstStyle>
-                <a:p>
-                  <a:pPr algn="ctr"/>
-                  <a:endParaRPr lang="ko-KR" altLang="en-US" sz="1600" b="1" dirty="0">
-                    <a:latin typeface="JejuGothic" panose="02000300000000000000" pitchFamily="2" charset="-127"/>
-                    <a:ea typeface="JejuGothic" panose="02000300000000000000" pitchFamily="2" charset="-127"/>
-                  </a:endParaRPr>
-                </a:p>
-              </p:txBody>
-            </p:sp>
-            <p:sp>
-              <p:nvSpPr>
-                <p:cNvPr id="5" name="사각형: 둥근 대각선 방향 모서리 4">
-                  <a:extLst>
-                    <a:ext uri="{FF2B5EF4-FFF2-40B4-BE49-F238E27FC236}">
-                      <a16:creationId xmlns:a16="http://schemas.microsoft.com/office/drawing/2014/main" id="{593764AD-1567-2294-23D3-B456CAB10E52}"/>
-                    </a:ext>
-                  </a:extLst>
-                </p:cNvPr>
-                <p:cNvSpPr/>
-                <p:nvPr/>
-              </p:nvSpPr>
-              <p:spPr>
-                <a:xfrm>
-                  <a:off x="948267" y="787124"/>
-                  <a:ext cx="10312400" cy="5275009"/>
-                </a:xfrm>
-                <a:prstGeom prst="round2DiagRect">
-                  <a:avLst/>
-                </a:prstGeom>
-                <a:solidFill>
-                  <a:schemeClr val="bg1"/>
-                </a:solidFill>
-                <a:ln>
-                  <a:noFill/>
-                </a:ln>
-              </p:spPr>
-              <p:style>
-                <a:lnRef idx="2">
-                  <a:schemeClr val="accent1">
-                    <a:shade val="50000"/>
-                  </a:schemeClr>
-                </a:lnRef>
-                <a:fillRef idx="1">
-                  <a:schemeClr val="accent1"/>
-                </a:fillRef>
-                <a:effectRef idx="0">
-                  <a:schemeClr val="accent1"/>
-                </a:effectRef>
-                <a:fontRef idx="minor">
-                  <a:schemeClr val="lt1"/>
-                </a:fontRef>
-              </p:style>
-              <p:txBody>
-                <a:bodyPr rtlCol="0" anchor="ctr"/>
-                <a:lstStyle/>
-                <a:p>
-                  <a:pPr algn="ctr"/>
-                  <a:endParaRPr lang="ko-KR" altLang="en-US" sz="1600" b="1">
-                    <a:latin typeface="JejuGothic" panose="02000300000000000000" pitchFamily="2" charset="-127"/>
-                    <a:ea typeface="JejuGothic" panose="02000300000000000000" pitchFamily="2" charset="-127"/>
-                  </a:endParaRPr>
-                </a:p>
-              </p:txBody>
-            </p:sp>
-            <p:pic>
-              <p:nvPicPr>
-                <p:cNvPr id="6" name="그림 5" descr="텍스트, 클립아트이(가) 표시된 사진&#10;&#10;자동 생성된 설명">
-                  <a:extLst>
-                    <a:ext uri="{FF2B5EF4-FFF2-40B4-BE49-F238E27FC236}">
-                      <a16:creationId xmlns:a16="http://schemas.microsoft.com/office/drawing/2014/main" id="{D369E016-1627-EBD6-FE1B-2F6688821AEA}"/>
-                    </a:ext>
-                  </a:extLst>
-                </p:cNvPr>
-                <p:cNvPicPr/>
-                <p:nvPr/>
-              </p:nvPicPr>
-              <p:blipFill rotWithShape="1">
-                <a:blip r:embed="rId2">
-                  <a:extLst>
-                    <a:ext uri="{28A0092B-C50C-407E-A947-70E740481C1C}">
-                      <a14:useLocalDpi xmlns:a14="http://schemas.microsoft.com/office/drawing/2010/main" val="0"/>
-                    </a:ext>
-                  </a:extLst>
-                </a:blip>
-                <a:srcRect l="2243" t="5155" r="3961" b="2267"/>
-                <a:stretch/>
-              </p:blipFill>
-              <p:spPr>
-                <a:xfrm>
-                  <a:off x="10284931" y="912707"/>
-                  <a:ext cx="848736" cy="709124"/>
-                </a:xfrm>
-                <a:prstGeom prst="rect">
-                  <a:avLst/>
-                </a:prstGeom>
-              </p:spPr>
-            </p:pic>
-            <p:cxnSp>
-              <p:nvCxnSpPr>
-                <p:cNvPr id="7" name="직선 연결선 6">
-                  <a:extLst>
-                    <a:ext uri="{FF2B5EF4-FFF2-40B4-BE49-F238E27FC236}">
-                      <a16:creationId xmlns:a16="http://schemas.microsoft.com/office/drawing/2014/main" id="{4960E649-9414-1D4C-451E-4F32C0A8B9DA}"/>
-                    </a:ext>
-                  </a:extLst>
-                </p:cNvPr>
-                <p:cNvCxnSpPr>
-                  <a:cxnSpLocks/>
-                </p:cNvCxnSpPr>
-                <p:nvPr/>
-              </p:nvCxnSpPr>
-              <p:spPr>
-                <a:xfrm>
-                  <a:off x="4493419" y="1621831"/>
-                  <a:ext cx="3205162" cy="0"/>
-                </a:xfrm>
-                <a:prstGeom prst="line">
-                  <a:avLst/>
-                </a:prstGeom>
-                <a:ln w="19050">
-                  <a:solidFill>
-                    <a:schemeClr val="bg1">
-                      <a:lumMod val="65000"/>
-                    </a:schemeClr>
-                  </a:solidFill>
-                </a:ln>
-              </p:spPr>
-              <p:style>
-                <a:lnRef idx="1">
-                  <a:schemeClr val="accent1"/>
-                </a:lnRef>
-                <a:fillRef idx="0">
-                  <a:schemeClr val="accent1"/>
-                </a:fillRef>
-                <a:effectRef idx="0">
-                  <a:schemeClr val="accent1"/>
-                </a:effectRef>
-                <a:fontRef idx="minor">
-                  <a:schemeClr val="tx1"/>
-                </a:fontRef>
-              </p:style>
-            </p:cxnSp>
-          </p:grpSp>
-          <p:sp>
-            <p:nvSpPr>
-              <p:cNvPr id="9" name="TextBox 8">
-                <a:extLst>
-                  <a:ext uri="{FF2B5EF4-FFF2-40B4-BE49-F238E27FC236}">
-                    <a16:creationId xmlns:a16="http://schemas.microsoft.com/office/drawing/2014/main" id="{BD1F53D7-EB4F-9AB0-392D-B83E83F48999}"/>
-                  </a:ext>
-                </a:extLst>
-              </p:cNvPr>
-              <p:cNvSpPr txBox="1"/>
-              <p:nvPr/>
-            </p:nvSpPr>
-            <p:spPr>
-              <a:xfrm>
-                <a:off x="3047999" y="1029599"/>
-                <a:ext cx="6096000" cy="584775"/>
-              </a:xfrm>
-              <a:prstGeom prst="rect">
-                <a:avLst/>
-              </a:prstGeom>
-              <a:noFill/>
-            </p:spPr>
-            <p:txBody>
-              <a:bodyPr wrap="square">
-                <a:spAutoFit/>
-              </a:bodyPr>
-              <a:lstStyle/>
-              <a:p>
-                <a:pPr algn="ctr"/>
-                <a:r>
-                  <a:rPr lang="ko-KR" altLang="en-US" sz="3200" b="1" dirty="0">
-                    <a:latin typeface="JejuGothic" panose="02000300000000000000" pitchFamily="2" charset="-127"/>
-                    <a:ea typeface="JejuGothic" panose="02000300000000000000" pitchFamily="2" charset="-127"/>
-                    <a:cs typeface="Malgun Gothic Semilight" panose="020B0502040204020203" pitchFamily="50" charset="-127"/>
-                  </a:rPr>
-                  <a:t>입사를 축하 드립니다</a:t>
-                </a:r>
-                <a:r>
-                  <a:rPr lang="en-US" altLang="ko-KR" sz="3200" b="1" dirty="0">
-                    <a:latin typeface="JejuGothic" panose="02000300000000000000" pitchFamily="2" charset="-127"/>
-                    <a:ea typeface="JejuGothic" panose="02000300000000000000" pitchFamily="2" charset="-127"/>
-                    <a:cs typeface="Malgun Gothic Semilight" panose="020B0502040204020203" pitchFamily="50" charset="-127"/>
-                  </a:rPr>
-                  <a:t>!</a:t>
-                </a:r>
-                <a:endParaRPr lang="ko-KR" altLang="en-US" sz="3200" b="1" dirty="0">
-                  <a:latin typeface="JejuGothic" panose="02000300000000000000" pitchFamily="2" charset="-127"/>
-                  <a:ea typeface="JejuGothic" panose="02000300000000000000" pitchFamily="2" charset="-127"/>
-                  <a:cs typeface="Malgun Gothic Semilight" panose="020B0502040204020203" pitchFamily="50" charset="-127"/>
-                </a:endParaRPr>
-              </a:p>
-            </p:txBody>
-          </p:sp>
-          <p:grpSp>
-            <p:nvGrpSpPr>
-              <p:cNvPr id="20" name="그룹 19">
-                <a:extLst>
-                  <a:ext uri="{FF2B5EF4-FFF2-40B4-BE49-F238E27FC236}">
-                    <a16:creationId xmlns:a16="http://schemas.microsoft.com/office/drawing/2014/main" id="{0F924B32-3336-4CE2-15C4-1628B93A44F0}"/>
-                  </a:ext>
-                </a:extLst>
-              </p:cNvPr>
-              <p:cNvGrpSpPr/>
-              <p:nvPr/>
-            </p:nvGrpSpPr>
-            <p:grpSpPr>
-              <a:xfrm>
-                <a:off x="1473508" y="2054364"/>
-                <a:ext cx="3242412" cy="3107139"/>
-                <a:chOff x="1473508" y="2054364"/>
-                <a:chExt cx="3242412" cy="3107139"/>
-              </a:xfrm>
-            </p:grpSpPr>
-            <p:grpSp>
-              <p:nvGrpSpPr>
-                <p:cNvPr id="81" name="그룹 80">
-                  <a:extLst>
-                    <a:ext uri="{FF2B5EF4-FFF2-40B4-BE49-F238E27FC236}">
-                      <a16:creationId xmlns:a16="http://schemas.microsoft.com/office/drawing/2014/main" id="{EAAD9F51-7A9A-DDEA-F31A-DBD2ABBC982C}"/>
+                      <a16:creationId xmlns:a16="http://schemas.microsoft.com/office/drawing/2014/main" id="{8B3D05F9-1B31-93C7-4360-0D8EBB7CAECE}"/>
                     </a:ext>
                   </a:extLst>
                 </p:cNvPr>
@@ -7688,616 +7332,354 @@
               </p:nvGrpSpPr>
               <p:grpSpPr>
                 <a:xfrm>
-                  <a:off x="2103504" y="2054364"/>
-                  <a:ext cx="2612416" cy="3107139"/>
-                  <a:chOff x="8863965" y="1996133"/>
-                  <a:chExt cx="2138467" cy="3107139"/>
+                  <a:off x="577290" y="498372"/>
+                  <a:ext cx="11037419" cy="5861256"/>
+                  <a:chOff x="577290" y="498372"/>
+                  <a:chExt cx="11037419" cy="5861256"/>
                 </a:xfrm>
               </p:grpSpPr>
               <p:sp>
                 <p:nvSpPr>
-                  <p:cNvPr id="82" name="TextBox 81">
+                  <p:cNvPr id="4" name="직사각형 3">
                     <a:extLst>
                       <a:ext uri="{FF2B5EF4-FFF2-40B4-BE49-F238E27FC236}">
-                        <a16:creationId xmlns:a16="http://schemas.microsoft.com/office/drawing/2014/main" id="{B276A898-E3FB-0DF2-0DA4-7919332ACA74}"/>
+                        <a16:creationId xmlns:a16="http://schemas.microsoft.com/office/drawing/2014/main" id="{2297D6EB-DFBF-E78B-3DE8-59ABD86F42E2}"/>
                       </a:ext>
                     </a:extLst>
                   </p:cNvPr>
-                  <p:cNvSpPr txBox="1"/>
+                  <p:cNvSpPr/>
                   <p:nvPr/>
                 </p:nvSpPr>
                 <p:spPr>
                   <a:xfrm>
-                    <a:off x="9143999" y="1996133"/>
-                    <a:ext cx="1778000" cy="338554"/>
+                    <a:off x="577290" y="498372"/>
+                    <a:ext cx="11037419" cy="5861256"/>
                   </a:xfrm>
                   <a:prstGeom prst="rect">
                     <a:avLst/>
                   </a:prstGeom>
-                  <a:noFill/>
+                  <a:solidFill>
+                    <a:srgbClr val="005000"/>
+                  </a:solidFill>
+                  <a:ln>
+                    <a:noFill/>
+                  </a:ln>
                 </p:spPr>
+                <p:style>
+                  <a:lnRef idx="2">
+                    <a:schemeClr val="accent1">
+                      <a:shade val="50000"/>
+                    </a:schemeClr>
+                  </a:lnRef>
+                  <a:fillRef idx="1">
+                    <a:schemeClr val="accent1"/>
+                  </a:fillRef>
+                  <a:effectRef idx="0">
+                    <a:schemeClr val="accent1"/>
+                  </a:effectRef>
+                  <a:fontRef idx="minor">
+                    <a:schemeClr val="lt1"/>
+                  </a:fontRef>
+                </p:style>
                 <p:txBody>
-                  <a:bodyPr wrap="square" rtlCol="0">
-                    <a:spAutoFit/>
-                  </a:bodyPr>
-                  <a:lstStyle/>
+                  <a:bodyPr rtlCol="0" anchor="ctr"/>
+                  <a:lstStyle>
+                    <a:defPPr>
+                      <a:defRPr lang="ko-KR"/>
+                    </a:defPPr>
+                    <a:lvl1pPr marL="0" algn="l" defTabSz="914400" rtl="0" eaLnBrk="1" latinLnBrk="1" hangingPunct="1">
+                      <a:defRPr sz="1800" kern="1200">
+                        <a:solidFill>
+                          <a:schemeClr val="lt1"/>
+                        </a:solidFill>
+                        <a:latin typeface="+mn-lt"/>
+                        <a:ea typeface="+mn-ea"/>
+                        <a:cs typeface="+mn-cs"/>
+                      </a:defRPr>
+                    </a:lvl1pPr>
+                    <a:lvl2pPr marL="457200" algn="l" defTabSz="914400" rtl="0" eaLnBrk="1" latinLnBrk="1" hangingPunct="1">
+                      <a:defRPr sz="1800" kern="1200">
+                        <a:solidFill>
+                          <a:schemeClr val="lt1"/>
+                        </a:solidFill>
+                        <a:latin typeface="+mn-lt"/>
+                        <a:ea typeface="+mn-ea"/>
+                        <a:cs typeface="+mn-cs"/>
+                      </a:defRPr>
+                    </a:lvl2pPr>
+                    <a:lvl3pPr marL="914400" algn="l" defTabSz="914400" rtl="0" eaLnBrk="1" latinLnBrk="1" hangingPunct="1">
+                      <a:defRPr sz="1800" kern="1200">
+                        <a:solidFill>
+                          <a:schemeClr val="lt1"/>
+                        </a:solidFill>
+                        <a:latin typeface="+mn-lt"/>
+                        <a:ea typeface="+mn-ea"/>
+                        <a:cs typeface="+mn-cs"/>
+                      </a:defRPr>
+                    </a:lvl3pPr>
+                    <a:lvl4pPr marL="1371600" algn="l" defTabSz="914400" rtl="0" eaLnBrk="1" latinLnBrk="1" hangingPunct="1">
+                      <a:defRPr sz="1800" kern="1200">
+                        <a:solidFill>
+                          <a:schemeClr val="lt1"/>
+                        </a:solidFill>
+                        <a:latin typeface="+mn-lt"/>
+                        <a:ea typeface="+mn-ea"/>
+                        <a:cs typeface="+mn-cs"/>
+                      </a:defRPr>
+                    </a:lvl4pPr>
+                    <a:lvl5pPr marL="1828800" algn="l" defTabSz="914400" rtl="0" eaLnBrk="1" latinLnBrk="1" hangingPunct="1">
+                      <a:defRPr sz="1800" kern="1200">
+                        <a:solidFill>
+                          <a:schemeClr val="lt1"/>
+                        </a:solidFill>
+                        <a:latin typeface="+mn-lt"/>
+                        <a:ea typeface="+mn-ea"/>
+                        <a:cs typeface="+mn-cs"/>
+                      </a:defRPr>
+                    </a:lvl5pPr>
+                    <a:lvl6pPr marL="2286000" algn="l" defTabSz="914400" rtl="0" eaLnBrk="1" latinLnBrk="1" hangingPunct="1">
+                      <a:defRPr sz="1800" kern="1200">
+                        <a:solidFill>
+                          <a:schemeClr val="lt1"/>
+                        </a:solidFill>
+                        <a:latin typeface="+mn-lt"/>
+                        <a:ea typeface="+mn-ea"/>
+                        <a:cs typeface="+mn-cs"/>
+                      </a:defRPr>
+                    </a:lvl6pPr>
+                    <a:lvl7pPr marL="2743200" algn="l" defTabSz="914400" rtl="0" eaLnBrk="1" latinLnBrk="1" hangingPunct="1">
+                      <a:defRPr sz="1800" kern="1200">
+                        <a:solidFill>
+                          <a:schemeClr val="lt1"/>
+                        </a:solidFill>
+                        <a:latin typeface="+mn-lt"/>
+                        <a:ea typeface="+mn-ea"/>
+                        <a:cs typeface="+mn-cs"/>
+                      </a:defRPr>
+                    </a:lvl7pPr>
+                    <a:lvl8pPr marL="3200400" algn="l" defTabSz="914400" rtl="0" eaLnBrk="1" latinLnBrk="1" hangingPunct="1">
+                      <a:defRPr sz="1800" kern="1200">
+                        <a:solidFill>
+                          <a:schemeClr val="lt1"/>
+                        </a:solidFill>
+                        <a:latin typeface="+mn-lt"/>
+                        <a:ea typeface="+mn-ea"/>
+                        <a:cs typeface="+mn-cs"/>
+                      </a:defRPr>
+                    </a:lvl8pPr>
+                    <a:lvl9pPr marL="3657600" algn="l" defTabSz="914400" rtl="0" eaLnBrk="1" latinLnBrk="1" hangingPunct="1">
+                      <a:defRPr sz="1800" kern="1200">
+                        <a:solidFill>
+                          <a:schemeClr val="lt1"/>
+                        </a:solidFill>
+                        <a:latin typeface="+mn-lt"/>
+                        <a:ea typeface="+mn-ea"/>
+                        <a:cs typeface="+mn-cs"/>
+                      </a:defRPr>
+                    </a:lvl9pPr>
+                  </a:lstStyle>
                   <a:p>
-                    <a:r>
-                      <a:rPr lang="en-US" altLang="ko-KR" sz="1600" b="1" dirty="0">
-                        <a:latin typeface="JejuGothic" panose="02000300000000000000" pitchFamily="2" charset="-127"/>
-                        <a:ea typeface="JejuGothic" panose="02000300000000000000" pitchFamily="2" charset="-127"/>
-                        <a:cs typeface="Malgun Gothic Semilight" panose="020B0502040204020203" pitchFamily="50" charset="-127"/>
-                      </a:rPr>
-                      <a:t>KT </a:t>
-                    </a:r>
-                    <a:r>
-                      <a:rPr lang="ko-KR" altLang="en-US" sz="1600" b="1" dirty="0">
-                        <a:latin typeface="JejuGothic" panose="02000300000000000000" pitchFamily="2" charset="-127"/>
-                        <a:ea typeface="JejuGothic" panose="02000300000000000000" pitchFamily="2" charset="-127"/>
-                        <a:cs typeface="Malgun Gothic Semilight" panose="020B0502040204020203" pitchFamily="50" charset="-127"/>
-                      </a:rPr>
-                      <a:t>장대식</a:t>
-                    </a:r>
-                  </a:p>
-                </p:txBody>
-              </p:sp>
-              <p:sp>
-                <p:nvSpPr>
-                  <p:cNvPr id="83" name="TextBox 82">
-                    <a:extLst>
-                      <a:ext uri="{FF2B5EF4-FFF2-40B4-BE49-F238E27FC236}">
-                        <a16:creationId xmlns:a16="http://schemas.microsoft.com/office/drawing/2014/main" id="{B17723B9-8F0E-3CDF-7178-851DC1FB9562}"/>
-                      </a:ext>
-                    </a:extLst>
-                  </p:cNvPr>
-                  <p:cNvSpPr txBox="1"/>
-                  <p:nvPr/>
-                </p:nvSpPr>
-                <p:spPr>
-                  <a:xfrm>
-                    <a:off x="9143999" y="2460793"/>
-                    <a:ext cx="1778000" cy="338554"/>
-                  </a:xfrm>
-                  <a:prstGeom prst="rect">
-                    <a:avLst/>
-                  </a:prstGeom>
-                  <a:noFill/>
-                </p:spPr>
-                <p:txBody>
-                  <a:bodyPr wrap="square" rtlCol="0">
-                    <a:spAutoFit/>
-                  </a:bodyPr>
-                  <a:lstStyle/>
-                  <a:p>
-                    <a:r>
-                      <a:rPr lang="en-US" altLang="ko-KR" sz="1600" b="1" dirty="0">
-                        <a:latin typeface="JejuGothic" panose="02000300000000000000" pitchFamily="2" charset="-127"/>
-                        <a:ea typeface="JejuGothic" panose="02000300000000000000" pitchFamily="2" charset="-127"/>
-                        <a:cs typeface="Malgun Gothic Semilight" panose="020B0502040204020203" pitchFamily="50" charset="-127"/>
-                      </a:rPr>
-                      <a:t>KT </a:t>
-                    </a:r>
-                    <a:r>
-                      <a:rPr lang="ko-KR" altLang="en-US" sz="1600" b="1" dirty="0">
-                        <a:latin typeface="JejuGothic" panose="02000300000000000000" pitchFamily="2" charset="-127"/>
-                        <a:ea typeface="JejuGothic" panose="02000300000000000000" pitchFamily="2" charset="-127"/>
-                        <a:cs typeface="Malgun Gothic Semilight" panose="020B0502040204020203" pitchFamily="50" charset="-127"/>
-                      </a:rPr>
-                      <a:t>조준희</a:t>
-                    </a:r>
-                  </a:p>
-                </p:txBody>
-              </p:sp>
-              <p:sp>
-                <p:nvSpPr>
-                  <p:cNvPr id="85" name="TextBox 84">
-                    <a:extLst>
-                      <a:ext uri="{FF2B5EF4-FFF2-40B4-BE49-F238E27FC236}">
-                        <a16:creationId xmlns:a16="http://schemas.microsoft.com/office/drawing/2014/main" id="{5EEE6422-439E-DC45-EB37-D9DD6EAA5098}"/>
-                      </a:ext>
-                    </a:extLst>
-                  </p:cNvPr>
-                  <p:cNvSpPr txBox="1"/>
-                  <p:nvPr/>
-                </p:nvSpPr>
-                <p:spPr>
-                  <a:xfrm>
-                    <a:off x="9143999" y="2906077"/>
-                    <a:ext cx="1858433" cy="338554"/>
-                  </a:xfrm>
-                  <a:prstGeom prst="rect">
-                    <a:avLst/>
-                  </a:prstGeom>
-                  <a:noFill/>
-                </p:spPr>
-                <p:txBody>
-                  <a:bodyPr wrap="square" rtlCol="0">
-                    <a:spAutoFit/>
-                  </a:bodyPr>
-                  <a:lstStyle/>
-                  <a:p>
-                    <a:r>
-                      <a:rPr lang="en-US" altLang="ko-KR" sz="1600" b="1" dirty="0">
-                        <a:latin typeface="JejuGothic" panose="02000300000000000000" pitchFamily="2" charset="-127"/>
-                        <a:ea typeface="JejuGothic" panose="02000300000000000000" pitchFamily="2" charset="-127"/>
-                        <a:cs typeface="Malgun Gothic Semilight" panose="020B0502040204020203" pitchFamily="50" charset="-127"/>
-                      </a:rPr>
-                      <a:t>NCSOFT </a:t>
-                    </a:r>
-                    <a:r>
-                      <a:rPr lang="ko-KR" altLang="en-US" sz="1600" b="1" dirty="0">
-                        <a:latin typeface="JejuGothic" panose="02000300000000000000" pitchFamily="2" charset="-127"/>
-                        <a:ea typeface="JejuGothic" panose="02000300000000000000" pitchFamily="2" charset="-127"/>
-                        <a:cs typeface="Malgun Gothic Semilight" panose="020B0502040204020203" pitchFamily="50" charset="-127"/>
-                      </a:rPr>
-                      <a:t>박선영</a:t>
-                    </a:r>
-                  </a:p>
-                </p:txBody>
-              </p:sp>
-              <p:sp>
-                <p:nvSpPr>
-                  <p:cNvPr id="86" name="TextBox 85">
-                    <a:extLst>
-                      <a:ext uri="{FF2B5EF4-FFF2-40B4-BE49-F238E27FC236}">
-                        <a16:creationId xmlns:a16="http://schemas.microsoft.com/office/drawing/2014/main" id="{C7D146C3-1E59-1948-DB38-0E9B040C2239}"/>
-                      </a:ext>
-                    </a:extLst>
-                  </p:cNvPr>
-                  <p:cNvSpPr txBox="1"/>
-                  <p:nvPr/>
-                </p:nvSpPr>
-                <p:spPr>
-                  <a:xfrm>
-                    <a:off x="8921524" y="3373794"/>
-                    <a:ext cx="1858433" cy="338554"/>
-                  </a:xfrm>
-                  <a:prstGeom prst="rect">
-                    <a:avLst/>
-                  </a:prstGeom>
-                  <a:noFill/>
-                </p:spPr>
-                <p:txBody>
-                  <a:bodyPr wrap="square" rtlCol="0">
-                    <a:spAutoFit/>
-                  </a:bodyPr>
-                  <a:lstStyle/>
-                  <a:p>
-                    <a:r>
-                      <a:rPr lang="ko-KR" altLang="en-US" sz="1600" b="1" dirty="0">
-                        <a:latin typeface="JejuGothic" panose="02000300000000000000" pitchFamily="2" charset="-127"/>
-                        <a:ea typeface="JejuGothic" panose="02000300000000000000" pitchFamily="2" charset="-127"/>
-                        <a:cs typeface="Malgun Gothic Semilight" panose="020B0502040204020203" pitchFamily="50" charset="-127"/>
-                      </a:rPr>
-                      <a:t>삼성</a:t>
-                    </a:r>
-                    <a:r>
-                      <a:rPr lang="en-US" altLang="ko-KR" sz="1600" b="1" dirty="0">
-                        <a:latin typeface="JejuGothic" panose="02000300000000000000" pitchFamily="2" charset="-127"/>
-                        <a:ea typeface="JejuGothic" panose="02000300000000000000" pitchFamily="2" charset="-127"/>
-                        <a:cs typeface="Malgun Gothic Semilight" panose="020B0502040204020203" pitchFamily="50" charset="-127"/>
-                      </a:rPr>
-                      <a:t> Research </a:t>
-                    </a:r>
-                    <a:r>
-                      <a:rPr lang="ko-KR" altLang="en-US" sz="1600" b="1" dirty="0" err="1">
-                        <a:latin typeface="JejuGothic" panose="02000300000000000000" pitchFamily="2" charset="-127"/>
-                        <a:ea typeface="JejuGothic" panose="02000300000000000000" pitchFamily="2" charset="-127"/>
-                        <a:cs typeface="Malgun Gothic Semilight" panose="020B0502040204020203" pitchFamily="50" charset="-127"/>
-                      </a:rPr>
-                      <a:t>허태훈</a:t>
-                    </a:r>
+                    <a:pPr algn="ctr"/>
                     <a:endParaRPr lang="ko-KR" altLang="en-US" sz="1600" b="1" dirty="0">
                       <a:latin typeface="JejuGothic" panose="02000300000000000000" pitchFamily="2" charset="-127"/>
                       <a:ea typeface="JejuGothic" panose="02000300000000000000" pitchFamily="2" charset="-127"/>
-                      <a:cs typeface="Malgun Gothic Semilight" panose="020B0502040204020203" pitchFamily="50" charset="-127"/>
                     </a:endParaRPr>
                   </a:p>
                 </p:txBody>
               </p:sp>
               <p:sp>
                 <p:nvSpPr>
-                  <p:cNvPr id="87" name="TextBox 86">
+                  <p:cNvPr id="5" name="사각형: 둥근 대각선 방향 모서리 4">
                     <a:extLst>
                       <a:ext uri="{FF2B5EF4-FFF2-40B4-BE49-F238E27FC236}">
-                        <a16:creationId xmlns:a16="http://schemas.microsoft.com/office/drawing/2014/main" id="{E4A99085-EF3F-41C0-16D9-ABD284B4E8C5}"/>
+                        <a16:creationId xmlns:a16="http://schemas.microsoft.com/office/drawing/2014/main" id="{593764AD-1567-2294-23D3-B456CAB10E52}"/>
                       </a:ext>
                     </a:extLst>
                   </p:cNvPr>
-                  <p:cNvSpPr txBox="1"/>
+                  <p:cNvSpPr/>
                   <p:nvPr/>
                 </p:nvSpPr>
                 <p:spPr>
                   <a:xfrm>
-                    <a:off x="9143999" y="3841510"/>
-                    <a:ext cx="1778000" cy="338554"/>
+                    <a:off x="948267" y="787124"/>
+                    <a:ext cx="10312400" cy="5275009"/>
+                  </a:xfrm>
+                  <a:prstGeom prst="round2DiagRect">
+                    <a:avLst/>
+                  </a:prstGeom>
+                  <a:solidFill>
+                    <a:schemeClr val="bg1"/>
+                  </a:solidFill>
+                  <a:ln>
+                    <a:noFill/>
+                  </a:ln>
+                </p:spPr>
+                <p:style>
+                  <a:lnRef idx="2">
+                    <a:schemeClr val="accent1">
+                      <a:shade val="50000"/>
+                    </a:schemeClr>
+                  </a:lnRef>
+                  <a:fillRef idx="1">
+                    <a:schemeClr val="accent1"/>
+                  </a:fillRef>
+                  <a:effectRef idx="0">
+                    <a:schemeClr val="accent1"/>
+                  </a:effectRef>
+                  <a:fontRef idx="minor">
+                    <a:schemeClr val="lt1"/>
+                  </a:fontRef>
+                </p:style>
+                <p:txBody>
+                  <a:bodyPr rtlCol="0" anchor="ctr"/>
+                  <a:lstStyle/>
+                  <a:p>
+                    <a:pPr algn="ctr"/>
+                    <a:endParaRPr lang="ko-KR" altLang="en-US" sz="1600" b="1">
+                      <a:latin typeface="JejuGothic" panose="02000300000000000000" pitchFamily="2" charset="-127"/>
+                      <a:ea typeface="JejuGothic" panose="02000300000000000000" pitchFamily="2" charset="-127"/>
+                    </a:endParaRPr>
+                  </a:p>
+                </p:txBody>
+              </p:sp>
+              <p:pic>
+                <p:nvPicPr>
+                  <p:cNvPr id="6" name="그림 5" descr="텍스트, 클립아트이(가) 표시된 사진&#10;&#10;자동 생성된 설명">
+                    <a:extLst>
+                      <a:ext uri="{FF2B5EF4-FFF2-40B4-BE49-F238E27FC236}">
+                        <a16:creationId xmlns:a16="http://schemas.microsoft.com/office/drawing/2014/main" id="{D369E016-1627-EBD6-FE1B-2F6688821AEA}"/>
+                      </a:ext>
+                    </a:extLst>
+                  </p:cNvPr>
+                  <p:cNvPicPr/>
+                  <p:nvPr/>
+                </p:nvPicPr>
+                <p:blipFill rotWithShape="1">
+                  <a:blip r:embed="rId2">
+                    <a:extLst>
+                      <a:ext uri="{28A0092B-C50C-407E-A947-70E740481C1C}">
+                        <a14:useLocalDpi xmlns:a14="http://schemas.microsoft.com/office/drawing/2010/main" val="0"/>
+                      </a:ext>
+                    </a:extLst>
+                  </a:blip>
+                  <a:srcRect l="2243" t="5155" r="3961" b="2267"/>
+                  <a:stretch/>
+                </p:blipFill>
+                <p:spPr>
+                  <a:xfrm>
+                    <a:off x="10284931" y="912707"/>
+                    <a:ext cx="848736" cy="709124"/>
                   </a:xfrm>
                   <a:prstGeom prst="rect">
                     <a:avLst/>
                   </a:prstGeom>
-                  <a:noFill/>
                 </p:spPr>
-                <p:txBody>
-                  <a:bodyPr wrap="square" rtlCol="0">
-                    <a:spAutoFit/>
-                  </a:bodyPr>
-                  <a:lstStyle/>
-                  <a:p>
-                    <a:r>
-                      <a:rPr lang="ko-KR" altLang="en-US" sz="1600" b="1" dirty="0" err="1">
-                        <a:latin typeface="JejuGothic" panose="02000300000000000000" pitchFamily="2" charset="-127"/>
-                        <a:ea typeface="JejuGothic" panose="02000300000000000000" pitchFamily="2" charset="-127"/>
-                        <a:cs typeface="Malgun Gothic Semilight" panose="020B0502040204020203" pitchFamily="50" charset="-127"/>
-                      </a:rPr>
-                      <a:t>두나무</a:t>
-                    </a:r>
-                    <a:r>
-                      <a:rPr lang="ko-KR" altLang="en-US" sz="1600" b="1" dirty="0">
-                        <a:latin typeface="JejuGothic" panose="02000300000000000000" pitchFamily="2" charset="-127"/>
-                        <a:ea typeface="JejuGothic" panose="02000300000000000000" pitchFamily="2" charset="-127"/>
-                        <a:cs typeface="Malgun Gothic Semilight" panose="020B0502040204020203" pitchFamily="50" charset="-127"/>
-                      </a:rPr>
-                      <a:t> </a:t>
-                    </a:r>
-                    <a:r>
-                      <a:rPr lang="ko-KR" altLang="en-US" sz="1600" b="1" dirty="0" err="1">
-                        <a:latin typeface="JejuGothic" panose="02000300000000000000" pitchFamily="2" charset="-127"/>
-                        <a:ea typeface="JejuGothic" panose="02000300000000000000" pitchFamily="2" charset="-127"/>
-                        <a:cs typeface="Malgun Gothic Semilight" panose="020B0502040204020203" pitchFamily="50" charset="-127"/>
-                      </a:rPr>
-                      <a:t>박충원</a:t>
-                    </a:r>
-                    <a:endParaRPr lang="ko-KR" altLang="en-US" sz="1600" b="1" dirty="0">
-                      <a:latin typeface="JejuGothic" panose="02000300000000000000" pitchFamily="2" charset="-127"/>
-                      <a:ea typeface="JejuGothic" panose="02000300000000000000" pitchFamily="2" charset="-127"/>
-                      <a:cs typeface="Malgun Gothic Semilight" panose="020B0502040204020203" pitchFamily="50" charset="-127"/>
-                    </a:endParaRPr>
-                  </a:p>
-                </p:txBody>
-              </p:sp>
-              <p:sp>
-                <p:nvSpPr>
-                  <p:cNvPr id="88" name="TextBox 87">
+              </p:pic>
+              <p:cxnSp>
+                <p:nvCxnSpPr>
+                  <p:cNvPr id="7" name="직선 연결선 6">
                     <a:extLst>
                       <a:ext uri="{FF2B5EF4-FFF2-40B4-BE49-F238E27FC236}">
-                        <a16:creationId xmlns:a16="http://schemas.microsoft.com/office/drawing/2014/main" id="{E87BA087-8FBE-08AB-D6C6-041FD8E5A2E2}"/>
+                        <a16:creationId xmlns:a16="http://schemas.microsoft.com/office/drawing/2014/main" id="{4960E649-9414-1D4C-451E-4F32C0A8B9DA}"/>
                       </a:ext>
                     </a:extLst>
                   </p:cNvPr>
-                  <p:cNvSpPr txBox="1"/>
+                  <p:cNvCxnSpPr>
+                    <a:cxnSpLocks/>
+                  </p:cNvCxnSpPr>
                   <p:nvPr/>
-                </p:nvSpPr>
+                </p:nvCxnSpPr>
                 <p:spPr>
                   <a:xfrm>
-                    <a:off x="8863965" y="4303114"/>
-                    <a:ext cx="2066718" cy="338554"/>
+                    <a:off x="4493419" y="1621831"/>
+                    <a:ext cx="3205162" cy="0"/>
                   </a:xfrm>
-                  <a:prstGeom prst="rect">
+                  <a:prstGeom prst="line">
                     <a:avLst/>
                   </a:prstGeom>
-                  <a:noFill/>
+                  <a:ln w="19050">
+                    <a:solidFill>
+                      <a:schemeClr val="bg1">
+                        <a:lumMod val="65000"/>
+                      </a:schemeClr>
+                    </a:solidFill>
+                  </a:ln>
                 </p:spPr>
-                <p:txBody>
-                  <a:bodyPr wrap="square" rtlCol="0">
-                    <a:spAutoFit/>
-                  </a:bodyPr>
-                  <a:lstStyle/>
-                  <a:p>
-                    <a:r>
-                      <a:rPr lang="en-US" altLang="ko-KR" sz="1600" b="1">
-                        <a:latin typeface="JejuGothic" panose="02000300000000000000" pitchFamily="2" charset="-127"/>
-                        <a:ea typeface="JejuGothic" panose="02000300000000000000" pitchFamily="2" charset="-127"/>
-                        <a:cs typeface="Malgun Gothic Semilight" panose="020B0502040204020203" pitchFamily="50" charset="-127"/>
-                      </a:rPr>
-                      <a:t>POSCO Holdings </a:t>
-                    </a:r>
-                    <a:r>
-                      <a:rPr lang="ko-KR" altLang="en-US" sz="1600" b="1" dirty="0" err="1">
-                        <a:latin typeface="JejuGothic" panose="02000300000000000000" pitchFamily="2" charset="-127"/>
-                        <a:ea typeface="JejuGothic" panose="02000300000000000000" pitchFamily="2" charset="-127"/>
-                        <a:cs typeface="Malgun Gothic Semilight" panose="020B0502040204020203" pitchFamily="50" charset="-127"/>
-                      </a:rPr>
-                      <a:t>최규리</a:t>
-                    </a:r>
-                    <a:endParaRPr lang="ko-KR" altLang="en-US" sz="1600" b="1" dirty="0">
-                      <a:latin typeface="JejuGothic" panose="02000300000000000000" pitchFamily="2" charset="-127"/>
-                      <a:ea typeface="JejuGothic" panose="02000300000000000000" pitchFamily="2" charset="-127"/>
-                      <a:cs typeface="Malgun Gothic Semilight" panose="020B0502040204020203" pitchFamily="50" charset="-127"/>
-                    </a:endParaRPr>
-                  </a:p>
-                </p:txBody>
-              </p:sp>
-              <p:sp>
-                <p:nvSpPr>
-                  <p:cNvPr id="89" name="TextBox 88">
-                    <a:extLst>
-                      <a:ext uri="{FF2B5EF4-FFF2-40B4-BE49-F238E27FC236}">
-                        <a16:creationId xmlns:a16="http://schemas.microsoft.com/office/drawing/2014/main" id="{C578B6F3-7AA1-6E18-CA3B-AFE90B3240D3}"/>
-                      </a:ext>
-                    </a:extLst>
-                  </p:cNvPr>
-                  <p:cNvSpPr txBox="1"/>
-                  <p:nvPr/>
-                </p:nvSpPr>
-                <p:spPr>
-                  <a:xfrm>
-                    <a:off x="9141883" y="4764718"/>
-                    <a:ext cx="1778000" cy="338554"/>
-                  </a:xfrm>
-                  <a:prstGeom prst="rect">
-                    <a:avLst/>
-                  </a:prstGeom>
-                  <a:noFill/>
-                </p:spPr>
-                <p:txBody>
-                  <a:bodyPr wrap="square" rtlCol="0">
-                    <a:spAutoFit/>
-                  </a:bodyPr>
-                  <a:lstStyle/>
-                  <a:p>
-                    <a:r>
-                      <a:rPr lang="en-US" altLang="ko-KR" sz="1600" b="1" dirty="0">
-                        <a:latin typeface="JejuGothic" panose="02000300000000000000" pitchFamily="2" charset="-127"/>
-                        <a:ea typeface="JejuGothic" panose="02000300000000000000" pitchFamily="2" charset="-127"/>
-                        <a:cs typeface="Malgun Gothic Semilight" panose="020B0502040204020203" pitchFamily="50" charset="-127"/>
-                      </a:rPr>
-                      <a:t>NEXON </a:t>
-                    </a:r>
-                    <a:r>
-                      <a:rPr lang="ko-KR" altLang="en-US" sz="1600" b="1" dirty="0" err="1">
-                        <a:latin typeface="JejuGothic" panose="02000300000000000000" pitchFamily="2" charset="-127"/>
-                        <a:ea typeface="JejuGothic" panose="02000300000000000000" pitchFamily="2" charset="-127"/>
-                        <a:cs typeface="Malgun Gothic Semilight" panose="020B0502040204020203" pitchFamily="50" charset="-127"/>
-                      </a:rPr>
-                      <a:t>장영재</a:t>
-                    </a:r>
-                    <a:endParaRPr lang="ko-KR" altLang="en-US" sz="1600" b="1" dirty="0">
-                      <a:latin typeface="JejuGothic" panose="02000300000000000000" pitchFamily="2" charset="-127"/>
-                      <a:ea typeface="JejuGothic" panose="02000300000000000000" pitchFamily="2" charset="-127"/>
-                      <a:cs typeface="Malgun Gothic Semilight" panose="020B0502040204020203" pitchFamily="50" charset="-127"/>
-                    </a:endParaRPr>
-                  </a:p>
-                </p:txBody>
-              </p:sp>
+                <p:style>
+                  <a:lnRef idx="1">
+                    <a:schemeClr val="accent1"/>
+                  </a:lnRef>
+                  <a:fillRef idx="0">
+                    <a:schemeClr val="accent1"/>
+                  </a:fillRef>
+                  <a:effectRef idx="0">
+                    <a:schemeClr val="accent1"/>
+                  </a:effectRef>
+                  <a:fontRef idx="minor">
+                    <a:schemeClr val="tx1"/>
+                  </a:fontRef>
+                </p:style>
+              </p:cxnSp>
             </p:grpSp>
-            <p:pic>
-              <p:nvPicPr>
-                <p:cNvPr id="3" name="그림 2">
+            <p:sp>
+              <p:nvSpPr>
+                <p:cNvPr id="9" name="TextBox 8">
                   <a:extLst>
                     <a:ext uri="{FF2B5EF4-FFF2-40B4-BE49-F238E27FC236}">
-                      <a16:creationId xmlns:a16="http://schemas.microsoft.com/office/drawing/2014/main" id="{63367B81-F993-09E4-C791-BAD9AA3192CA}"/>
+                      <a16:creationId xmlns:a16="http://schemas.microsoft.com/office/drawing/2014/main" id="{BD1F53D7-EB4F-9AB0-392D-B83E83F48999}"/>
                     </a:ext>
                   </a:extLst>
                 </p:cNvPr>
-                <p:cNvPicPr>
-                  <a:picLocks noChangeAspect="1"/>
-                </p:cNvPicPr>
+                <p:cNvSpPr txBox="1"/>
                 <p:nvPr/>
-              </p:nvPicPr>
-              <p:blipFill rotWithShape="1">
-                <a:blip r:embed="rId3">
-                  <a:extLst>
-                    <a:ext uri="{28A0092B-C50C-407E-A947-70E740481C1C}">
-                      <a14:useLocalDpi xmlns:a14="http://schemas.microsoft.com/office/drawing/2010/main" val="0"/>
-                    </a:ext>
-                  </a:extLst>
-                </a:blip>
-                <a:srcRect l="13117" t="15493" r="12280" b="11649"/>
-                <a:stretch/>
-              </p:blipFill>
+              </p:nvSpPr>
               <p:spPr>
                 <a:xfrm>
-                  <a:off x="2173830" y="2094585"/>
-                  <a:ext cx="279537" cy="252000"/>
-                </a:xfrm>
-                <a:prstGeom prst="rect">
-                  <a:avLst/>
-                </a:prstGeom>
-              </p:spPr>
-            </p:pic>
-            <p:pic>
-              <p:nvPicPr>
-                <p:cNvPr id="8" name="그림 7">
-                  <a:extLst>
-                    <a:ext uri="{FF2B5EF4-FFF2-40B4-BE49-F238E27FC236}">
-                      <a16:creationId xmlns:a16="http://schemas.microsoft.com/office/drawing/2014/main" id="{32576362-C869-FBE5-432A-6AF585E0B669}"/>
-                    </a:ext>
-                  </a:extLst>
-                </p:cNvPr>
-                <p:cNvPicPr>
-                  <a:picLocks noChangeAspect="1"/>
-                </p:cNvPicPr>
-                <p:nvPr/>
-              </p:nvPicPr>
-              <p:blipFill rotWithShape="1">
-                <a:blip r:embed="rId3">
-                  <a:extLst>
-                    <a:ext uri="{28A0092B-C50C-407E-A947-70E740481C1C}">
-                      <a14:useLocalDpi xmlns:a14="http://schemas.microsoft.com/office/drawing/2010/main" val="0"/>
-                    </a:ext>
-                  </a:extLst>
-                </a:blip>
-                <a:srcRect l="13117" t="15493" r="12280" b="11649"/>
-                <a:stretch/>
-              </p:blipFill>
-              <p:spPr>
-                <a:xfrm>
-                  <a:off x="2173830" y="2565159"/>
-                  <a:ext cx="279537" cy="252000"/>
-                </a:xfrm>
-                <a:prstGeom prst="rect">
-                  <a:avLst/>
-                </a:prstGeom>
-              </p:spPr>
-            </p:pic>
-            <p:pic>
-              <p:nvPicPr>
-                <p:cNvPr id="16" name="그림 15">
-                  <a:extLst>
-                    <a:ext uri="{FF2B5EF4-FFF2-40B4-BE49-F238E27FC236}">
-                      <a16:creationId xmlns:a16="http://schemas.microsoft.com/office/drawing/2014/main" id="{40D16107-FFD0-7BEF-388B-585F02EB37D8}"/>
-                    </a:ext>
-                  </a:extLst>
-                </p:cNvPr>
-                <p:cNvPicPr>
-                  <a:picLocks noChangeAspect="1"/>
-                </p:cNvPicPr>
-                <p:nvPr/>
-              </p:nvPicPr>
-              <p:blipFill>
-                <a:blip r:embed="rId4">
-                  <a:extLst>
-                    <a:ext uri="{28A0092B-C50C-407E-A947-70E740481C1C}">
-                      <a14:useLocalDpi xmlns:a14="http://schemas.microsoft.com/office/drawing/2010/main" val="0"/>
-                    </a:ext>
-                  </a:extLst>
-                </a:blip>
-                <a:stretch>
-                  <a:fillRect/>
-                </a:stretch>
-              </p:blipFill>
-              <p:spPr>
-                <a:xfrm>
-                  <a:off x="1990387" y="3006832"/>
-                  <a:ext cx="462980" cy="252000"/>
-                </a:xfrm>
-                <a:prstGeom prst="rect">
-                  <a:avLst/>
-                </a:prstGeom>
-              </p:spPr>
-            </p:pic>
-            <p:pic>
-              <p:nvPicPr>
-                <p:cNvPr id="17" name="Picture 4" descr="카카오스탁MAP X 두나무투자일임 투자세미나 &lt;8인8색 주식 투자 이야기&gt; - 이벤터스">
-                  <a:extLst>
-                    <a:ext uri="{FF2B5EF4-FFF2-40B4-BE49-F238E27FC236}">
-                      <a16:creationId xmlns:a16="http://schemas.microsoft.com/office/drawing/2014/main" id="{A37BCDAE-61BF-BF8B-0FC5-22440C35CD74}"/>
-                    </a:ext>
-                  </a:extLst>
-                </p:cNvPr>
-                <p:cNvPicPr>
-                  <a:picLocks noChangeAspect="1" noChangeArrowheads="1"/>
-                </p:cNvPicPr>
-                <p:nvPr/>
-              </p:nvPicPr>
-              <p:blipFill rotWithShape="1">
-                <a:blip r:embed="rId5">
-                  <a:extLst>
-                    <a:ext uri="{28A0092B-C50C-407E-A947-70E740481C1C}">
-                      <a14:useLocalDpi xmlns:a14="http://schemas.microsoft.com/office/drawing/2010/main" val="0"/>
-                    </a:ext>
-                  </a:extLst>
-                </a:blip>
-                <a:srcRect t="20151" b="21117"/>
-                <a:stretch/>
-              </p:blipFill>
-              <p:spPr bwMode="auto">
-                <a:xfrm>
-                  <a:off x="1690577" y="3943018"/>
-                  <a:ext cx="762790" cy="252000"/>
+                  <a:off x="3047999" y="1029599"/>
+                  <a:ext cx="6096000" cy="584775"/>
                 </a:xfrm>
                 <a:prstGeom prst="rect">
                   <a:avLst/>
                 </a:prstGeom>
                 <a:noFill/>
-                <a:extLst>
-                  <a:ext uri="{909E8E84-426E-40DD-AFC4-6F175D3DCCD1}">
-                    <a14:hiddenFill xmlns:a14="http://schemas.microsoft.com/office/drawing/2010/main">
-                      <a:solidFill>
-                        <a:srgbClr val="FFFFFF"/>
-                      </a:solidFill>
-                    </a14:hiddenFill>
-                  </a:ext>
-                </a:extLst>
               </p:spPr>
-            </p:pic>
-            <p:pic>
-              <p:nvPicPr>
-                <p:cNvPr id="18" name="그림 17">
+              <p:txBody>
+                <a:bodyPr wrap="square">
+                  <a:spAutoFit/>
+                </a:bodyPr>
+                <a:lstStyle/>
+                <a:p>
+                  <a:pPr algn="ctr"/>
+                  <a:r>
+                    <a:rPr lang="ko-KR" altLang="en-US" sz="3200" b="1" dirty="0">
+                      <a:latin typeface="JejuGothic" panose="02000300000000000000" pitchFamily="2" charset="-127"/>
+                      <a:ea typeface="JejuGothic" panose="02000300000000000000" pitchFamily="2" charset="-127"/>
+                      <a:cs typeface="Malgun Gothic Semilight" panose="020B0502040204020203" pitchFamily="50" charset="-127"/>
+                    </a:rPr>
+                    <a:t>입사를 축하 드립니다</a:t>
+                  </a:r>
+                  <a:r>
+                    <a:rPr lang="en-US" altLang="ko-KR" sz="3200" b="1" dirty="0">
+                      <a:latin typeface="JejuGothic" panose="02000300000000000000" pitchFamily="2" charset="-127"/>
+                      <a:ea typeface="JejuGothic" panose="02000300000000000000" pitchFamily="2" charset="-127"/>
+                      <a:cs typeface="Malgun Gothic Semilight" panose="020B0502040204020203" pitchFamily="50" charset="-127"/>
+                    </a:rPr>
+                    <a:t>!</a:t>
+                  </a:r>
+                  <a:endParaRPr lang="ko-KR" altLang="en-US" sz="3200" b="1" dirty="0">
+                    <a:latin typeface="JejuGothic" panose="02000300000000000000" pitchFamily="2" charset="-127"/>
+                    <a:ea typeface="JejuGothic" panose="02000300000000000000" pitchFamily="2" charset="-127"/>
+                    <a:cs typeface="Malgun Gothic Semilight" panose="020B0502040204020203" pitchFamily="50" charset="-127"/>
+                  </a:endParaRPr>
+                </a:p>
+              </p:txBody>
+            </p:sp>
+            <p:grpSp>
+              <p:nvGrpSpPr>
+                <p:cNvPr id="20" name="그룹 19">
                   <a:extLst>
                     <a:ext uri="{FF2B5EF4-FFF2-40B4-BE49-F238E27FC236}">
-                      <a16:creationId xmlns:a16="http://schemas.microsoft.com/office/drawing/2014/main" id="{F600F1FC-7A44-59FA-9904-E4E6A34731F0}"/>
-                    </a:ext>
-                  </a:extLst>
-                </p:cNvPr>
-                <p:cNvPicPr>
-                  <a:picLocks noChangeAspect="1"/>
-                </p:cNvPicPr>
-                <p:nvPr/>
-              </p:nvPicPr>
-              <p:blipFill>
-                <a:blip r:embed="rId6"/>
-                <a:stretch>
-                  <a:fillRect/>
-                </a:stretch>
-              </p:blipFill>
-              <p:spPr>
-                <a:xfrm>
-                  <a:off x="1473508" y="4407351"/>
-                  <a:ext cx="630000" cy="252000"/>
-                </a:xfrm>
-                <a:prstGeom prst="rect">
-                  <a:avLst/>
-                </a:prstGeom>
-              </p:spPr>
-            </p:pic>
-            <p:pic>
-              <p:nvPicPr>
-                <p:cNvPr id="19" name="그림 18">
-                  <a:extLst>
-                    <a:ext uri="{FF2B5EF4-FFF2-40B4-BE49-F238E27FC236}">
-                      <a16:creationId xmlns:a16="http://schemas.microsoft.com/office/drawing/2014/main" id="{1BCB1882-0177-0AFC-48B0-7BA7D879764D}"/>
-                    </a:ext>
-                  </a:extLst>
-                </p:cNvPr>
-                <p:cNvPicPr>
-                  <a:picLocks noChangeAspect="1"/>
-                </p:cNvPicPr>
-                <p:nvPr/>
-              </p:nvPicPr>
-              <p:blipFill>
-                <a:blip r:embed="rId7"/>
-                <a:stretch>
-                  <a:fillRect/>
-                </a:stretch>
-              </p:blipFill>
-              <p:spPr>
-                <a:xfrm>
-                  <a:off x="1624418" y="4871684"/>
-                  <a:ext cx="828949" cy="252000"/>
-                </a:xfrm>
-                <a:prstGeom prst="rect">
-                  <a:avLst/>
-                </a:prstGeom>
-              </p:spPr>
-            </p:pic>
-          </p:grpSp>
-          <p:grpSp>
-            <p:nvGrpSpPr>
-              <p:cNvPr id="24" name="그룹 23">
-                <a:extLst>
-                  <a:ext uri="{FF2B5EF4-FFF2-40B4-BE49-F238E27FC236}">
-                    <a16:creationId xmlns:a16="http://schemas.microsoft.com/office/drawing/2014/main" id="{4345ADF2-05C1-8303-71AC-8BA9B9D735D3}"/>
-                  </a:ext>
-                </a:extLst>
-              </p:cNvPr>
-              <p:cNvGrpSpPr/>
-              <p:nvPr/>
-            </p:nvGrpSpPr>
-            <p:grpSpPr>
-              <a:xfrm>
-                <a:off x="1380103" y="2020232"/>
-                <a:ext cx="6284875" cy="3610495"/>
-                <a:chOff x="1977864" y="2024890"/>
-                <a:chExt cx="6284875" cy="3610495"/>
-              </a:xfrm>
-            </p:grpSpPr>
-            <p:grpSp>
-              <p:nvGrpSpPr>
-                <p:cNvPr id="71" name="그룹 70">
-                  <a:extLst>
-                    <a:ext uri="{FF2B5EF4-FFF2-40B4-BE49-F238E27FC236}">
-                      <a16:creationId xmlns:a16="http://schemas.microsoft.com/office/drawing/2014/main" id="{9236EDFA-12A2-EBF8-B841-4C5D3F458EDD}"/>
+                      <a16:creationId xmlns:a16="http://schemas.microsoft.com/office/drawing/2014/main" id="{0F924B32-3336-4CE2-15C4-1628B93A44F0}"/>
                     </a:ext>
                   </a:extLst>
                 </p:cNvPr>
@@ -8306,281 +7688,1085 @@
               </p:nvGrpSpPr>
               <p:grpSpPr>
                 <a:xfrm>
-                  <a:off x="3040785" y="2024890"/>
-                  <a:ext cx="5221954" cy="3610495"/>
-                  <a:chOff x="6183511" y="1954050"/>
-                  <a:chExt cx="5221954" cy="3610495"/>
+                  <a:off x="1473508" y="2054364"/>
+                  <a:ext cx="3242412" cy="3107139"/>
+                  <a:chOff x="1473508" y="2054364"/>
+                  <a:chExt cx="3242412" cy="3107139"/>
                 </a:xfrm>
               </p:grpSpPr>
-              <p:sp>
-                <p:nvSpPr>
-                  <p:cNvPr id="63" name="TextBox 62">
+              <p:grpSp>
+                <p:nvGrpSpPr>
+                  <p:cNvPr id="81" name="그룹 80">
                     <a:extLst>
                       <a:ext uri="{FF2B5EF4-FFF2-40B4-BE49-F238E27FC236}">
-                        <a16:creationId xmlns:a16="http://schemas.microsoft.com/office/drawing/2014/main" id="{A3AC17F7-4927-30AE-9B92-306FE4AF6429}"/>
+                        <a16:creationId xmlns:a16="http://schemas.microsoft.com/office/drawing/2014/main" id="{EAAD9F51-7A9A-DDEA-F31A-DBD2ABBC982C}"/>
                       </a:ext>
                     </a:extLst>
                   </p:cNvPr>
-                  <p:cNvSpPr txBox="1"/>
+                  <p:cNvGrpSpPr/>
                   <p:nvPr/>
-                </p:nvSpPr>
+                </p:nvGrpSpPr>
+                <p:grpSpPr>
+                  <a:xfrm>
+                    <a:off x="2103504" y="2054364"/>
+                    <a:ext cx="2612416" cy="3107139"/>
+                    <a:chOff x="8863965" y="1996133"/>
+                    <a:chExt cx="2138467" cy="3107139"/>
+                  </a:xfrm>
+                </p:grpSpPr>
+                <p:sp>
+                  <p:nvSpPr>
+                    <p:cNvPr id="82" name="TextBox 81">
+                      <a:extLst>
+                        <a:ext uri="{FF2B5EF4-FFF2-40B4-BE49-F238E27FC236}">
+                          <a16:creationId xmlns:a16="http://schemas.microsoft.com/office/drawing/2014/main" id="{B276A898-E3FB-0DF2-0DA4-7919332ACA74}"/>
+                        </a:ext>
+                      </a:extLst>
+                    </p:cNvPr>
+                    <p:cNvSpPr txBox="1"/>
+                    <p:nvPr/>
+                  </p:nvSpPr>
+                  <p:spPr>
+                    <a:xfrm>
+                      <a:off x="9143999" y="1996133"/>
+                      <a:ext cx="1778000" cy="338554"/>
+                    </a:xfrm>
+                    <a:prstGeom prst="rect">
+                      <a:avLst/>
+                    </a:prstGeom>
+                    <a:noFill/>
+                  </p:spPr>
+                  <p:txBody>
+                    <a:bodyPr wrap="square" rtlCol="0">
+                      <a:spAutoFit/>
+                    </a:bodyPr>
+                    <a:lstStyle/>
+                    <a:p>
+                      <a:r>
+                        <a:rPr lang="en-US" altLang="ko-KR" sz="1600" b="1" dirty="0">
+                          <a:latin typeface="JejuGothic" panose="02000300000000000000" pitchFamily="2" charset="-127"/>
+                          <a:ea typeface="JejuGothic" panose="02000300000000000000" pitchFamily="2" charset="-127"/>
+                          <a:cs typeface="Malgun Gothic Semilight" panose="020B0502040204020203" pitchFamily="50" charset="-127"/>
+                        </a:rPr>
+                        <a:t>KT </a:t>
+                      </a:r>
+                      <a:r>
+                        <a:rPr lang="ko-KR" altLang="en-US" sz="1600" b="1" dirty="0">
+                          <a:latin typeface="JejuGothic" panose="02000300000000000000" pitchFamily="2" charset="-127"/>
+                          <a:ea typeface="JejuGothic" panose="02000300000000000000" pitchFamily="2" charset="-127"/>
+                          <a:cs typeface="Malgun Gothic Semilight" panose="020B0502040204020203" pitchFamily="50" charset="-127"/>
+                        </a:rPr>
+                        <a:t>장대식</a:t>
+                      </a:r>
+                    </a:p>
+                  </p:txBody>
+                </p:sp>
+                <p:sp>
+                  <p:nvSpPr>
+                    <p:cNvPr id="83" name="TextBox 82">
+                      <a:extLst>
+                        <a:ext uri="{FF2B5EF4-FFF2-40B4-BE49-F238E27FC236}">
+                          <a16:creationId xmlns:a16="http://schemas.microsoft.com/office/drawing/2014/main" id="{B17723B9-8F0E-3CDF-7178-851DC1FB9562}"/>
+                        </a:ext>
+                      </a:extLst>
+                    </p:cNvPr>
+                    <p:cNvSpPr txBox="1"/>
+                    <p:nvPr/>
+                  </p:nvSpPr>
+                  <p:spPr>
+                    <a:xfrm>
+                      <a:off x="9143999" y="2460793"/>
+                      <a:ext cx="1778000" cy="338554"/>
+                    </a:xfrm>
+                    <a:prstGeom prst="rect">
+                      <a:avLst/>
+                    </a:prstGeom>
+                    <a:noFill/>
+                  </p:spPr>
+                  <p:txBody>
+                    <a:bodyPr wrap="square" rtlCol="0">
+                      <a:spAutoFit/>
+                    </a:bodyPr>
+                    <a:lstStyle/>
+                    <a:p>
+                      <a:r>
+                        <a:rPr lang="en-US" altLang="ko-KR" sz="1600" b="1" dirty="0">
+                          <a:latin typeface="JejuGothic" panose="02000300000000000000" pitchFamily="2" charset="-127"/>
+                          <a:ea typeface="JejuGothic" panose="02000300000000000000" pitchFamily="2" charset="-127"/>
+                          <a:cs typeface="Malgun Gothic Semilight" panose="020B0502040204020203" pitchFamily="50" charset="-127"/>
+                        </a:rPr>
+                        <a:t>KT </a:t>
+                      </a:r>
+                      <a:r>
+                        <a:rPr lang="ko-KR" altLang="en-US" sz="1600" b="1" dirty="0">
+                          <a:latin typeface="JejuGothic" panose="02000300000000000000" pitchFamily="2" charset="-127"/>
+                          <a:ea typeface="JejuGothic" panose="02000300000000000000" pitchFamily="2" charset="-127"/>
+                          <a:cs typeface="Malgun Gothic Semilight" panose="020B0502040204020203" pitchFamily="50" charset="-127"/>
+                        </a:rPr>
+                        <a:t>조준희</a:t>
+                      </a:r>
+                    </a:p>
+                  </p:txBody>
+                </p:sp>
+                <p:sp>
+                  <p:nvSpPr>
+                    <p:cNvPr id="85" name="TextBox 84">
+                      <a:extLst>
+                        <a:ext uri="{FF2B5EF4-FFF2-40B4-BE49-F238E27FC236}">
+                          <a16:creationId xmlns:a16="http://schemas.microsoft.com/office/drawing/2014/main" id="{5EEE6422-439E-DC45-EB37-D9DD6EAA5098}"/>
+                        </a:ext>
+                      </a:extLst>
+                    </p:cNvPr>
+                    <p:cNvSpPr txBox="1"/>
+                    <p:nvPr/>
+                  </p:nvSpPr>
+                  <p:spPr>
+                    <a:xfrm>
+                      <a:off x="9143999" y="2906077"/>
+                      <a:ext cx="1858433" cy="338554"/>
+                    </a:xfrm>
+                    <a:prstGeom prst="rect">
+                      <a:avLst/>
+                    </a:prstGeom>
+                    <a:noFill/>
+                  </p:spPr>
+                  <p:txBody>
+                    <a:bodyPr wrap="square" rtlCol="0">
+                      <a:spAutoFit/>
+                    </a:bodyPr>
+                    <a:lstStyle/>
+                    <a:p>
+                      <a:r>
+                        <a:rPr lang="en-US" altLang="ko-KR" sz="1600" b="1" dirty="0">
+                          <a:latin typeface="JejuGothic" panose="02000300000000000000" pitchFamily="2" charset="-127"/>
+                          <a:ea typeface="JejuGothic" panose="02000300000000000000" pitchFamily="2" charset="-127"/>
+                          <a:cs typeface="Malgun Gothic Semilight" panose="020B0502040204020203" pitchFamily="50" charset="-127"/>
+                        </a:rPr>
+                        <a:t>NCSOFT </a:t>
+                      </a:r>
+                      <a:r>
+                        <a:rPr lang="ko-KR" altLang="en-US" sz="1600" b="1" dirty="0">
+                          <a:latin typeface="JejuGothic" panose="02000300000000000000" pitchFamily="2" charset="-127"/>
+                          <a:ea typeface="JejuGothic" panose="02000300000000000000" pitchFamily="2" charset="-127"/>
+                          <a:cs typeface="Malgun Gothic Semilight" panose="020B0502040204020203" pitchFamily="50" charset="-127"/>
+                        </a:rPr>
+                        <a:t>박선영</a:t>
+                      </a:r>
+                    </a:p>
+                  </p:txBody>
+                </p:sp>
+                <p:sp>
+                  <p:nvSpPr>
+                    <p:cNvPr id="86" name="TextBox 85">
+                      <a:extLst>
+                        <a:ext uri="{FF2B5EF4-FFF2-40B4-BE49-F238E27FC236}">
+                          <a16:creationId xmlns:a16="http://schemas.microsoft.com/office/drawing/2014/main" id="{C7D146C3-1E59-1948-DB38-0E9B040C2239}"/>
+                        </a:ext>
+                      </a:extLst>
+                    </p:cNvPr>
+                    <p:cNvSpPr txBox="1"/>
+                    <p:nvPr/>
+                  </p:nvSpPr>
+                  <p:spPr>
+                    <a:xfrm>
+                      <a:off x="8921524" y="3373794"/>
+                      <a:ext cx="1858433" cy="338554"/>
+                    </a:xfrm>
+                    <a:prstGeom prst="rect">
+                      <a:avLst/>
+                    </a:prstGeom>
+                    <a:noFill/>
+                  </p:spPr>
+                  <p:txBody>
+                    <a:bodyPr wrap="square" rtlCol="0">
+                      <a:spAutoFit/>
+                    </a:bodyPr>
+                    <a:lstStyle/>
+                    <a:p>
+                      <a:r>
+                        <a:rPr lang="ko-KR" altLang="en-US" sz="1600" b="1" dirty="0">
+                          <a:latin typeface="JejuGothic" panose="02000300000000000000" pitchFamily="2" charset="-127"/>
+                          <a:ea typeface="JejuGothic" panose="02000300000000000000" pitchFamily="2" charset="-127"/>
+                          <a:cs typeface="Malgun Gothic Semilight" panose="020B0502040204020203" pitchFamily="50" charset="-127"/>
+                        </a:rPr>
+                        <a:t>삼성</a:t>
+                      </a:r>
+                      <a:r>
+                        <a:rPr lang="en-US" altLang="ko-KR" sz="1600" b="1" dirty="0">
+                          <a:latin typeface="JejuGothic" panose="02000300000000000000" pitchFamily="2" charset="-127"/>
+                          <a:ea typeface="JejuGothic" panose="02000300000000000000" pitchFamily="2" charset="-127"/>
+                          <a:cs typeface="Malgun Gothic Semilight" panose="020B0502040204020203" pitchFamily="50" charset="-127"/>
+                        </a:rPr>
+                        <a:t> Research </a:t>
+                      </a:r>
+                      <a:r>
+                        <a:rPr lang="ko-KR" altLang="en-US" sz="1600" b="1" dirty="0" err="1">
+                          <a:latin typeface="JejuGothic" panose="02000300000000000000" pitchFamily="2" charset="-127"/>
+                          <a:ea typeface="JejuGothic" panose="02000300000000000000" pitchFamily="2" charset="-127"/>
+                          <a:cs typeface="Malgun Gothic Semilight" panose="020B0502040204020203" pitchFamily="50" charset="-127"/>
+                        </a:rPr>
+                        <a:t>허태훈</a:t>
+                      </a:r>
+                      <a:endParaRPr lang="ko-KR" altLang="en-US" sz="1600" b="1" dirty="0">
+                        <a:latin typeface="JejuGothic" panose="02000300000000000000" pitchFamily="2" charset="-127"/>
+                        <a:ea typeface="JejuGothic" panose="02000300000000000000" pitchFamily="2" charset="-127"/>
+                        <a:cs typeface="Malgun Gothic Semilight" panose="020B0502040204020203" pitchFamily="50" charset="-127"/>
+                      </a:endParaRPr>
+                    </a:p>
+                  </p:txBody>
+                </p:sp>
+                <p:sp>
+                  <p:nvSpPr>
+                    <p:cNvPr id="87" name="TextBox 86">
+                      <a:extLst>
+                        <a:ext uri="{FF2B5EF4-FFF2-40B4-BE49-F238E27FC236}">
+                          <a16:creationId xmlns:a16="http://schemas.microsoft.com/office/drawing/2014/main" id="{E4A99085-EF3F-41C0-16D9-ABD284B4E8C5}"/>
+                        </a:ext>
+                      </a:extLst>
+                    </p:cNvPr>
+                    <p:cNvSpPr txBox="1"/>
+                    <p:nvPr/>
+                  </p:nvSpPr>
+                  <p:spPr>
+                    <a:xfrm>
+                      <a:off x="9143999" y="3841510"/>
+                      <a:ext cx="1778000" cy="338554"/>
+                    </a:xfrm>
+                    <a:prstGeom prst="rect">
+                      <a:avLst/>
+                    </a:prstGeom>
+                    <a:noFill/>
+                  </p:spPr>
+                  <p:txBody>
+                    <a:bodyPr wrap="square" rtlCol="0">
+                      <a:spAutoFit/>
+                    </a:bodyPr>
+                    <a:lstStyle/>
+                    <a:p>
+                      <a:r>
+                        <a:rPr lang="ko-KR" altLang="en-US" sz="1600" b="1" dirty="0" err="1">
+                          <a:latin typeface="JejuGothic" panose="02000300000000000000" pitchFamily="2" charset="-127"/>
+                          <a:ea typeface="JejuGothic" panose="02000300000000000000" pitchFamily="2" charset="-127"/>
+                          <a:cs typeface="Malgun Gothic Semilight" panose="020B0502040204020203" pitchFamily="50" charset="-127"/>
+                        </a:rPr>
+                        <a:t>두나무</a:t>
+                      </a:r>
+                      <a:r>
+                        <a:rPr lang="ko-KR" altLang="en-US" sz="1600" b="1" dirty="0">
+                          <a:latin typeface="JejuGothic" panose="02000300000000000000" pitchFamily="2" charset="-127"/>
+                          <a:ea typeface="JejuGothic" panose="02000300000000000000" pitchFamily="2" charset="-127"/>
+                          <a:cs typeface="Malgun Gothic Semilight" panose="020B0502040204020203" pitchFamily="50" charset="-127"/>
+                        </a:rPr>
+                        <a:t> </a:t>
+                      </a:r>
+                      <a:r>
+                        <a:rPr lang="ko-KR" altLang="en-US" sz="1600" b="1" dirty="0" err="1">
+                          <a:latin typeface="JejuGothic" panose="02000300000000000000" pitchFamily="2" charset="-127"/>
+                          <a:ea typeface="JejuGothic" panose="02000300000000000000" pitchFamily="2" charset="-127"/>
+                          <a:cs typeface="Malgun Gothic Semilight" panose="020B0502040204020203" pitchFamily="50" charset="-127"/>
+                        </a:rPr>
+                        <a:t>박충원</a:t>
+                      </a:r>
+                      <a:endParaRPr lang="ko-KR" altLang="en-US" sz="1600" b="1" dirty="0">
+                        <a:latin typeface="JejuGothic" panose="02000300000000000000" pitchFamily="2" charset="-127"/>
+                        <a:ea typeface="JejuGothic" panose="02000300000000000000" pitchFamily="2" charset="-127"/>
+                        <a:cs typeface="Malgun Gothic Semilight" panose="020B0502040204020203" pitchFamily="50" charset="-127"/>
+                      </a:endParaRPr>
+                    </a:p>
+                  </p:txBody>
+                </p:sp>
+                <p:sp>
+                  <p:nvSpPr>
+                    <p:cNvPr id="88" name="TextBox 87">
+                      <a:extLst>
+                        <a:ext uri="{FF2B5EF4-FFF2-40B4-BE49-F238E27FC236}">
+                          <a16:creationId xmlns:a16="http://schemas.microsoft.com/office/drawing/2014/main" id="{E87BA087-8FBE-08AB-D6C6-041FD8E5A2E2}"/>
+                        </a:ext>
+                      </a:extLst>
+                    </p:cNvPr>
+                    <p:cNvSpPr txBox="1"/>
+                    <p:nvPr/>
+                  </p:nvSpPr>
+                  <p:spPr>
+                    <a:xfrm>
+                      <a:off x="8863965" y="4303114"/>
+                      <a:ext cx="2066718" cy="338554"/>
+                    </a:xfrm>
+                    <a:prstGeom prst="rect">
+                      <a:avLst/>
+                    </a:prstGeom>
+                    <a:noFill/>
+                  </p:spPr>
+                  <p:txBody>
+                    <a:bodyPr wrap="square" rtlCol="0">
+                      <a:spAutoFit/>
+                    </a:bodyPr>
+                    <a:lstStyle/>
+                    <a:p>
+                      <a:r>
+                        <a:rPr lang="en-US" altLang="ko-KR" sz="1600" b="1">
+                          <a:latin typeface="JejuGothic" panose="02000300000000000000" pitchFamily="2" charset="-127"/>
+                          <a:ea typeface="JejuGothic" panose="02000300000000000000" pitchFamily="2" charset="-127"/>
+                          <a:cs typeface="Malgun Gothic Semilight" panose="020B0502040204020203" pitchFamily="50" charset="-127"/>
+                        </a:rPr>
+                        <a:t>POSCO Holdings </a:t>
+                      </a:r>
+                      <a:r>
+                        <a:rPr lang="ko-KR" altLang="en-US" sz="1600" b="1" dirty="0" err="1">
+                          <a:latin typeface="JejuGothic" panose="02000300000000000000" pitchFamily="2" charset="-127"/>
+                          <a:ea typeface="JejuGothic" panose="02000300000000000000" pitchFamily="2" charset="-127"/>
+                          <a:cs typeface="Malgun Gothic Semilight" panose="020B0502040204020203" pitchFamily="50" charset="-127"/>
+                        </a:rPr>
+                        <a:t>최규리</a:t>
+                      </a:r>
+                      <a:endParaRPr lang="ko-KR" altLang="en-US" sz="1600" b="1" dirty="0">
+                        <a:latin typeface="JejuGothic" panose="02000300000000000000" pitchFamily="2" charset="-127"/>
+                        <a:ea typeface="JejuGothic" panose="02000300000000000000" pitchFamily="2" charset="-127"/>
+                        <a:cs typeface="Malgun Gothic Semilight" panose="020B0502040204020203" pitchFamily="50" charset="-127"/>
+                      </a:endParaRPr>
+                    </a:p>
+                  </p:txBody>
+                </p:sp>
+                <p:sp>
+                  <p:nvSpPr>
+                    <p:cNvPr id="89" name="TextBox 88">
+                      <a:extLst>
+                        <a:ext uri="{FF2B5EF4-FFF2-40B4-BE49-F238E27FC236}">
+                          <a16:creationId xmlns:a16="http://schemas.microsoft.com/office/drawing/2014/main" id="{C578B6F3-7AA1-6E18-CA3B-AFE90B3240D3}"/>
+                        </a:ext>
+                      </a:extLst>
+                    </p:cNvPr>
+                    <p:cNvSpPr txBox="1"/>
+                    <p:nvPr/>
+                  </p:nvSpPr>
+                  <p:spPr>
+                    <a:xfrm>
+                      <a:off x="9141883" y="4764718"/>
+                      <a:ext cx="1778000" cy="338554"/>
+                    </a:xfrm>
+                    <a:prstGeom prst="rect">
+                      <a:avLst/>
+                    </a:prstGeom>
+                    <a:noFill/>
+                  </p:spPr>
+                  <p:txBody>
+                    <a:bodyPr wrap="square" rtlCol="0">
+                      <a:spAutoFit/>
+                    </a:bodyPr>
+                    <a:lstStyle/>
+                    <a:p>
+                      <a:r>
+                        <a:rPr lang="en-US" altLang="ko-KR" sz="1600" b="1" dirty="0">
+                          <a:latin typeface="JejuGothic" panose="02000300000000000000" pitchFamily="2" charset="-127"/>
+                          <a:ea typeface="JejuGothic" panose="02000300000000000000" pitchFamily="2" charset="-127"/>
+                          <a:cs typeface="Malgun Gothic Semilight" panose="020B0502040204020203" pitchFamily="50" charset="-127"/>
+                        </a:rPr>
+                        <a:t>NEXON </a:t>
+                      </a:r>
+                      <a:r>
+                        <a:rPr lang="ko-KR" altLang="en-US" sz="1600" b="1" dirty="0" err="1">
+                          <a:latin typeface="JejuGothic" panose="02000300000000000000" pitchFamily="2" charset="-127"/>
+                          <a:ea typeface="JejuGothic" panose="02000300000000000000" pitchFamily="2" charset="-127"/>
+                          <a:cs typeface="Malgun Gothic Semilight" panose="020B0502040204020203" pitchFamily="50" charset="-127"/>
+                        </a:rPr>
+                        <a:t>장영재</a:t>
+                      </a:r>
+                      <a:endParaRPr lang="ko-KR" altLang="en-US" sz="1600" b="1" dirty="0">
+                        <a:latin typeface="JejuGothic" panose="02000300000000000000" pitchFamily="2" charset="-127"/>
+                        <a:ea typeface="JejuGothic" panose="02000300000000000000" pitchFamily="2" charset="-127"/>
+                        <a:cs typeface="Malgun Gothic Semilight" panose="020B0502040204020203" pitchFamily="50" charset="-127"/>
+                      </a:endParaRPr>
+                    </a:p>
+                  </p:txBody>
+                </p:sp>
+              </p:grpSp>
+              <p:pic>
+                <p:nvPicPr>
+                  <p:cNvPr id="3" name="그림 2">
+                    <a:extLst>
+                      <a:ext uri="{FF2B5EF4-FFF2-40B4-BE49-F238E27FC236}">
+                        <a16:creationId xmlns:a16="http://schemas.microsoft.com/office/drawing/2014/main" id="{63367B81-F993-09E4-C791-BAD9AA3192CA}"/>
+                      </a:ext>
+                    </a:extLst>
+                  </p:cNvPr>
+                  <p:cNvPicPr>
+                    <a:picLocks noChangeAspect="1"/>
+                  </p:cNvPicPr>
+                  <p:nvPr/>
+                </p:nvPicPr>
+                <p:blipFill rotWithShape="1">
+                  <a:blip r:embed="rId3">
+                    <a:extLst>
+                      <a:ext uri="{28A0092B-C50C-407E-A947-70E740481C1C}">
+                        <a14:useLocalDpi xmlns:a14="http://schemas.microsoft.com/office/drawing/2010/main" val="0"/>
+                      </a:ext>
+                    </a:extLst>
+                  </a:blip>
+                  <a:srcRect l="13117" t="15493" r="12280" b="11649"/>
+                  <a:stretch/>
+                </p:blipFill>
                 <p:spPr>
                   <a:xfrm>
-                    <a:off x="6183511" y="5225991"/>
-                    <a:ext cx="1858433" cy="338554"/>
+                    <a:off x="2173830" y="2094585"/>
+                    <a:ext cx="279537" cy="252000"/>
+                  </a:xfrm>
+                  <a:prstGeom prst="rect">
+                    <a:avLst/>
+                  </a:prstGeom>
+                </p:spPr>
+              </p:pic>
+              <p:pic>
+                <p:nvPicPr>
+                  <p:cNvPr id="8" name="그림 7">
+                    <a:extLst>
+                      <a:ext uri="{FF2B5EF4-FFF2-40B4-BE49-F238E27FC236}">
+                        <a16:creationId xmlns:a16="http://schemas.microsoft.com/office/drawing/2014/main" id="{32576362-C869-FBE5-432A-6AF585E0B669}"/>
+                      </a:ext>
+                    </a:extLst>
+                  </p:cNvPr>
+                  <p:cNvPicPr>
+                    <a:picLocks noChangeAspect="1"/>
+                  </p:cNvPicPr>
+                  <p:nvPr/>
+                </p:nvPicPr>
+                <p:blipFill rotWithShape="1">
+                  <a:blip r:embed="rId3">
+                    <a:extLst>
+                      <a:ext uri="{28A0092B-C50C-407E-A947-70E740481C1C}">
+                        <a14:useLocalDpi xmlns:a14="http://schemas.microsoft.com/office/drawing/2010/main" val="0"/>
+                      </a:ext>
+                    </a:extLst>
+                  </a:blip>
+                  <a:srcRect l="13117" t="15493" r="12280" b="11649"/>
+                  <a:stretch/>
+                </p:blipFill>
+                <p:spPr>
+                  <a:xfrm>
+                    <a:off x="2173830" y="2565159"/>
+                    <a:ext cx="279537" cy="252000"/>
+                  </a:xfrm>
+                  <a:prstGeom prst="rect">
+                    <a:avLst/>
+                  </a:prstGeom>
+                </p:spPr>
+              </p:pic>
+              <p:pic>
+                <p:nvPicPr>
+                  <p:cNvPr id="16" name="그림 15">
+                    <a:extLst>
+                      <a:ext uri="{FF2B5EF4-FFF2-40B4-BE49-F238E27FC236}">
+                        <a16:creationId xmlns:a16="http://schemas.microsoft.com/office/drawing/2014/main" id="{40D16107-FFD0-7BEF-388B-585F02EB37D8}"/>
+                      </a:ext>
+                    </a:extLst>
+                  </p:cNvPr>
+                  <p:cNvPicPr>
+                    <a:picLocks noChangeAspect="1"/>
+                  </p:cNvPicPr>
+                  <p:nvPr/>
+                </p:nvPicPr>
+                <p:blipFill>
+                  <a:blip r:embed="rId4">
+                    <a:extLst>
+                      <a:ext uri="{28A0092B-C50C-407E-A947-70E740481C1C}">
+                        <a14:useLocalDpi xmlns:a14="http://schemas.microsoft.com/office/drawing/2010/main" val="0"/>
+                      </a:ext>
+                    </a:extLst>
+                  </a:blip>
+                  <a:stretch>
+                    <a:fillRect/>
+                  </a:stretch>
+                </p:blipFill>
+                <p:spPr>
+                  <a:xfrm>
+                    <a:off x="1990387" y="3006832"/>
+                    <a:ext cx="462980" cy="252000"/>
+                  </a:xfrm>
+                  <a:prstGeom prst="rect">
+                    <a:avLst/>
+                  </a:prstGeom>
+                </p:spPr>
+              </p:pic>
+              <p:pic>
+                <p:nvPicPr>
+                  <p:cNvPr id="17" name="Picture 4" descr="카카오스탁MAP X 두나무투자일임 투자세미나 &lt;8인8색 주식 투자 이야기&gt; - 이벤터스">
+                    <a:extLst>
+                      <a:ext uri="{FF2B5EF4-FFF2-40B4-BE49-F238E27FC236}">
+                        <a16:creationId xmlns:a16="http://schemas.microsoft.com/office/drawing/2014/main" id="{A37BCDAE-61BF-BF8B-0FC5-22440C35CD74}"/>
+                      </a:ext>
+                    </a:extLst>
+                  </p:cNvPr>
+                  <p:cNvPicPr>
+                    <a:picLocks noChangeAspect="1" noChangeArrowheads="1"/>
+                  </p:cNvPicPr>
+                  <p:nvPr/>
+                </p:nvPicPr>
+                <p:blipFill rotWithShape="1">
+                  <a:blip r:embed="rId5">
+                    <a:extLst>
+                      <a:ext uri="{28A0092B-C50C-407E-A947-70E740481C1C}">
+                        <a14:useLocalDpi xmlns:a14="http://schemas.microsoft.com/office/drawing/2010/main" val="0"/>
+                      </a:ext>
+                    </a:extLst>
+                  </a:blip>
+                  <a:srcRect t="20151" b="21117"/>
+                  <a:stretch/>
+                </p:blipFill>
+                <p:spPr bwMode="auto">
+                  <a:xfrm>
+                    <a:off x="1690577" y="3943018"/>
+                    <a:ext cx="762790" cy="252000"/>
                   </a:xfrm>
                   <a:prstGeom prst="rect">
                     <a:avLst/>
                   </a:prstGeom>
                   <a:noFill/>
+                  <a:extLst>
+                    <a:ext uri="{909E8E84-426E-40DD-AFC4-6F175D3DCCD1}">
+                      <a14:hiddenFill xmlns:a14="http://schemas.microsoft.com/office/drawing/2010/main">
+                        <a:solidFill>
+                          <a:srgbClr val="FFFFFF"/>
+                        </a:solidFill>
+                      </a14:hiddenFill>
+                    </a:ext>
+                  </a:extLst>
                 </p:spPr>
-                <p:txBody>
-                  <a:bodyPr wrap="square" rtlCol="0">
-                    <a:spAutoFit/>
-                  </a:bodyPr>
-                  <a:lstStyle/>
-                  <a:p>
-                    <a:r>
-                      <a:rPr lang="en-US" altLang="ko-KR" sz="1600" b="1" dirty="0">
+              </p:pic>
+              <p:pic>
+                <p:nvPicPr>
+                  <p:cNvPr id="18" name="그림 17">
+                    <a:extLst>
+                      <a:ext uri="{FF2B5EF4-FFF2-40B4-BE49-F238E27FC236}">
+                        <a16:creationId xmlns:a16="http://schemas.microsoft.com/office/drawing/2014/main" id="{F600F1FC-7A44-59FA-9904-E4E6A34731F0}"/>
+                      </a:ext>
+                    </a:extLst>
+                  </p:cNvPr>
+                  <p:cNvPicPr>
+                    <a:picLocks noChangeAspect="1"/>
+                  </p:cNvPicPr>
+                  <p:nvPr/>
+                </p:nvPicPr>
+                <p:blipFill>
+                  <a:blip r:embed="rId6"/>
+                  <a:stretch>
+                    <a:fillRect/>
+                  </a:stretch>
+                </p:blipFill>
+                <p:spPr>
+                  <a:xfrm>
+                    <a:off x="1473508" y="4407351"/>
+                    <a:ext cx="630000" cy="252000"/>
+                  </a:xfrm>
+                  <a:prstGeom prst="rect">
+                    <a:avLst/>
+                  </a:prstGeom>
+                </p:spPr>
+              </p:pic>
+              <p:pic>
+                <p:nvPicPr>
+                  <p:cNvPr id="19" name="그림 18">
+                    <a:extLst>
+                      <a:ext uri="{FF2B5EF4-FFF2-40B4-BE49-F238E27FC236}">
+                        <a16:creationId xmlns:a16="http://schemas.microsoft.com/office/drawing/2014/main" id="{1BCB1882-0177-0AFC-48B0-7BA7D879764D}"/>
+                      </a:ext>
+                    </a:extLst>
+                  </p:cNvPr>
+                  <p:cNvPicPr>
+                    <a:picLocks noChangeAspect="1"/>
+                  </p:cNvPicPr>
+                  <p:nvPr/>
+                </p:nvPicPr>
+                <p:blipFill>
+                  <a:blip r:embed="rId7"/>
+                  <a:stretch>
+                    <a:fillRect/>
+                  </a:stretch>
+                </p:blipFill>
+                <p:spPr>
+                  <a:xfrm>
+                    <a:off x="1624418" y="4871684"/>
+                    <a:ext cx="828949" cy="252000"/>
+                  </a:xfrm>
+                  <a:prstGeom prst="rect">
+                    <a:avLst/>
+                  </a:prstGeom>
+                </p:spPr>
+              </p:pic>
+            </p:grpSp>
+            <p:grpSp>
+              <p:nvGrpSpPr>
+                <p:cNvPr id="24" name="그룹 23">
+                  <a:extLst>
+                    <a:ext uri="{FF2B5EF4-FFF2-40B4-BE49-F238E27FC236}">
+                      <a16:creationId xmlns:a16="http://schemas.microsoft.com/office/drawing/2014/main" id="{4345ADF2-05C1-8303-71AC-8BA9B9D735D3}"/>
+                    </a:ext>
+                  </a:extLst>
+                </p:cNvPr>
+                <p:cNvGrpSpPr/>
+                <p:nvPr/>
+              </p:nvGrpSpPr>
+              <p:grpSpPr>
+                <a:xfrm>
+                  <a:off x="1380103" y="2020232"/>
+                  <a:ext cx="6284875" cy="3610495"/>
+                  <a:chOff x="1977864" y="2024890"/>
+                  <a:chExt cx="6284875" cy="3610495"/>
+                </a:xfrm>
+              </p:grpSpPr>
+              <p:grpSp>
+                <p:nvGrpSpPr>
+                  <p:cNvPr id="71" name="그룹 70">
+                    <a:extLst>
+                      <a:ext uri="{FF2B5EF4-FFF2-40B4-BE49-F238E27FC236}">
+                        <a16:creationId xmlns:a16="http://schemas.microsoft.com/office/drawing/2014/main" id="{9236EDFA-12A2-EBF8-B841-4C5D3F458EDD}"/>
+                      </a:ext>
+                    </a:extLst>
+                  </p:cNvPr>
+                  <p:cNvGrpSpPr/>
+                  <p:nvPr/>
+                </p:nvGrpSpPr>
+                <p:grpSpPr>
+                  <a:xfrm>
+                    <a:off x="3040785" y="2024890"/>
+                    <a:ext cx="5221954" cy="3610495"/>
+                    <a:chOff x="6183511" y="1954050"/>
+                    <a:chExt cx="5221954" cy="3610495"/>
+                  </a:xfrm>
+                </p:grpSpPr>
+                <p:sp>
+                  <p:nvSpPr>
+                    <p:cNvPr id="63" name="TextBox 62">
+                      <a:extLst>
+                        <a:ext uri="{FF2B5EF4-FFF2-40B4-BE49-F238E27FC236}">
+                          <a16:creationId xmlns:a16="http://schemas.microsoft.com/office/drawing/2014/main" id="{A3AC17F7-4927-30AE-9B92-306FE4AF6429}"/>
+                        </a:ext>
+                      </a:extLst>
+                    </p:cNvPr>
+                    <p:cNvSpPr txBox="1"/>
+                    <p:nvPr/>
+                  </p:nvSpPr>
+                  <p:spPr>
+                    <a:xfrm>
+                      <a:off x="6183511" y="5225991"/>
+                      <a:ext cx="1858433" cy="338554"/>
+                    </a:xfrm>
+                    <a:prstGeom prst="rect">
+                      <a:avLst/>
+                    </a:prstGeom>
+                    <a:noFill/>
+                  </p:spPr>
+                  <p:txBody>
+                    <a:bodyPr wrap="square" rtlCol="0">
+                      <a:spAutoFit/>
+                    </a:bodyPr>
+                    <a:lstStyle/>
+                    <a:p>
+                      <a:r>
+                        <a:rPr lang="en-US" altLang="ko-KR" sz="1600" b="1" dirty="0">
+                          <a:latin typeface="JejuGothic" panose="02000300000000000000" pitchFamily="2" charset="-127"/>
+                          <a:ea typeface="JejuGothic" panose="02000300000000000000" pitchFamily="2" charset="-127"/>
+                          <a:cs typeface="Malgun Gothic Semilight" panose="020B0502040204020203" pitchFamily="50" charset="-127"/>
+                        </a:rPr>
+                        <a:t>HYUNDAI </a:t>
+                      </a:r>
+                      <a:r>
+                        <a:rPr lang="ko-KR" altLang="en-US" sz="1600" b="1" dirty="0" err="1">
+                          <a:latin typeface="JejuGothic" panose="02000300000000000000" pitchFamily="2" charset="-127"/>
+                          <a:ea typeface="JejuGothic" panose="02000300000000000000" pitchFamily="2" charset="-127"/>
+                          <a:cs typeface="Malgun Gothic Semilight" panose="020B0502040204020203" pitchFamily="50" charset="-127"/>
+                        </a:rPr>
+                        <a:t>유재아</a:t>
+                      </a:r>
+                      <a:endParaRPr lang="ko-KR" altLang="en-US" sz="1600" b="1" dirty="0">
                         <a:latin typeface="JejuGothic" panose="02000300000000000000" pitchFamily="2" charset="-127"/>
                         <a:ea typeface="JejuGothic" panose="02000300000000000000" pitchFamily="2" charset="-127"/>
                         <a:cs typeface="Malgun Gothic Semilight" panose="020B0502040204020203" pitchFamily="50" charset="-127"/>
-                      </a:rPr>
-                      <a:t>HYUNDAI </a:t>
-                    </a:r>
-                    <a:r>
-                      <a:rPr lang="ko-KR" altLang="en-US" sz="1600" b="1" dirty="0" err="1">
+                      </a:endParaRPr>
+                    </a:p>
+                  </p:txBody>
+                </p:sp>
+                <p:sp>
+                  <p:nvSpPr>
+                    <p:cNvPr id="64" name="TextBox 63">
+                      <a:extLst>
+                        <a:ext uri="{FF2B5EF4-FFF2-40B4-BE49-F238E27FC236}">
+                          <a16:creationId xmlns:a16="http://schemas.microsoft.com/office/drawing/2014/main" id="{05AB733D-3358-4D64-4364-24EE3AF06E6C}"/>
+                        </a:ext>
+                      </a:extLst>
+                    </p:cNvPr>
+                    <p:cNvSpPr txBox="1"/>
+                    <p:nvPr/>
+                  </p:nvSpPr>
+                  <p:spPr>
+                    <a:xfrm>
+                      <a:off x="9135147" y="1954050"/>
+                      <a:ext cx="1778000" cy="338554"/>
+                    </a:xfrm>
+                    <a:prstGeom prst="rect">
+                      <a:avLst/>
+                    </a:prstGeom>
+                    <a:noFill/>
+                  </p:spPr>
+                  <p:txBody>
+                    <a:bodyPr wrap="square" rtlCol="0">
+                      <a:spAutoFit/>
+                    </a:bodyPr>
+                    <a:lstStyle/>
+                    <a:p>
+                      <a:r>
+                        <a:rPr lang="en-US" altLang="ko-KR" sz="1600" b="1" dirty="0">
+                          <a:latin typeface="JejuGothic" panose="02000300000000000000" pitchFamily="2" charset="-127"/>
+                          <a:ea typeface="JejuGothic" panose="02000300000000000000" pitchFamily="2" charset="-127"/>
+                          <a:cs typeface="Malgun Gothic Semilight" panose="020B0502040204020203" pitchFamily="50" charset="-127"/>
+                        </a:rPr>
+                        <a:t>KT</a:t>
+                      </a:r>
+                      <a:r>
+                        <a:rPr lang="ko-KR" altLang="en-US" sz="1600" b="1" dirty="0">
+                          <a:latin typeface="JejuGothic" panose="02000300000000000000" pitchFamily="2" charset="-127"/>
+                          <a:ea typeface="JejuGothic" panose="02000300000000000000" pitchFamily="2" charset="-127"/>
+                          <a:cs typeface="Malgun Gothic Semilight" panose="020B0502040204020203" pitchFamily="50" charset="-127"/>
+                        </a:rPr>
+                        <a:t> </a:t>
+                      </a:r>
+                      <a:r>
+                        <a:rPr lang="ko-KR" altLang="en-US" sz="1600" b="1" dirty="0" err="1">
+                          <a:latin typeface="JejuGothic" panose="02000300000000000000" pitchFamily="2" charset="-127"/>
+                          <a:ea typeface="JejuGothic" panose="02000300000000000000" pitchFamily="2" charset="-127"/>
+                          <a:cs typeface="Malgun Gothic Semilight" panose="020B0502040204020203" pitchFamily="50" charset="-127"/>
+                        </a:rPr>
+                        <a:t>이홍희</a:t>
+                      </a:r>
+                      <a:endParaRPr lang="ko-KR" altLang="en-US" sz="1600" b="1" dirty="0">
                         <a:latin typeface="JejuGothic" panose="02000300000000000000" pitchFamily="2" charset="-127"/>
                         <a:ea typeface="JejuGothic" panose="02000300000000000000" pitchFamily="2" charset="-127"/>
                         <a:cs typeface="Malgun Gothic Semilight" panose="020B0502040204020203" pitchFamily="50" charset="-127"/>
-                      </a:rPr>
-                      <a:t>유재아</a:t>
-                    </a:r>
-                    <a:endParaRPr lang="ko-KR" altLang="en-US" sz="1600" b="1" dirty="0">
-                      <a:latin typeface="JejuGothic" panose="02000300000000000000" pitchFamily="2" charset="-127"/>
-                      <a:ea typeface="JejuGothic" panose="02000300000000000000" pitchFamily="2" charset="-127"/>
-                      <a:cs typeface="Malgun Gothic Semilight" panose="020B0502040204020203" pitchFamily="50" charset="-127"/>
-                    </a:endParaRPr>
-                  </a:p>
-                </p:txBody>
-              </p:sp>
-              <p:sp>
-                <p:nvSpPr>
-                  <p:cNvPr id="64" name="TextBox 63">
+                      </a:endParaRPr>
+                    </a:p>
+                  </p:txBody>
+                </p:sp>
+                <p:sp>
+                  <p:nvSpPr>
+                    <p:cNvPr id="65" name="TextBox 64">
+                      <a:extLst>
+                        <a:ext uri="{FF2B5EF4-FFF2-40B4-BE49-F238E27FC236}">
+                          <a16:creationId xmlns:a16="http://schemas.microsoft.com/office/drawing/2014/main" id="{7211B888-DFF7-982A-4AEF-A85FA6A0BC69}"/>
+                        </a:ext>
+                      </a:extLst>
+                    </p:cNvPr>
+                    <p:cNvSpPr txBox="1"/>
+                    <p:nvPr/>
+                  </p:nvSpPr>
+                  <p:spPr>
+                    <a:xfrm>
+                      <a:off x="9135147" y="2418710"/>
+                      <a:ext cx="2270318" cy="338554"/>
+                    </a:xfrm>
+                    <a:prstGeom prst="rect">
+                      <a:avLst/>
+                    </a:prstGeom>
+                    <a:noFill/>
+                  </p:spPr>
+                  <p:txBody>
+                    <a:bodyPr wrap="square" rtlCol="0">
+                      <a:spAutoFit/>
+                    </a:bodyPr>
+                    <a:lstStyle/>
+                    <a:p>
+                      <a:r>
+                        <a:rPr lang="ko-KR" altLang="en-US" sz="1600" b="1" dirty="0">
+                          <a:latin typeface="JejuGothic" panose="02000300000000000000" pitchFamily="2" charset="-127"/>
+                          <a:ea typeface="JejuGothic" panose="02000300000000000000" pitchFamily="2" charset="-127"/>
+                          <a:cs typeface="Malgun Gothic Semilight" panose="020B0502040204020203" pitchFamily="50" charset="-127"/>
+                        </a:rPr>
+                        <a:t>삼성전자</a:t>
+                      </a:r>
+                      <a:r>
+                        <a:rPr lang="en-US" altLang="ko-KR" sz="1600" b="1" dirty="0">
+                          <a:latin typeface="JejuGothic" panose="02000300000000000000" pitchFamily="2" charset="-127"/>
+                          <a:ea typeface="JejuGothic" panose="02000300000000000000" pitchFamily="2" charset="-127"/>
+                          <a:cs typeface="Malgun Gothic Semilight" panose="020B0502040204020203" pitchFamily="50" charset="-127"/>
+                        </a:rPr>
+                        <a:t> </a:t>
+                      </a:r>
+                      <a:r>
+                        <a:rPr lang="ko-KR" altLang="en-US" sz="1600" b="1" dirty="0">
+                          <a:latin typeface="JejuGothic" panose="02000300000000000000" pitchFamily="2" charset="-127"/>
+                          <a:ea typeface="JejuGothic" panose="02000300000000000000" pitchFamily="2" charset="-127"/>
+                          <a:cs typeface="Malgun Gothic Semilight" panose="020B0502040204020203" pitchFamily="50" charset="-127"/>
+                        </a:rPr>
+                        <a:t>김진영</a:t>
+                      </a:r>
+                    </a:p>
+                  </p:txBody>
+                </p:sp>
+                <p:sp>
+                  <p:nvSpPr>
+                    <p:cNvPr id="66" name="TextBox 65">
+                      <a:extLst>
+                        <a:ext uri="{FF2B5EF4-FFF2-40B4-BE49-F238E27FC236}">
+                          <a16:creationId xmlns:a16="http://schemas.microsoft.com/office/drawing/2014/main" id="{F40729F9-6C38-C3D4-D302-1F732B2D95E1}"/>
+                        </a:ext>
+                      </a:extLst>
+                    </p:cNvPr>
+                    <p:cNvSpPr txBox="1"/>
+                    <p:nvPr/>
+                  </p:nvSpPr>
+                  <p:spPr>
+                    <a:xfrm>
+                      <a:off x="9135147" y="2884366"/>
+                      <a:ext cx="2207912" cy="338554"/>
+                    </a:xfrm>
+                    <a:prstGeom prst="rect">
+                      <a:avLst/>
+                    </a:prstGeom>
+                    <a:noFill/>
+                  </p:spPr>
+                  <p:txBody>
+                    <a:bodyPr wrap="square" rtlCol="0">
+                      <a:spAutoFit/>
+                    </a:bodyPr>
+                    <a:lstStyle/>
+                    <a:p>
+                      <a:r>
+                        <a:rPr lang="ko-KR" altLang="en-US" sz="1600" b="1" dirty="0">
+                          <a:latin typeface="JejuGothic" panose="02000300000000000000" pitchFamily="2" charset="-127"/>
+                          <a:ea typeface="JejuGothic" panose="02000300000000000000" pitchFamily="2" charset="-127"/>
+                          <a:cs typeface="Malgun Gothic Semilight" panose="020B0502040204020203" pitchFamily="50" charset="-127"/>
+                        </a:rPr>
+                        <a:t>삼성</a:t>
+                      </a:r>
+                      <a:r>
+                        <a:rPr lang="en-US" altLang="ko-KR" sz="1600" b="1" dirty="0">
+                          <a:latin typeface="JejuGothic" panose="02000300000000000000" pitchFamily="2" charset="-127"/>
+                          <a:ea typeface="JejuGothic" panose="02000300000000000000" pitchFamily="2" charset="-127"/>
+                          <a:cs typeface="Malgun Gothic Semilight" panose="020B0502040204020203" pitchFamily="50" charset="-127"/>
+                        </a:rPr>
+                        <a:t> Research </a:t>
+                      </a:r>
+                      <a:r>
+                        <a:rPr lang="ko-KR" altLang="en-US" sz="1600" b="1" dirty="0" err="1">
+                          <a:latin typeface="JejuGothic" panose="02000300000000000000" pitchFamily="2" charset="-127"/>
+                          <a:ea typeface="JejuGothic" panose="02000300000000000000" pitchFamily="2" charset="-127"/>
+                          <a:cs typeface="Malgun Gothic Semilight" panose="020B0502040204020203" pitchFamily="50" charset="-127"/>
+                        </a:rPr>
+                        <a:t>박지열</a:t>
+                      </a:r>
+                      <a:endParaRPr lang="ko-KR" altLang="en-US" sz="1600" b="1" dirty="0">
+                        <a:latin typeface="JejuGothic" panose="02000300000000000000" pitchFamily="2" charset="-127"/>
+                        <a:ea typeface="JejuGothic" panose="02000300000000000000" pitchFamily="2" charset="-127"/>
+                        <a:cs typeface="Malgun Gothic Semilight" panose="020B0502040204020203" pitchFamily="50" charset="-127"/>
+                      </a:endParaRPr>
+                    </a:p>
+                  </p:txBody>
+                </p:sp>
+              </p:grpSp>
+              <p:pic>
+                <p:nvPicPr>
+                  <p:cNvPr id="13" name="그림 12">
                     <a:extLst>
                       <a:ext uri="{FF2B5EF4-FFF2-40B4-BE49-F238E27FC236}">
-                        <a16:creationId xmlns:a16="http://schemas.microsoft.com/office/drawing/2014/main" id="{05AB733D-3358-4D64-4364-24EE3AF06E6C}"/>
+                        <a16:creationId xmlns:a16="http://schemas.microsoft.com/office/drawing/2014/main" id="{C521EB37-6593-07FB-76C0-000CA8CC6996}"/>
                       </a:ext>
                     </a:extLst>
                   </p:cNvPr>
-                  <p:cNvSpPr txBox="1"/>
+                  <p:cNvPicPr>
+                    <a:picLocks noChangeAspect="1"/>
+                  </p:cNvPicPr>
                   <p:nvPr/>
-                </p:nvSpPr>
+                </p:nvPicPr>
+                <p:blipFill rotWithShape="1">
+                  <a:blip r:embed="rId3">
+                    <a:extLst>
+                      <a:ext uri="{28A0092B-C50C-407E-A947-70E740481C1C}">
+                        <a14:useLocalDpi xmlns:a14="http://schemas.microsoft.com/office/drawing/2010/main" val="0"/>
+                      </a:ext>
+                    </a:extLst>
+                  </a:blip>
+                  <a:srcRect l="13117" t="15493" r="12280" b="11649"/>
+                  <a:stretch/>
+                </p:blipFill>
                 <p:spPr>
                   <a:xfrm>
-                    <a:off x="9135147" y="1954050"/>
-                    <a:ext cx="1778000" cy="338554"/>
+                    <a:off x="5712677" y="2067284"/>
+                    <a:ext cx="279537" cy="252000"/>
+                  </a:xfrm>
+                  <a:prstGeom prst="rect">
+                    <a:avLst/>
+                  </a:prstGeom>
+                </p:spPr>
+              </p:pic>
+              <p:pic>
+                <p:nvPicPr>
+                  <p:cNvPr id="14" name="Picture 10">
+                    <a:extLst>
+                      <a:ext uri="{FF2B5EF4-FFF2-40B4-BE49-F238E27FC236}">
+                        <a16:creationId xmlns:a16="http://schemas.microsoft.com/office/drawing/2014/main" id="{ECEFDE85-1E72-128F-881F-B91B9FDF94B1}"/>
+                      </a:ext>
+                    </a:extLst>
+                  </p:cNvPr>
+                  <p:cNvPicPr>
+                    <a:picLocks noChangeAspect="1" noChangeArrowheads="1"/>
+                  </p:cNvPicPr>
+                  <p:nvPr/>
+                </p:nvPicPr>
+                <p:blipFill>
+                  <a:blip r:embed="rId8">
+                    <a:extLst>
+                      <a:ext uri="{28A0092B-C50C-407E-A947-70E740481C1C}">
+                        <a14:useLocalDpi xmlns:a14="http://schemas.microsoft.com/office/drawing/2010/main" val="0"/>
+                      </a:ext>
+                    </a:extLst>
+                  </a:blip>
+                  <a:srcRect/>
+                  <a:stretch>
+                    <a:fillRect/>
+                  </a:stretch>
+                </p:blipFill>
+                <p:spPr bwMode="auto">
+                  <a:xfrm>
+                    <a:off x="1977864" y="3479759"/>
+                    <a:ext cx="758967" cy="252000"/>
                   </a:xfrm>
                   <a:prstGeom prst="rect">
                     <a:avLst/>
                   </a:prstGeom>
                   <a:noFill/>
+                  <a:extLst>
+                    <a:ext uri="{909E8E84-426E-40DD-AFC4-6F175D3DCCD1}">
+                      <a14:hiddenFill xmlns:a14="http://schemas.microsoft.com/office/drawing/2010/main">
+                        <a:solidFill>
+                          <a:srgbClr val="FFFFFF"/>
+                        </a:solidFill>
+                      </a14:hiddenFill>
+                    </a:ext>
+                  </a:extLst>
                 </p:spPr>
-                <p:txBody>
-                  <a:bodyPr wrap="square" rtlCol="0">
-                    <a:spAutoFit/>
-                  </a:bodyPr>
-                  <a:lstStyle/>
-                  <a:p>
-                    <a:r>
-                      <a:rPr lang="en-US" altLang="ko-KR" sz="1600" b="1" dirty="0">
-                        <a:latin typeface="JejuGothic" panose="02000300000000000000" pitchFamily="2" charset="-127"/>
-                        <a:ea typeface="JejuGothic" panose="02000300000000000000" pitchFamily="2" charset="-127"/>
-                        <a:cs typeface="Malgun Gothic Semilight" panose="020B0502040204020203" pitchFamily="50" charset="-127"/>
-                      </a:rPr>
-                      <a:t>KT</a:t>
-                    </a:r>
-                    <a:r>
-                      <a:rPr lang="ko-KR" altLang="en-US" sz="1600" b="1" dirty="0">
-                        <a:latin typeface="JejuGothic" panose="02000300000000000000" pitchFamily="2" charset="-127"/>
-                        <a:ea typeface="JejuGothic" panose="02000300000000000000" pitchFamily="2" charset="-127"/>
-                        <a:cs typeface="Malgun Gothic Semilight" panose="020B0502040204020203" pitchFamily="50" charset="-127"/>
-                      </a:rPr>
-                      <a:t> </a:t>
-                    </a:r>
-                    <a:r>
-                      <a:rPr lang="ko-KR" altLang="en-US" sz="1600" b="1" dirty="0" err="1">
-                        <a:latin typeface="JejuGothic" panose="02000300000000000000" pitchFamily="2" charset="-127"/>
-                        <a:ea typeface="JejuGothic" panose="02000300000000000000" pitchFamily="2" charset="-127"/>
-                        <a:cs typeface="Malgun Gothic Semilight" panose="020B0502040204020203" pitchFamily="50" charset="-127"/>
-                      </a:rPr>
-                      <a:t>이홍희</a:t>
-                    </a:r>
-                    <a:endParaRPr lang="ko-KR" altLang="en-US" sz="1600" b="1" dirty="0">
-                      <a:latin typeface="JejuGothic" panose="02000300000000000000" pitchFamily="2" charset="-127"/>
-                      <a:ea typeface="JejuGothic" panose="02000300000000000000" pitchFamily="2" charset="-127"/>
-                      <a:cs typeface="Malgun Gothic Semilight" panose="020B0502040204020203" pitchFamily="50" charset="-127"/>
-                    </a:endParaRPr>
-                  </a:p>
-                </p:txBody>
-              </p:sp>
-              <p:sp>
-                <p:nvSpPr>
-                  <p:cNvPr id="65" name="TextBox 64">
+              </p:pic>
+              <p:pic>
+                <p:nvPicPr>
+                  <p:cNvPr id="22" name="그림 21" descr="로고, 폰트, 그래픽, 텍스트이(가) 표시된 사진&#10;&#10;AI 생성 콘텐츠는 정확하지 않을 수 있습니다.">
                     <a:extLst>
                       <a:ext uri="{FF2B5EF4-FFF2-40B4-BE49-F238E27FC236}">
-                        <a16:creationId xmlns:a16="http://schemas.microsoft.com/office/drawing/2014/main" id="{7211B888-DFF7-982A-4AEF-A85FA6A0BC69}"/>
+                        <a16:creationId xmlns:a16="http://schemas.microsoft.com/office/drawing/2014/main" id="{710DFF66-75EF-4899-1537-70BEC75A3D93}"/>
                       </a:ext>
                     </a:extLst>
                   </p:cNvPr>
-                  <p:cNvSpPr txBox="1"/>
+                  <p:cNvPicPr>
+                    <a:picLocks noChangeAspect="1"/>
+                  </p:cNvPicPr>
                   <p:nvPr/>
-                </p:nvSpPr>
+                </p:nvPicPr>
+                <p:blipFill>
+                  <a:blip r:embed="rId9">
+                    <a:extLst>
+                      <a:ext uri="{28A0092B-C50C-407E-A947-70E740481C1C}">
+                        <a14:useLocalDpi xmlns:a14="http://schemas.microsoft.com/office/drawing/2010/main" val="0"/>
+                      </a:ext>
+                    </a:extLst>
+                  </a:blip>
+                  <a:stretch>
+                    <a:fillRect/>
+                  </a:stretch>
+                </p:blipFill>
                 <p:spPr>
                   <a:xfrm>
-                    <a:off x="9135147" y="2418710"/>
-                    <a:ext cx="2270318" cy="338554"/>
+                    <a:off x="5267468" y="3362268"/>
+                    <a:ext cx="741819" cy="360000"/>
                   </a:xfrm>
                   <a:prstGeom prst="rect">
                     <a:avLst/>
                   </a:prstGeom>
-                  <a:noFill/>
                 </p:spPr>
-                <p:txBody>
-                  <a:bodyPr wrap="square" rtlCol="0">
-                    <a:spAutoFit/>
-                  </a:bodyPr>
-                  <a:lstStyle/>
-                  <a:p>
-                    <a:r>
-                      <a:rPr lang="ko-KR" altLang="en-US" sz="1600" b="1" dirty="0">
-                        <a:latin typeface="JejuGothic" panose="02000300000000000000" pitchFamily="2" charset="-127"/>
-                        <a:ea typeface="JejuGothic" panose="02000300000000000000" pitchFamily="2" charset="-127"/>
-                        <a:cs typeface="Malgun Gothic Semilight" panose="020B0502040204020203" pitchFamily="50" charset="-127"/>
-                      </a:rPr>
-                      <a:t>삼성전자</a:t>
-                    </a:r>
-                    <a:r>
-                      <a:rPr lang="en-US" altLang="ko-KR" sz="1600" b="1" dirty="0">
-                        <a:latin typeface="JejuGothic" panose="02000300000000000000" pitchFamily="2" charset="-127"/>
-                        <a:ea typeface="JejuGothic" panose="02000300000000000000" pitchFamily="2" charset="-127"/>
-                        <a:cs typeface="Malgun Gothic Semilight" panose="020B0502040204020203" pitchFamily="50" charset="-127"/>
-                      </a:rPr>
-                      <a:t> </a:t>
-                    </a:r>
-                    <a:r>
-                      <a:rPr lang="ko-KR" altLang="en-US" sz="1600" b="1" dirty="0">
-                        <a:latin typeface="JejuGothic" panose="02000300000000000000" pitchFamily="2" charset="-127"/>
-                        <a:ea typeface="JejuGothic" panose="02000300000000000000" pitchFamily="2" charset="-127"/>
-                        <a:cs typeface="Malgun Gothic Semilight" panose="020B0502040204020203" pitchFamily="50" charset="-127"/>
-                      </a:rPr>
-                      <a:t>김진영</a:t>
-                    </a:r>
-                  </a:p>
-                </p:txBody>
-              </p:sp>
-              <p:sp>
-                <p:nvSpPr>
-                  <p:cNvPr id="66" name="TextBox 65">
+              </p:pic>
+              <p:pic>
+                <p:nvPicPr>
+                  <p:cNvPr id="23" name="Picture 56">
                     <a:extLst>
                       <a:ext uri="{FF2B5EF4-FFF2-40B4-BE49-F238E27FC236}">
-                        <a16:creationId xmlns:a16="http://schemas.microsoft.com/office/drawing/2014/main" id="{F40729F9-6C38-C3D4-D302-1F732B2D95E1}"/>
+                        <a16:creationId xmlns:a16="http://schemas.microsoft.com/office/drawing/2014/main" id="{C6069C26-9210-0E0D-393B-E9182D0FC083}"/>
                       </a:ext>
                     </a:extLst>
                   </p:cNvPr>
-                  <p:cNvSpPr txBox="1"/>
+                  <p:cNvPicPr>
+                    <a:picLocks noChangeAspect="1"/>
+                  </p:cNvPicPr>
                   <p:nvPr/>
-                </p:nvSpPr>
+                </p:nvPicPr>
+                <p:blipFill>
+                  <a:blip r:embed="rId10"/>
+                  <a:stretch>
+                    <a:fillRect/>
+                  </a:stretch>
+                </p:blipFill>
                 <p:spPr>
                   <a:xfrm>
-                    <a:off x="9135147" y="2884366"/>
-                    <a:ext cx="2207912" cy="338554"/>
+                    <a:off x="2170133" y="5339510"/>
+                    <a:ext cx="870652" cy="252000"/>
                   </a:xfrm>
                   <a:prstGeom prst="rect">
                     <a:avLst/>
                   </a:prstGeom>
-                  <a:noFill/>
                 </p:spPr>
-                <p:txBody>
-                  <a:bodyPr wrap="square" rtlCol="0">
-                    <a:spAutoFit/>
-                  </a:bodyPr>
-                  <a:lstStyle/>
-                  <a:p>
-                    <a:r>
-                      <a:rPr lang="ko-KR" altLang="en-US" sz="1600" b="1" dirty="0">
-                        <a:latin typeface="JejuGothic" panose="02000300000000000000" pitchFamily="2" charset="-127"/>
-                        <a:ea typeface="JejuGothic" panose="02000300000000000000" pitchFamily="2" charset="-127"/>
-                        <a:cs typeface="Malgun Gothic Semilight" panose="020B0502040204020203" pitchFamily="50" charset="-127"/>
-                      </a:rPr>
-                      <a:t>삼성</a:t>
-                    </a:r>
-                    <a:r>
-                      <a:rPr lang="en-US" altLang="ko-KR" sz="1600" b="1" dirty="0">
-                        <a:latin typeface="JejuGothic" panose="02000300000000000000" pitchFamily="2" charset="-127"/>
-                        <a:ea typeface="JejuGothic" panose="02000300000000000000" pitchFamily="2" charset="-127"/>
-                        <a:cs typeface="Malgun Gothic Semilight" panose="020B0502040204020203" pitchFamily="50" charset="-127"/>
-                      </a:rPr>
-                      <a:t> Research </a:t>
-                    </a:r>
-                    <a:r>
-                      <a:rPr lang="ko-KR" altLang="en-US" sz="1600" b="1" dirty="0" err="1">
-                        <a:latin typeface="JejuGothic" panose="02000300000000000000" pitchFamily="2" charset="-127"/>
-                        <a:ea typeface="JejuGothic" panose="02000300000000000000" pitchFamily="2" charset="-127"/>
-                        <a:cs typeface="Malgun Gothic Semilight" panose="020B0502040204020203" pitchFamily="50" charset="-127"/>
-                      </a:rPr>
-                      <a:t>박지열</a:t>
-                    </a:r>
-                    <a:endParaRPr lang="ko-KR" altLang="en-US" sz="1600" b="1" dirty="0">
-                      <a:latin typeface="JejuGothic" panose="02000300000000000000" pitchFamily="2" charset="-127"/>
-                      <a:ea typeface="JejuGothic" panose="02000300000000000000" pitchFamily="2" charset="-127"/>
-                      <a:cs typeface="Malgun Gothic Semilight" panose="020B0502040204020203" pitchFamily="50" charset="-127"/>
-                    </a:endParaRPr>
-                  </a:p>
-                </p:txBody>
-              </p:sp>
+              </p:pic>
             </p:grpSp>
-            <p:pic>
-              <p:nvPicPr>
-                <p:cNvPr id="13" name="그림 12">
+            <p:sp>
+              <p:nvSpPr>
+                <p:cNvPr id="15" name="TextBox 14">
                   <a:extLst>
                     <a:ext uri="{FF2B5EF4-FFF2-40B4-BE49-F238E27FC236}">
-                      <a16:creationId xmlns:a16="http://schemas.microsoft.com/office/drawing/2014/main" id="{C521EB37-6593-07FB-76C0-000CA8CC6996}"/>
+                      <a16:creationId xmlns:a16="http://schemas.microsoft.com/office/drawing/2014/main" id="{5E929C57-807C-24AC-8457-9E1D780E5AE0}"/>
                     </a:ext>
                   </a:extLst>
                 </p:cNvPr>
-                <p:cNvPicPr>
-                  <a:picLocks noChangeAspect="1"/>
-                </p:cNvPicPr>
+                <p:cNvSpPr txBox="1"/>
                 <p:nvPr/>
-              </p:nvPicPr>
-              <p:blipFill rotWithShape="1">
-                <a:blip r:embed="rId3">
-                  <a:extLst>
-                    <a:ext uri="{28A0092B-C50C-407E-A947-70E740481C1C}">
-                      <a14:useLocalDpi xmlns:a14="http://schemas.microsoft.com/office/drawing/2010/main" val="0"/>
-                    </a:ext>
-                  </a:extLst>
-                </a:blip>
-                <a:srcRect l="13117" t="15493" r="12280" b="11649"/>
-                <a:stretch/>
-              </p:blipFill>
+              </p:nvSpPr>
               <p:spPr>
                 <a:xfrm>
-                  <a:off x="5712677" y="2067284"/>
-                  <a:ext cx="279537" cy="252000"/>
+                  <a:off x="5394659" y="3365553"/>
+                  <a:ext cx="1858433" cy="338554"/>
                 </a:xfrm>
                 <a:prstGeom prst="rect">
                   <a:avLst/>
                 </a:prstGeom>
+                <a:noFill/>
               </p:spPr>
-            </p:pic>
+              <p:txBody>
+                <a:bodyPr wrap="square" rtlCol="0">
+                  <a:spAutoFit/>
+                </a:bodyPr>
+                <a:lstStyle/>
+                <a:p>
+                  <a:r>
+                    <a:rPr lang="en-US" altLang="ko-KR" sz="1600" b="1" dirty="0">
+                      <a:latin typeface="JejuGothic" panose="02000300000000000000" pitchFamily="2" charset="-127"/>
+                      <a:ea typeface="JejuGothic" panose="02000300000000000000" pitchFamily="2" charset="-127"/>
+                      <a:cs typeface="Malgun Gothic Semilight" panose="020B0502040204020203" pitchFamily="50" charset="-127"/>
+                    </a:rPr>
+                    <a:t>LOTTE </a:t>
+                  </a:r>
+                  <a:r>
+                    <a:rPr lang="ko-KR" altLang="en-US" sz="1600" b="1" dirty="0" err="1">
+                      <a:latin typeface="JejuGothic" panose="02000300000000000000" pitchFamily="2" charset="-127"/>
+                      <a:ea typeface="JejuGothic" panose="02000300000000000000" pitchFamily="2" charset="-127"/>
+                      <a:cs typeface="Malgun Gothic Semilight" panose="020B0502040204020203" pitchFamily="50" charset="-127"/>
+                    </a:rPr>
+                    <a:t>신승민</a:t>
+                  </a:r>
+                  <a:endParaRPr lang="ko-KR" altLang="en-US" sz="1600" b="1" dirty="0">
+                    <a:latin typeface="JejuGothic" panose="02000300000000000000" pitchFamily="2" charset="-127"/>
+                    <a:ea typeface="JejuGothic" panose="02000300000000000000" pitchFamily="2" charset="-127"/>
+                    <a:cs typeface="Malgun Gothic Semilight" panose="020B0502040204020203" pitchFamily="50" charset="-127"/>
+                  </a:endParaRPr>
+                </a:p>
+              </p:txBody>
+            </p:sp>
             <p:pic>
               <p:nvPicPr>
-                <p:cNvPr id="14" name="Picture 10">
+                <p:cNvPr id="21" name="Picture 10">
                   <a:extLst>
                     <a:ext uri="{FF2B5EF4-FFF2-40B4-BE49-F238E27FC236}">
-                      <a16:creationId xmlns:a16="http://schemas.microsoft.com/office/drawing/2014/main" id="{ECEFDE85-1E72-128F-881F-B91B9FDF94B1}"/>
+                      <a16:creationId xmlns:a16="http://schemas.microsoft.com/office/drawing/2014/main" id="{48AC19E2-3353-9EEA-9FE0-E847CDB0AA41}"/>
                     </a:ext>
                   </a:extLst>
                 </p:cNvPr>
@@ -8604,7 +8790,7 @@
               </p:blipFill>
               <p:spPr bwMode="auto">
                 <a:xfrm>
-                  <a:off x="1977864" y="3479759"/>
+                  <a:off x="4652559" y="2530968"/>
                   <a:ext cx="758967" cy="252000"/>
                 </a:xfrm>
                 <a:prstGeom prst="rect">
@@ -8622,79 +8808,13 @@
                 </a:extLst>
               </p:spPr>
             </p:pic>
-            <p:pic>
-              <p:nvPicPr>
-                <p:cNvPr id="22" name="그림 21" descr="로고, 폰트, 그래픽, 텍스트이(가) 표시된 사진&#10;&#10;AI 생성 콘텐츠는 정확하지 않을 수 있습니다.">
-                  <a:extLst>
-                    <a:ext uri="{FF2B5EF4-FFF2-40B4-BE49-F238E27FC236}">
-                      <a16:creationId xmlns:a16="http://schemas.microsoft.com/office/drawing/2014/main" id="{710DFF66-75EF-4899-1537-70BEC75A3D93}"/>
-                    </a:ext>
-                  </a:extLst>
-                </p:cNvPr>
-                <p:cNvPicPr>
-                  <a:picLocks noChangeAspect="1"/>
-                </p:cNvPicPr>
-                <p:nvPr/>
-              </p:nvPicPr>
-              <p:blipFill>
-                <a:blip r:embed="rId9">
-                  <a:extLst>
-                    <a:ext uri="{28A0092B-C50C-407E-A947-70E740481C1C}">
-                      <a14:useLocalDpi xmlns:a14="http://schemas.microsoft.com/office/drawing/2010/main" val="0"/>
-                    </a:ext>
-                  </a:extLst>
-                </a:blip>
-                <a:stretch>
-                  <a:fillRect/>
-                </a:stretch>
-              </p:blipFill>
-              <p:spPr>
-                <a:xfrm>
-                  <a:off x="5267468" y="3362268"/>
-                  <a:ext cx="741819" cy="360000"/>
-                </a:xfrm>
-                <a:prstGeom prst="rect">
-                  <a:avLst/>
-                </a:prstGeom>
-              </p:spPr>
-            </p:pic>
-            <p:pic>
-              <p:nvPicPr>
-                <p:cNvPr id="23" name="Picture 56">
-                  <a:extLst>
-                    <a:ext uri="{FF2B5EF4-FFF2-40B4-BE49-F238E27FC236}">
-                      <a16:creationId xmlns:a16="http://schemas.microsoft.com/office/drawing/2014/main" id="{C6069C26-9210-0E0D-393B-E9182D0FC083}"/>
-                    </a:ext>
-                  </a:extLst>
-                </p:cNvPr>
-                <p:cNvPicPr>
-                  <a:picLocks noChangeAspect="1"/>
-                </p:cNvPicPr>
-                <p:nvPr/>
-              </p:nvPicPr>
-              <p:blipFill>
-                <a:blip r:embed="rId10"/>
-                <a:stretch>
-                  <a:fillRect/>
-                </a:stretch>
-              </p:blipFill>
-              <p:spPr>
-                <a:xfrm>
-                  <a:off x="2170133" y="5339510"/>
-                  <a:ext cx="870652" cy="252000"/>
-                </a:xfrm>
-                <a:prstGeom prst="rect">
-                  <a:avLst/>
-                </a:prstGeom>
-              </p:spPr>
-            </p:pic>
           </p:grpSp>
           <p:sp>
             <p:nvSpPr>
-              <p:cNvPr id="15" name="TextBox 14">
+              <p:cNvPr id="2" name="TextBox 1">
                 <a:extLst>
                   <a:ext uri="{FF2B5EF4-FFF2-40B4-BE49-F238E27FC236}">
-                    <a16:creationId xmlns:a16="http://schemas.microsoft.com/office/drawing/2014/main" id="{5E929C57-807C-24AC-8457-9E1D780E5AE0}"/>
+                    <a16:creationId xmlns:a16="http://schemas.microsoft.com/office/drawing/2014/main" id="{A5E45358-E311-3DA5-7C46-607BDEC60D90}"/>
                   </a:ext>
                 </a:extLst>
               </p:cNvPr>
@@ -8703,7 +8823,173 @@
             </p:nvSpPr>
             <p:spPr>
               <a:xfrm>
-                <a:off x="5394659" y="3365553"/>
+                <a:off x="5420378" y="3832680"/>
+                <a:ext cx="1858433" cy="338554"/>
+              </a:xfrm>
+              <a:prstGeom prst="rect">
+                <a:avLst/>
+              </a:prstGeom>
+              <a:noFill/>
+            </p:spPr>
+            <p:txBody>
+              <a:bodyPr wrap="square" rtlCol="0">
+                <a:spAutoFit/>
+              </a:bodyPr>
+              <a:lstStyle/>
+              <a:p>
+                <a:r>
+                  <a:rPr lang="en-US" altLang="ko-KR" sz="1600" b="1" dirty="0">
+                    <a:latin typeface="JejuGothic" panose="02000300000000000000" pitchFamily="2" charset="-127"/>
+                    <a:ea typeface="JejuGothic" panose="02000300000000000000" pitchFamily="2" charset="-127"/>
+                    <a:cs typeface="Malgun Gothic Semilight" panose="020B0502040204020203" pitchFamily="50" charset="-127"/>
+                  </a:rPr>
+                  <a:t>HDC Labs </a:t>
+                </a:r>
+                <a:r>
+                  <a:rPr lang="ko-KR" altLang="en-US" sz="1600" b="1" dirty="0">
+                    <a:latin typeface="JejuGothic" panose="02000300000000000000" pitchFamily="2" charset="-127"/>
+                    <a:ea typeface="JejuGothic" panose="02000300000000000000" pitchFamily="2" charset="-127"/>
+                    <a:cs typeface="Malgun Gothic Semilight" panose="020B0502040204020203" pitchFamily="50" charset="-127"/>
+                  </a:rPr>
+                  <a:t>이하은</a:t>
+                </a:r>
+              </a:p>
+            </p:txBody>
+          </p:sp>
+          <p:pic>
+            <p:nvPicPr>
+              <p:cNvPr id="27" name="그림 26" descr="폰트, 로고, 그래픽, 텍스트이(가) 표시된 사진&#10;&#10;AI 생성 콘텐츠는 정확하지 않을 수 있습니다.">
+                <a:extLst>
+                  <a:ext uri="{FF2B5EF4-FFF2-40B4-BE49-F238E27FC236}">
+                    <a16:creationId xmlns:a16="http://schemas.microsoft.com/office/drawing/2014/main" id="{7B0F468F-6E66-64F9-8E0E-496307C02A66}"/>
+                  </a:ext>
+                </a:extLst>
+              </p:cNvPr>
+              <p:cNvPicPr>
+                <a:picLocks noChangeAspect="1"/>
+              </p:cNvPicPr>
+              <p:nvPr/>
+            </p:nvPicPr>
+            <p:blipFill>
+              <a:blip r:embed="rId11">
+                <a:extLst>
+                  <a:ext uri="{28A0092B-C50C-407E-A947-70E740481C1C}">
+                    <a14:useLocalDpi xmlns:a14="http://schemas.microsoft.com/office/drawing/2010/main" val="0"/>
+                  </a:ext>
+                </a:extLst>
+              </a:blip>
+              <a:stretch>
+                <a:fillRect/>
+              </a:stretch>
+            </p:blipFill>
+            <p:spPr>
+              <a:xfrm>
+                <a:off x="4652559" y="3805222"/>
+                <a:ext cx="793817" cy="417394"/>
+              </a:xfrm>
+              <a:prstGeom prst="rect">
+                <a:avLst/>
+              </a:prstGeom>
+            </p:spPr>
+          </p:pic>
+          <p:pic>
+            <p:nvPicPr>
+              <p:cNvPr id="25" name="Picture 10">
+                <a:extLst>
+                  <a:ext uri="{FF2B5EF4-FFF2-40B4-BE49-F238E27FC236}">
+                    <a16:creationId xmlns:a16="http://schemas.microsoft.com/office/drawing/2014/main" id="{2FDCCB9F-CA91-DB6A-EE4B-F89BE7D57C4E}"/>
+                  </a:ext>
+                </a:extLst>
+              </p:cNvPr>
+              <p:cNvPicPr>
+                <a:picLocks noChangeAspect="1" noChangeArrowheads="1"/>
+              </p:cNvPicPr>
+              <p:nvPr/>
+            </p:nvPicPr>
+            <p:blipFill>
+              <a:blip r:embed="rId8">
+                <a:extLst>
+                  <a:ext uri="{28A0092B-C50C-407E-A947-70E740481C1C}">
+                    <a14:useLocalDpi xmlns:a14="http://schemas.microsoft.com/office/drawing/2010/main" val="0"/>
+                  </a:ext>
+                </a:extLst>
+              </a:blip>
+              <a:srcRect/>
+              <a:stretch>
+                <a:fillRect/>
+              </a:stretch>
+            </p:blipFill>
+            <p:spPr bwMode="auto">
+              <a:xfrm>
+                <a:off x="4645230" y="3020150"/>
+                <a:ext cx="758967" cy="252000"/>
+              </a:xfrm>
+              <a:prstGeom prst="rect">
+                <a:avLst/>
+              </a:prstGeom>
+              <a:noFill/>
+              <a:extLst>
+                <a:ext uri="{909E8E84-426E-40DD-AFC4-6F175D3DCCD1}">
+                  <a14:hiddenFill xmlns:a14="http://schemas.microsoft.com/office/drawing/2010/main">
+                    <a:solidFill>
+                      <a:srgbClr val="FFFFFF"/>
+                    </a:solidFill>
+                  </a14:hiddenFill>
+                </a:ext>
+              </a:extLst>
+            </p:spPr>
+          </p:pic>
+          <p:pic>
+            <p:nvPicPr>
+              <p:cNvPr id="28" name="그림 27" descr="로고, 폰트, 그래픽, 텍스트이(가) 표시된 사진&#10;&#10;AI 생성 콘텐츠는 정확하지 않을 수 있습니다.">
+                <a:extLst>
+                  <a:ext uri="{FF2B5EF4-FFF2-40B4-BE49-F238E27FC236}">
+                    <a16:creationId xmlns:a16="http://schemas.microsoft.com/office/drawing/2014/main" id="{7D43A430-A509-3B80-F734-33324925E02B}"/>
+                  </a:ext>
+                </a:extLst>
+              </p:cNvPr>
+              <p:cNvPicPr>
+                <a:picLocks noChangeAspect="1"/>
+              </p:cNvPicPr>
+              <p:nvPr/>
+            </p:nvPicPr>
+            <p:blipFill>
+              <a:blip r:embed="rId9">
+                <a:extLst>
+                  <a:ext uri="{28A0092B-C50C-407E-A947-70E740481C1C}">
+                    <a14:useLocalDpi xmlns:a14="http://schemas.microsoft.com/office/drawing/2010/main" val="0"/>
+                  </a:ext>
+                </a:extLst>
+              </a:blip>
+              <a:stretch>
+                <a:fillRect/>
+              </a:stretch>
+            </p:blipFill>
+            <p:spPr>
+              <a:xfrm>
+                <a:off x="4706841" y="4314053"/>
+                <a:ext cx="741819" cy="360000"/>
+              </a:xfrm>
+              <a:prstGeom prst="rect">
+                <a:avLst/>
+              </a:prstGeom>
+            </p:spPr>
+          </p:pic>
+          <p:sp>
+            <p:nvSpPr>
+              <p:cNvPr id="29" name="TextBox 28">
+                <a:extLst>
+                  <a:ext uri="{FF2B5EF4-FFF2-40B4-BE49-F238E27FC236}">
+                    <a16:creationId xmlns:a16="http://schemas.microsoft.com/office/drawing/2014/main" id="{1C778901-3F37-9837-8A82-389D09CDCF3F}"/>
+                  </a:ext>
+                </a:extLst>
+              </p:cNvPr>
+              <p:cNvSpPr txBox="1"/>
+              <p:nvPr/>
+            </p:nvSpPr>
+            <p:spPr>
+              <a:xfrm>
+                <a:off x="5431793" y="4321996"/>
                 <a:ext cx="1858433" cy="338554"/>
               </a:xfrm>
               <a:prstGeom prst="rect">
@@ -8731,7 +9017,7 @@
                     <a:ea typeface="JejuGothic" panose="02000300000000000000" pitchFamily="2" charset="-127"/>
                     <a:cs typeface="Malgun Gothic Semilight" panose="020B0502040204020203" pitchFamily="50" charset="-127"/>
                   </a:rPr>
-                  <a:t>신승민</a:t>
+                  <a:t>차현묵</a:t>
                 </a:r>
                 <a:endParaRPr lang="ko-KR" altLang="en-US" sz="1600" b="1" dirty="0">
                   <a:latin typeface="JejuGothic" panose="02000300000000000000" pitchFamily="2" charset="-127"/>
@@ -8741,12 +9027,67 @@
               </a:p>
             </p:txBody>
           </p:sp>
+          <p:sp>
+            <p:nvSpPr>
+              <p:cNvPr id="30" name="TextBox 29">
+                <a:extLst>
+                  <a:ext uri="{FF2B5EF4-FFF2-40B4-BE49-F238E27FC236}">
+                    <a16:creationId xmlns:a16="http://schemas.microsoft.com/office/drawing/2014/main" id="{5C7FF6F5-6BF2-463C-E30F-84319E400AC9}"/>
+                  </a:ext>
+                </a:extLst>
+              </p:cNvPr>
+              <p:cNvSpPr txBox="1"/>
+              <p:nvPr/>
+            </p:nvSpPr>
+            <p:spPr>
+              <a:xfrm>
+                <a:off x="5357177" y="4819374"/>
+                <a:ext cx="2270318" cy="338554"/>
+              </a:xfrm>
+              <a:prstGeom prst="rect">
+                <a:avLst/>
+              </a:prstGeom>
+              <a:noFill/>
+            </p:spPr>
+            <p:txBody>
+              <a:bodyPr wrap="square" rtlCol="0">
+                <a:spAutoFit/>
+              </a:bodyPr>
+              <a:lstStyle/>
+              <a:p>
+                <a:r>
+                  <a:rPr lang="ko-KR" altLang="en-US" sz="1600" b="1" dirty="0">
+                    <a:latin typeface="JejuGothic" panose="02000300000000000000" pitchFamily="2" charset="-127"/>
+                    <a:ea typeface="JejuGothic" panose="02000300000000000000" pitchFamily="2" charset="-127"/>
+                    <a:cs typeface="Malgun Gothic Semilight" panose="020B0502040204020203" pitchFamily="50" charset="-127"/>
+                  </a:rPr>
+                  <a:t>삼성전자</a:t>
+                </a:r>
+                <a:r>
+                  <a:rPr lang="en-US" altLang="ko-KR" sz="1600" b="1" dirty="0">
+                    <a:latin typeface="JejuGothic" panose="02000300000000000000" pitchFamily="2" charset="-127"/>
+                    <a:ea typeface="JejuGothic" panose="02000300000000000000" pitchFamily="2" charset="-127"/>
+                    <a:cs typeface="Malgun Gothic Semilight" panose="020B0502040204020203" pitchFamily="50" charset="-127"/>
+                  </a:rPr>
+                  <a:t> </a:t>
+                </a:r>
+                <a:r>
+                  <a:rPr lang="ko-KR" altLang="en-US" sz="1600" b="1" dirty="0">
+                    <a:latin typeface="JejuGothic" panose="02000300000000000000" pitchFamily="2" charset="-127"/>
+                    <a:ea typeface="JejuGothic" panose="02000300000000000000" pitchFamily="2" charset="-127"/>
+                    <a:cs typeface="Malgun Gothic Semilight" panose="020B0502040204020203" pitchFamily="50" charset="-127"/>
+                  </a:rPr>
+                  <a:t>조현수</a:t>
+                </a:r>
+              </a:p>
+            </p:txBody>
+          </p:sp>
           <p:pic>
             <p:nvPicPr>
-              <p:cNvPr id="21" name="Picture 10">
+              <p:cNvPr id="31" name="Picture 10">
                 <a:extLst>
                   <a:ext uri="{FF2B5EF4-FFF2-40B4-BE49-F238E27FC236}">
-                    <a16:creationId xmlns:a16="http://schemas.microsoft.com/office/drawing/2014/main" id="{48AC19E2-3353-9EEA-9FE0-E847CDB0AA41}"/>
+                    <a16:creationId xmlns:a16="http://schemas.microsoft.com/office/drawing/2014/main" id="{E0AA84BA-56A0-2122-E8D6-06CBBDF7086C}"/>
                   </a:ext>
                 </a:extLst>
               </p:cNvPr>
@@ -8770,7 +9111,7 @@
             </p:blipFill>
             <p:spPr bwMode="auto">
               <a:xfrm>
-                <a:off x="4652559" y="2530968"/>
+                <a:off x="4615076" y="4865450"/>
                 <a:ext cx="758967" cy="252000"/>
               </a:xfrm>
               <a:prstGeom prst="rect">
@@ -8791,10 +9132,10 @@
         </p:grpSp>
         <p:sp>
           <p:nvSpPr>
-            <p:cNvPr id="2" name="TextBox 1">
+            <p:cNvPr id="12" name="TextBox 11">
               <a:extLst>
                 <a:ext uri="{FF2B5EF4-FFF2-40B4-BE49-F238E27FC236}">
-                  <a16:creationId xmlns:a16="http://schemas.microsoft.com/office/drawing/2014/main" id="{A5E45358-E311-3DA5-7C46-607BDEC60D90}"/>
+                  <a16:creationId xmlns:a16="http://schemas.microsoft.com/office/drawing/2014/main" id="{5AC45553-18C8-2199-CFB6-B9DDE8527FD1}"/>
                 </a:ext>
               </a:extLst>
             </p:cNvPr>
@@ -8803,8 +9144,8 @@
           </p:nvSpPr>
           <p:spPr>
             <a:xfrm>
-              <a:off x="5420378" y="3832680"/>
-              <a:ext cx="1858433" cy="338554"/>
+              <a:off x="5374043" y="5297755"/>
+              <a:ext cx="2451652" cy="338554"/>
             </a:xfrm>
             <a:prstGeom prst="rect">
               <a:avLst/>
@@ -8812,7 +9153,7 @@
             <a:noFill/>
           </p:spPr>
           <p:txBody>
-            <a:bodyPr wrap="square" rtlCol="0">
+            <a:bodyPr wrap="square">
               <a:spAutoFit/>
             </a:bodyPr>
             <a:lstStyle/>
@@ -8823,7 +9164,7 @@
                   <a:ea typeface="JejuGothic" panose="02000300000000000000" pitchFamily="2" charset="-127"/>
                   <a:cs typeface="Malgun Gothic Semilight" panose="020B0502040204020203" pitchFamily="50" charset="-127"/>
                 </a:rPr>
-                <a:t>HDC Labs </a:t>
+                <a:t>Rebellion</a:t>
               </a:r>
               <a:r>
                 <a:rPr lang="ko-KR" altLang="en-US" sz="1600" b="1" dirty="0">
@@ -8831,53 +9172,30 @@
                   <a:ea typeface="JejuGothic" panose="02000300000000000000" pitchFamily="2" charset="-127"/>
                   <a:cs typeface="Malgun Gothic Semilight" panose="020B0502040204020203" pitchFamily="50" charset="-127"/>
                 </a:rPr>
-                <a:t>이하은</a:t>
+                <a:t> </a:t>
               </a:r>
+              <a:r>
+                <a:rPr lang="ko-KR" altLang="en-US" sz="1600" b="1" dirty="0" err="1">
+                  <a:latin typeface="JejuGothic" panose="02000300000000000000" pitchFamily="2" charset="-127"/>
+                  <a:ea typeface="JejuGothic" panose="02000300000000000000" pitchFamily="2" charset="-127"/>
+                  <a:cs typeface="Malgun Gothic Semilight" panose="020B0502040204020203" pitchFamily="50" charset="-127"/>
+                </a:rPr>
+                <a:t>박성완</a:t>
+              </a:r>
+              <a:endParaRPr lang="ko-KR" altLang="en-US" sz="1600" b="1" dirty="0">
+                <a:latin typeface="JejuGothic" panose="02000300000000000000" pitchFamily="2" charset="-127"/>
+                <a:ea typeface="JejuGothic" panose="02000300000000000000" pitchFamily="2" charset="-127"/>
+                <a:cs typeface="Malgun Gothic Semilight" panose="020B0502040204020203" pitchFamily="50" charset="-127"/>
+              </a:endParaRPr>
             </a:p>
           </p:txBody>
         </p:sp>
         <p:pic>
           <p:nvPicPr>
-            <p:cNvPr id="27" name="그림 26" descr="폰트, 로고, 그래픽, 텍스트이(가) 표시된 사진&#10;&#10;AI 생성 콘텐츠는 정확하지 않을 수 있습니다.">
+            <p:cNvPr id="1026" name="Picture 2" descr="Rebellions">
               <a:extLst>
                 <a:ext uri="{FF2B5EF4-FFF2-40B4-BE49-F238E27FC236}">
-                  <a16:creationId xmlns:a16="http://schemas.microsoft.com/office/drawing/2014/main" id="{7B0F468F-6E66-64F9-8E0E-496307C02A66}"/>
-                </a:ext>
-              </a:extLst>
-            </p:cNvPr>
-            <p:cNvPicPr>
-              <a:picLocks noChangeAspect="1"/>
-            </p:cNvPicPr>
-            <p:nvPr/>
-          </p:nvPicPr>
-          <p:blipFill>
-            <a:blip r:embed="rId11">
-              <a:extLst>
-                <a:ext uri="{28A0092B-C50C-407E-A947-70E740481C1C}">
-                  <a14:useLocalDpi xmlns:a14="http://schemas.microsoft.com/office/drawing/2010/main" val="0"/>
-                </a:ext>
-              </a:extLst>
-            </a:blip>
-            <a:stretch>
-              <a:fillRect/>
-            </a:stretch>
-          </p:blipFill>
-          <p:spPr>
-            <a:xfrm>
-              <a:off x="4652559" y="3805222"/>
-              <a:ext cx="793817" cy="417394"/>
-            </a:xfrm>
-            <a:prstGeom prst="rect">
-              <a:avLst/>
-            </a:prstGeom>
-          </p:spPr>
-        </p:pic>
-        <p:pic>
-          <p:nvPicPr>
-            <p:cNvPr id="25" name="Picture 10">
-              <a:extLst>
-                <a:ext uri="{FF2B5EF4-FFF2-40B4-BE49-F238E27FC236}">
-                  <a16:creationId xmlns:a16="http://schemas.microsoft.com/office/drawing/2014/main" id="{2FDCCB9F-CA91-DB6A-EE4B-F89BE7D57C4E}"/>
+                  <a16:creationId xmlns:a16="http://schemas.microsoft.com/office/drawing/2014/main" id="{99441370-1188-8642-791E-5B9955EAC0D2}"/>
                 </a:ext>
               </a:extLst>
             </p:cNvPr>
@@ -8887,7 +9205,7 @@
             <p:nvPr/>
           </p:nvPicPr>
           <p:blipFill>
-            <a:blip r:embed="rId8">
+            <a:blip r:embed="rId12">
               <a:extLst>
                 <a:ext uri="{28A0092B-C50C-407E-A947-70E740481C1C}">
                   <a14:useLocalDpi xmlns:a14="http://schemas.microsoft.com/office/drawing/2010/main" val="0"/>
@@ -8901,198 +9219,8 @@
           </p:blipFill>
           <p:spPr bwMode="auto">
             <a:xfrm>
-              <a:off x="4645230" y="3020150"/>
-              <a:ext cx="758967" cy="252000"/>
-            </a:xfrm>
-            <a:prstGeom prst="rect">
-              <a:avLst/>
-            </a:prstGeom>
-            <a:noFill/>
-            <a:extLst>
-              <a:ext uri="{909E8E84-426E-40DD-AFC4-6F175D3DCCD1}">
-                <a14:hiddenFill xmlns:a14="http://schemas.microsoft.com/office/drawing/2010/main">
-                  <a:solidFill>
-                    <a:srgbClr val="FFFFFF"/>
-                  </a:solidFill>
-                </a14:hiddenFill>
-              </a:ext>
-            </a:extLst>
-          </p:spPr>
-        </p:pic>
-        <p:pic>
-          <p:nvPicPr>
-            <p:cNvPr id="28" name="그림 27" descr="로고, 폰트, 그래픽, 텍스트이(가) 표시된 사진&#10;&#10;AI 생성 콘텐츠는 정확하지 않을 수 있습니다.">
-              <a:extLst>
-                <a:ext uri="{FF2B5EF4-FFF2-40B4-BE49-F238E27FC236}">
-                  <a16:creationId xmlns:a16="http://schemas.microsoft.com/office/drawing/2014/main" id="{7D43A430-A509-3B80-F734-33324925E02B}"/>
-                </a:ext>
-              </a:extLst>
-            </p:cNvPr>
-            <p:cNvPicPr>
-              <a:picLocks noChangeAspect="1"/>
-            </p:cNvPicPr>
-            <p:nvPr/>
-          </p:nvPicPr>
-          <p:blipFill>
-            <a:blip r:embed="rId9">
-              <a:extLst>
-                <a:ext uri="{28A0092B-C50C-407E-A947-70E740481C1C}">
-                  <a14:useLocalDpi xmlns:a14="http://schemas.microsoft.com/office/drawing/2010/main" val="0"/>
-                </a:ext>
-              </a:extLst>
-            </a:blip>
-            <a:stretch>
-              <a:fillRect/>
-            </a:stretch>
-          </p:blipFill>
-          <p:spPr>
-            <a:xfrm>
-              <a:off x="4706841" y="4314053"/>
-              <a:ext cx="741819" cy="360000"/>
-            </a:xfrm>
-            <a:prstGeom prst="rect">
-              <a:avLst/>
-            </a:prstGeom>
-          </p:spPr>
-        </p:pic>
-        <p:sp>
-          <p:nvSpPr>
-            <p:cNvPr id="29" name="TextBox 28">
-              <a:extLst>
-                <a:ext uri="{FF2B5EF4-FFF2-40B4-BE49-F238E27FC236}">
-                  <a16:creationId xmlns:a16="http://schemas.microsoft.com/office/drawing/2014/main" id="{1C778901-3F37-9837-8A82-389D09CDCF3F}"/>
-                </a:ext>
-              </a:extLst>
-            </p:cNvPr>
-            <p:cNvSpPr txBox="1"/>
-            <p:nvPr/>
-          </p:nvSpPr>
-          <p:spPr>
-            <a:xfrm>
-              <a:off x="5431793" y="4321996"/>
-              <a:ext cx="1858433" cy="338554"/>
-            </a:xfrm>
-            <a:prstGeom prst="rect">
-              <a:avLst/>
-            </a:prstGeom>
-            <a:noFill/>
-          </p:spPr>
-          <p:txBody>
-            <a:bodyPr wrap="square" rtlCol="0">
-              <a:spAutoFit/>
-            </a:bodyPr>
-            <a:lstStyle/>
-            <a:p>
-              <a:r>
-                <a:rPr lang="en-US" altLang="ko-KR" sz="1600" b="1" dirty="0">
-                  <a:latin typeface="JejuGothic" panose="02000300000000000000" pitchFamily="2" charset="-127"/>
-                  <a:ea typeface="JejuGothic" panose="02000300000000000000" pitchFamily="2" charset="-127"/>
-                  <a:cs typeface="Malgun Gothic Semilight" panose="020B0502040204020203" pitchFamily="50" charset="-127"/>
-                </a:rPr>
-                <a:t>LOTTE </a:t>
-              </a:r>
-              <a:r>
-                <a:rPr lang="ko-KR" altLang="en-US" sz="1600" b="1" dirty="0" err="1">
-                  <a:latin typeface="JejuGothic" panose="02000300000000000000" pitchFamily="2" charset="-127"/>
-                  <a:ea typeface="JejuGothic" panose="02000300000000000000" pitchFamily="2" charset="-127"/>
-                  <a:cs typeface="Malgun Gothic Semilight" panose="020B0502040204020203" pitchFamily="50" charset="-127"/>
-                </a:rPr>
-                <a:t>차현묵</a:t>
-              </a:r>
-              <a:endParaRPr lang="ko-KR" altLang="en-US" sz="1600" b="1" dirty="0">
-                <a:latin typeface="JejuGothic" panose="02000300000000000000" pitchFamily="2" charset="-127"/>
-                <a:ea typeface="JejuGothic" panose="02000300000000000000" pitchFamily="2" charset="-127"/>
-                <a:cs typeface="Malgun Gothic Semilight" panose="020B0502040204020203" pitchFamily="50" charset="-127"/>
-              </a:endParaRPr>
-            </a:p>
-          </p:txBody>
-        </p:sp>
-        <p:sp>
-          <p:nvSpPr>
-            <p:cNvPr id="30" name="TextBox 29">
-              <a:extLst>
-                <a:ext uri="{FF2B5EF4-FFF2-40B4-BE49-F238E27FC236}">
-                  <a16:creationId xmlns:a16="http://schemas.microsoft.com/office/drawing/2014/main" id="{5C7FF6F5-6BF2-463C-E30F-84319E400AC9}"/>
-                </a:ext>
-              </a:extLst>
-            </p:cNvPr>
-            <p:cNvSpPr txBox="1"/>
-            <p:nvPr/>
-          </p:nvSpPr>
-          <p:spPr>
-            <a:xfrm>
-              <a:off x="5357177" y="4819374"/>
-              <a:ext cx="2270318" cy="338554"/>
-            </a:xfrm>
-            <a:prstGeom prst="rect">
-              <a:avLst/>
-            </a:prstGeom>
-            <a:noFill/>
-          </p:spPr>
-          <p:txBody>
-            <a:bodyPr wrap="square" rtlCol="0">
-              <a:spAutoFit/>
-            </a:bodyPr>
-            <a:lstStyle/>
-            <a:p>
-              <a:r>
-                <a:rPr lang="ko-KR" altLang="en-US" sz="1600" b="1" dirty="0">
-                  <a:latin typeface="JejuGothic" panose="02000300000000000000" pitchFamily="2" charset="-127"/>
-                  <a:ea typeface="JejuGothic" panose="02000300000000000000" pitchFamily="2" charset="-127"/>
-                  <a:cs typeface="Malgun Gothic Semilight" panose="020B0502040204020203" pitchFamily="50" charset="-127"/>
-                </a:rPr>
-                <a:t>삼성전자</a:t>
-              </a:r>
-              <a:r>
-                <a:rPr lang="en-US" altLang="ko-KR" sz="1600" b="1" dirty="0">
-                  <a:latin typeface="JejuGothic" panose="02000300000000000000" pitchFamily="2" charset="-127"/>
-                  <a:ea typeface="JejuGothic" panose="02000300000000000000" pitchFamily="2" charset="-127"/>
-                  <a:cs typeface="Malgun Gothic Semilight" panose="020B0502040204020203" pitchFamily="50" charset="-127"/>
-                </a:rPr>
-                <a:t> </a:t>
-              </a:r>
-              <a:r>
-                <a:rPr lang="ko-KR" altLang="en-US" sz="1600" b="1" dirty="0">
-                  <a:latin typeface="JejuGothic" panose="02000300000000000000" pitchFamily="2" charset="-127"/>
-                  <a:ea typeface="JejuGothic" panose="02000300000000000000" pitchFamily="2" charset="-127"/>
-                  <a:cs typeface="Malgun Gothic Semilight" panose="020B0502040204020203" pitchFamily="50" charset="-127"/>
-                </a:rPr>
-                <a:t>조현수</a:t>
-              </a:r>
-            </a:p>
-          </p:txBody>
-        </p:sp>
-        <p:pic>
-          <p:nvPicPr>
-            <p:cNvPr id="31" name="Picture 10">
-              <a:extLst>
-                <a:ext uri="{FF2B5EF4-FFF2-40B4-BE49-F238E27FC236}">
-                  <a16:creationId xmlns:a16="http://schemas.microsoft.com/office/drawing/2014/main" id="{E0AA84BA-56A0-2122-E8D6-06CBBDF7086C}"/>
-                </a:ext>
-              </a:extLst>
-            </p:cNvPr>
-            <p:cNvPicPr>
-              <a:picLocks noChangeAspect="1" noChangeArrowheads="1"/>
-            </p:cNvPicPr>
-            <p:nvPr/>
-          </p:nvPicPr>
-          <p:blipFill>
-            <a:blip r:embed="rId8">
-              <a:extLst>
-                <a:ext uri="{28A0092B-C50C-407E-A947-70E740481C1C}">
-                  <a14:useLocalDpi xmlns:a14="http://schemas.microsoft.com/office/drawing/2010/main" val="0"/>
-                </a:ext>
-              </a:extLst>
-            </a:blip>
-            <a:srcRect/>
-            <a:stretch>
-              <a:fillRect/>
-            </a:stretch>
-          </p:blipFill>
-          <p:spPr bwMode="auto">
-            <a:xfrm>
-              <a:off x="4615076" y="4865450"/>
-              <a:ext cx="758967" cy="252000"/>
+              <a:off x="4413984" y="5365932"/>
+              <a:ext cx="960059" cy="176225"/>
             </a:xfrm>
             <a:prstGeom prst="rect">
               <a:avLst/>
